--- a/slides/Room-Logistics.pptx
+++ b/slides/Room-Logistics.pptx
@@ -5356,7 +5356,7 @@
         </p:nvSpPr>
         <p:spPr>
           <a:xfrm>
-            <a:off x="918440" y="494344"/>
+            <a:off x="1222866" y="491212"/>
             <a:ext cx="1108124" cy="369332"/>
           </a:xfrm>
           <a:prstGeom prst="rect">

--- a/slides/Room-Logistics.pptx
+++ b/slides/Room-Logistics.pptx
@@ -7,6 +7,7 @@
   <p:sldIdLst>
     <p:sldId id="257" r:id="rId2"/>
     <p:sldId id="256" r:id="rId3"/>
+    <p:sldId id="258" r:id="rId4"/>
   </p:sldIdLst>
   <p:sldSz cx="12192000" cy="6858000"/>
   <p:notesSz cx="6858000" cy="9144000"/>
@@ -105,6 +106,11 @@
       </a:defRPr>
     </a:lvl9pPr>
   </p:defaultTextStyle>
+  <p:extLst>
+    <p:ext uri="{EFAFB233-063F-42B5-8137-9DF3F51BA10A}">
+      <p15:sldGuideLst xmlns:p15="http://schemas.microsoft.com/office/powerpoint/2012/main"/>
+    </p:ext>
+  </p:extLst>
 </p:presentation>
 </file>
 
@@ -255,7 +261,7 @@
           <a:p>
             <a:fld id="{23F52385-9ABD-E54D-8CC9-2BA208299866}" type="datetimeFigureOut">
               <a:rPr lang="en-US" smtClean="0"/>
-              <a:t>12/18/23</a:t>
+              <a:t>12/28/23</a:t>
             </a:fld>
             <a:endParaRPr lang="en-US"/>
           </a:p>
@@ -453,7 +459,7 @@
           <a:p>
             <a:fld id="{23F52385-9ABD-E54D-8CC9-2BA208299866}" type="datetimeFigureOut">
               <a:rPr lang="en-US" smtClean="0"/>
-              <a:t>12/18/23</a:t>
+              <a:t>12/28/23</a:t>
             </a:fld>
             <a:endParaRPr lang="en-US"/>
           </a:p>
@@ -661,7 +667,7 @@
           <a:p>
             <a:fld id="{23F52385-9ABD-E54D-8CC9-2BA208299866}" type="datetimeFigureOut">
               <a:rPr lang="en-US" smtClean="0"/>
-              <a:t>12/18/23</a:t>
+              <a:t>12/28/23</a:t>
             </a:fld>
             <a:endParaRPr lang="en-US"/>
           </a:p>
@@ -859,7 +865,7 @@
           <a:p>
             <a:fld id="{23F52385-9ABD-E54D-8CC9-2BA208299866}" type="datetimeFigureOut">
               <a:rPr lang="en-US" smtClean="0"/>
-              <a:t>12/18/23</a:t>
+              <a:t>12/28/23</a:t>
             </a:fld>
             <a:endParaRPr lang="en-US"/>
           </a:p>
@@ -1134,7 +1140,7 @@
           <a:p>
             <a:fld id="{23F52385-9ABD-E54D-8CC9-2BA208299866}" type="datetimeFigureOut">
               <a:rPr lang="en-US" smtClean="0"/>
-              <a:t>12/18/23</a:t>
+              <a:t>12/28/23</a:t>
             </a:fld>
             <a:endParaRPr lang="en-US"/>
           </a:p>
@@ -1399,7 +1405,7 @@
           <a:p>
             <a:fld id="{23F52385-9ABD-E54D-8CC9-2BA208299866}" type="datetimeFigureOut">
               <a:rPr lang="en-US" smtClean="0"/>
-              <a:t>12/18/23</a:t>
+              <a:t>12/28/23</a:t>
             </a:fld>
             <a:endParaRPr lang="en-US"/>
           </a:p>
@@ -1811,7 +1817,7 @@
           <a:p>
             <a:fld id="{23F52385-9ABD-E54D-8CC9-2BA208299866}" type="datetimeFigureOut">
               <a:rPr lang="en-US" smtClean="0"/>
-              <a:t>12/18/23</a:t>
+              <a:t>12/28/23</a:t>
             </a:fld>
             <a:endParaRPr lang="en-US"/>
           </a:p>
@@ -1952,7 +1958,7 @@
           <a:p>
             <a:fld id="{23F52385-9ABD-E54D-8CC9-2BA208299866}" type="datetimeFigureOut">
               <a:rPr lang="en-US" smtClean="0"/>
-              <a:t>12/18/23</a:t>
+              <a:t>12/28/23</a:t>
             </a:fld>
             <a:endParaRPr lang="en-US"/>
           </a:p>
@@ -2065,7 +2071,7 @@
           <a:p>
             <a:fld id="{23F52385-9ABD-E54D-8CC9-2BA208299866}" type="datetimeFigureOut">
               <a:rPr lang="en-US" smtClean="0"/>
-              <a:t>12/18/23</a:t>
+              <a:t>12/28/23</a:t>
             </a:fld>
             <a:endParaRPr lang="en-US"/>
           </a:p>
@@ -2376,7 +2382,7 @@
           <a:p>
             <a:fld id="{23F52385-9ABD-E54D-8CC9-2BA208299866}" type="datetimeFigureOut">
               <a:rPr lang="en-US" smtClean="0"/>
-              <a:t>12/18/23</a:t>
+              <a:t>12/28/23</a:t>
             </a:fld>
             <a:endParaRPr lang="en-US"/>
           </a:p>
@@ -2664,7 +2670,7 @@
           <a:p>
             <a:fld id="{23F52385-9ABD-E54D-8CC9-2BA208299866}" type="datetimeFigureOut">
               <a:rPr lang="en-US" smtClean="0"/>
-              <a:t>12/18/23</a:t>
+              <a:t>12/28/23</a:t>
             </a:fld>
             <a:endParaRPr lang="en-US"/>
           </a:p>
@@ -2905,7 +2911,7 @@
           <a:p>
             <a:fld id="{23F52385-9ABD-E54D-8CC9-2BA208299866}" type="datetimeFigureOut">
               <a:rPr lang="en-US" smtClean="0"/>
-              <a:t>12/18/23</a:t>
+              <a:t>12/28/23</a:t>
             </a:fld>
             <a:endParaRPr lang="en-US"/>
           </a:p>
@@ -3324,6 +3330,58 @@
       </p:grpSpPr>
       <p:sp>
         <p:nvSpPr>
+          <p:cNvPr id="33" name="Rounded Rectangle 32">
+            <a:extLst>
+              <a:ext uri="{FF2B5EF4-FFF2-40B4-BE49-F238E27FC236}">
+                <a16:creationId xmlns:a16="http://schemas.microsoft.com/office/drawing/2014/main" id="{6D1B70C7-4579-A801-61B4-D6C7C6E0D3D6}"/>
+              </a:ext>
+            </a:extLst>
+          </p:cNvPr>
+          <p:cNvSpPr/>
+          <p:nvPr/>
+        </p:nvSpPr>
+        <p:spPr>
+          <a:xfrm>
+            <a:off x="4467225" y="1986746"/>
+            <a:ext cx="2153494" cy="902504"/>
+          </a:xfrm>
+          <a:prstGeom prst="roundRect">
+            <a:avLst>
+              <a:gd name="adj" fmla="val 7458"/>
+            </a:avLst>
+          </a:prstGeom>
+          <a:blipFill>
+            <a:blip r:embed="rId2"/>
+            <a:tile tx="0" ty="0" sx="100000" sy="100000" flip="none" algn="tl"/>
+          </a:blipFill>
+        </p:spPr>
+        <p:style>
+          <a:lnRef idx="2">
+            <a:schemeClr val="accent1">
+              <a:shade val="15000"/>
+            </a:schemeClr>
+          </a:lnRef>
+          <a:fillRef idx="1">
+            <a:schemeClr val="accent1"/>
+          </a:fillRef>
+          <a:effectRef idx="0">
+            <a:schemeClr val="accent1"/>
+          </a:effectRef>
+          <a:fontRef idx="minor">
+            <a:schemeClr val="lt1"/>
+          </a:fontRef>
+        </p:style>
+        <p:txBody>
+          <a:bodyPr rtlCol="0" anchor="ctr"/>
+          <a:lstStyle/>
+          <a:p>
+            <a:pPr algn="ctr"/>
+            <a:endParaRPr lang="en-US"/>
+          </a:p>
+        </p:txBody>
+      </p:sp>
+      <p:sp>
+        <p:nvSpPr>
           <p:cNvPr id="2" name="Title 1">
             <a:extLst>
               <a:ext uri="{FF2B5EF4-FFF2-40B4-BE49-F238E27FC236}">
@@ -3379,7 +3437,7 @@
         </p:spPr>
         <p:txBody>
           <a:bodyPr>
-            <a:normAutofit/>
+            <a:normAutofit fontScale="92500" lnSpcReduction="10000"/>
           </a:bodyPr>
           <a:lstStyle/>
           <a:p>
@@ -3392,7 +3450,30 @@
                 <a:effectLst/>
                 <a:latin typeface="Söhne"/>
               </a:rPr>
-              <a:t>The typical dimensions for a six-foot rectangular table, often used in events and rental settings, are as follows:</a:t>
+              <a:t>The typical dimensions for a six-foot long rectangular table, often used in events and rental settings, are as follows:</a:t>
+            </a:r>
+          </a:p>
+          <a:p>
+            <a:pPr lvl="1"/>
+            <a:r>
+              <a:rPr lang="en-US" b="1" i="0" dirty="0">
+                <a:solidFill>
+                  <a:srgbClr val="374151"/>
+                </a:solidFill>
+                <a:effectLst/>
+                <a:latin typeface="Söhne"/>
+              </a:rPr>
+              <a:t>Length: </a:t>
+            </a:r>
+            <a:r>
+              <a:rPr lang="en-US" i="0" dirty="0">
+                <a:solidFill>
+                  <a:srgbClr val="374151"/>
+                </a:solidFill>
+                <a:effectLst/>
+                <a:latin typeface="Söhne"/>
+              </a:rPr>
+              <a:t>6 feet</a:t>
             </a:r>
           </a:p>
           <a:p>
@@ -3451,60 +3532,11 @@
                 <a:effectLst/>
                 <a:latin typeface="Söhne"/>
               </a:rPr>
-              <a:t>These dimensions are standard for banquet tables, allowing for comfortable seating and dining space. </a:t>
+              <a:t>These dimensions are standard “banquet tables”, allowing for comfortable seating and dining space but they work great for these events</a:t>
             </a:r>
           </a:p>
           <a:p>
             <a:endParaRPr lang="en-US" dirty="0"/>
-          </a:p>
-        </p:txBody>
-      </p:sp>
-      <p:sp>
-        <p:nvSpPr>
-          <p:cNvPr id="4" name="Rectangle 3">
-            <a:extLst>
-              <a:ext uri="{FF2B5EF4-FFF2-40B4-BE49-F238E27FC236}">
-                <a16:creationId xmlns:a16="http://schemas.microsoft.com/office/drawing/2014/main" id="{37DB32E7-EC14-8377-6D6E-77F381A2A148}"/>
-              </a:ext>
-            </a:extLst>
-          </p:cNvPr>
-          <p:cNvSpPr/>
-          <p:nvPr/>
-        </p:nvSpPr>
-        <p:spPr>
-          <a:xfrm>
-            <a:off x="4455616" y="1981931"/>
-            <a:ext cx="2175414" cy="925392"/>
-          </a:xfrm>
-          <a:prstGeom prst="rect">
-            <a:avLst/>
-          </a:prstGeom>
-        </p:spPr>
-        <p:style>
-          <a:lnRef idx="2">
-            <a:schemeClr val="accent1">
-              <a:shade val="15000"/>
-            </a:schemeClr>
-          </a:lnRef>
-          <a:fillRef idx="1">
-            <a:schemeClr val="accent1"/>
-          </a:fillRef>
-          <a:effectRef idx="0">
-            <a:schemeClr val="accent1"/>
-          </a:effectRef>
-          <a:fontRef idx="minor">
-            <a:schemeClr val="lt1"/>
-          </a:fontRef>
-        </p:style>
-        <p:txBody>
-          <a:bodyPr rtlCol="0" anchor="ctr"/>
-          <a:lstStyle/>
-          <a:p>
-            <a:pPr algn="ctr"/>
-            <a:r>
-              <a:rPr lang="en-US" dirty="0"/>
-              <a:t>6-foot Table</a:t>
-            </a:r>
           </a:p>
         </p:txBody>
       </p:sp>
@@ -4534,6 +4566,166 @@
           </p:txBody>
         </p:sp>
       </p:grpSp>
+      <p:cxnSp>
+        <p:nvCxnSpPr>
+          <p:cNvPr id="30" name="Straight Arrow Connector 29">
+            <a:extLst>
+              <a:ext uri="{FF2B5EF4-FFF2-40B4-BE49-F238E27FC236}">
+                <a16:creationId xmlns:a16="http://schemas.microsoft.com/office/drawing/2014/main" id="{13BDEC56-239F-21E2-AABB-4380DBA1561F}"/>
+              </a:ext>
+            </a:extLst>
+          </p:cNvPr>
+          <p:cNvCxnSpPr>
+            <a:cxnSpLocks/>
+          </p:cNvCxnSpPr>
+          <p:nvPr/>
+        </p:nvCxnSpPr>
+        <p:spPr>
+          <a:xfrm>
+            <a:off x="6863788" y="1944547"/>
+            <a:ext cx="0" cy="960699"/>
+          </a:xfrm>
+          <a:prstGeom prst="straightConnector1">
+            <a:avLst/>
+          </a:prstGeom>
+          <a:ln w="28575">
+            <a:solidFill>
+              <a:schemeClr val="tx1"/>
+            </a:solidFill>
+            <a:headEnd type="triangle"/>
+            <a:tailEnd type="triangle"/>
+          </a:ln>
+        </p:spPr>
+        <p:style>
+          <a:lnRef idx="1">
+            <a:schemeClr val="accent1"/>
+          </a:lnRef>
+          <a:fillRef idx="0">
+            <a:schemeClr val="accent1"/>
+          </a:fillRef>
+          <a:effectRef idx="0">
+            <a:schemeClr val="accent1"/>
+          </a:effectRef>
+          <a:fontRef idx="minor">
+            <a:schemeClr val="tx1"/>
+          </a:fontRef>
+        </p:style>
+      </p:cxnSp>
+      <p:cxnSp>
+        <p:nvCxnSpPr>
+          <p:cNvPr id="34" name="Straight Arrow Connector 33">
+            <a:extLst>
+              <a:ext uri="{FF2B5EF4-FFF2-40B4-BE49-F238E27FC236}">
+                <a16:creationId xmlns:a16="http://schemas.microsoft.com/office/drawing/2014/main" id="{EE32B400-B0FA-B1CF-9E1F-779F1DA359DE}"/>
+              </a:ext>
+            </a:extLst>
+          </p:cNvPr>
+          <p:cNvCxnSpPr>
+            <a:cxnSpLocks/>
+          </p:cNvCxnSpPr>
+          <p:nvPr/>
+        </p:nvCxnSpPr>
+        <p:spPr>
+          <a:xfrm flipH="1">
+            <a:off x="4400310" y="1645534"/>
+            <a:ext cx="2197260" cy="0"/>
+          </a:xfrm>
+          <a:prstGeom prst="straightConnector1">
+            <a:avLst/>
+          </a:prstGeom>
+          <a:ln w="28575">
+            <a:solidFill>
+              <a:schemeClr val="tx1"/>
+            </a:solidFill>
+            <a:headEnd type="triangle"/>
+            <a:tailEnd type="triangle"/>
+          </a:ln>
+        </p:spPr>
+        <p:style>
+          <a:lnRef idx="1">
+            <a:schemeClr val="accent1"/>
+          </a:lnRef>
+          <a:fillRef idx="0">
+            <a:schemeClr val="accent1"/>
+          </a:fillRef>
+          <a:effectRef idx="0">
+            <a:schemeClr val="accent1"/>
+          </a:effectRef>
+          <a:fontRef idx="minor">
+            <a:schemeClr val="tx1"/>
+          </a:fontRef>
+        </p:style>
+      </p:cxnSp>
+      <p:sp>
+        <p:nvSpPr>
+          <p:cNvPr id="37" name="TextBox 36">
+            <a:extLst>
+              <a:ext uri="{FF2B5EF4-FFF2-40B4-BE49-F238E27FC236}">
+                <a16:creationId xmlns:a16="http://schemas.microsoft.com/office/drawing/2014/main" id="{10A13FC6-11B9-9883-3B9B-14382F1825C1}"/>
+              </a:ext>
+            </a:extLst>
+          </p:cNvPr>
+          <p:cNvSpPr txBox="1"/>
+          <p:nvPr/>
+        </p:nvSpPr>
+        <p:spPr>
+          <a:xfrm>
+            <a:off x="5220183" y="1238491"/>
+            <a:ext cx="559769" cy="369332"/>
+          </a:xfrm>
+          <a:prstGeom prst="rect">
+            <a:avLst/>
+          </a:prstGeom>
+          <a:noFill/>
+        </p:spPr>
+        <p:txBody>
+          <a:bodyPr wrap="none" rtlCol="0">
+            <a:spAutoFit/>
+          </a:bodyPr>
+          <a:lstStyle/>
+          <a:p>
+            <a:r>
+              <a:rPr lang="en-US" dirty="0"/>
+              <a:t>6 ft.</a:t>
+            </a:r>
+          </a:p>
+        </p:txBody>
+      </p:sp>
+      <p:sp>
+        <p:nvSpPr>
+          <p:cNvPr id="38" name="TextBox 37">
+            <a:extLst>
+              <a:ext uri="{FF2B5EF4-FFF2-40B4-BE49-F238E27FC236}">
+                <a16:creationId xmlns:a16="http://schemas.microsoft.com/office/drawing/2014/main" id="{8298A92A-FF91-6A65-4EEA-A0F36A149EE3}"/>
+              </a:ext>
+            </a:extLst>
+          </p:cNvPr>
+          <p:cNvSpPr txBox="1"/>
+          <p:nvPr/>
+        </p:nvSpPr>
+        <p:spPr>
+          <a:xfrm>
+            <a:off x="6923591" y="2258992"/>
+            <a:ext cx="734496" cy="369332"/>
+          </a:xfrm>
+          <a:prstGeom prst="rect">
+            <a:avLst/>
+          </a:prstGeom>
+          <a:noFill/>
+        </p:spPr>
+        <p:txBody>
+          <a:bodyPr wrap="none" rtlCol="0">
+            <a:spAutoFit/>
+          </a:bodyPr>
+          <a:lstStyle/>
+          <a:p>
+            <a:r>
+              <a:rPr lang="en-US" dirty="0"/>
+              <a:t>2.5 ft.</a:t>
+            </a:r>
+          </a:p>
+        </p:txBody>
+      </p:sp>
     </p:spTree>
     <p:extLst>
       <p:ext uri="{BB962C8B-B14F-4D97-AF65-F5344CB8AC3E}">
@@ -4566,45 +4758,10 @@
       </p:grpSpPr>
       <p:sp>
         <p:nvSpPr>
-          <p:cNvPr id="5" name="Title 4">
-            <a:extLst>
-              <a:ext uri="{FF2B5EF4-FFF2-40B4-BE49-F238E27FC236}">
-                <a16:creationId xmlns:a16="http://schemas.microsoft.com/office/drawing/2014/main" id="{8F2FAB4E-AB1F-E4FB-4A3F-FF37A2AC41BB}"/>
-              </a:ext>
-            </a:extLst>
-          </p:cNvPr>
-          <p:cNvSpPr>
-            <a:spLocks noGrp="1"/>
-          </p:cNvSpPr>
-          <p:nvPr>
-            <p:ph type="title"/>
-          </p:nvPr>
-        </p:nvSpPr>
-        <p:spPr>
-          <a:xfrm>
-            <a:off x="199292" y="117797"/>
-            <a:ext cx="10515600" cy="234769"/>
-          </a:xfrm>
-        </p:spPr>
-        <p:txBody>
-          <a:bodyPr>
-            <a:noAutofit/>
-          </a:bodyPr>
-          <a:lstStyle/>
-          <a:p>
-            <a:r>
-              <a:rPr lang="en-US" sz="2400" dirty="0"/>
-              <a:t>Robot Day Room Layout – 8  6’x30” tables in a 24’ x 36” room</a:t>
-            </a:r>
-          </a:p>
-        </p:txBody>
-      </p:sp>
-      <p:sp>
-        <p:nvSpPr>
-          <p:cNvPr id="7" name="Rectangle 6">
-            <a:extLst>
-              <a:ext uri="{FF2B5EF4-FFF2-40B4-BE49-F238E27FC236}">
-                <a16:creationId xmlns:a16="http://schemas.microsoft.com/office/drawing/2014/main" id="{2733BAC6-EE04-6AD2-2B67-DE154C43D7D5}"/>
+          <p:cNvPr id="27" name="Rounded Rectangle 26">
+            <a:extLst>
+              <a:ext uri="{FF2B5EF4-FFF2-40B4-BE49-F238E27FC236}">
+                <a16:creationId xmlns:a16="http://schemas.microsoft.com/office/drawing/2014/main" id="{1C038AB2-BC88-C7C8-1DB9-9D839EDB0AD1}"/>
               </a:ext>
             </a:extLst>
           </p:cNvPr>
@@ -4613,12 +4770,20 @@
         </p:nvSpPr>
         <p:spPr>
           <a:xfrm>
-            <a:off x="651022" y="834468"/>
-            <a:ext cx="2175414" cy="910799"/>
-          </a:xfrm>
-          <a:prstGeom prst="rect">
-            <a:avLst/>
+            <a:off x="729206" y="856526"/>
+            <a:ext cx="2176040" cy="891250"/>
+          </a:xfrm>
+          <a:prstGeom prst="roundRect">
+            <a:avLst>
+              <a:gd name="adj" fmla="val 12771"/>
+            </a:avLst>
           </a:prstGeom>
+          <a:solidFill>
+            <a:schemeClr val="accent4">
+              <a:lumMod val="20000"/>
+              <a:lumOff val="80000"/>
+            </a:schemeClr>
+          </a:solidFill>
         </p:spPr>
         <p:style>
           <a:lnRef idx="2">
@@ -4642,15 +4807,58 @@
           <a:p>
             <a:pPr algn="ctr"/>
             <a:r>
-              <a:rPr lang="en-US" dirty="0"/>
+              <a:rPr lang="en-US" dirty="0">
+                <a:solidFill>
+                  <a:schemeClr val="tx1"/>
+                </a:solidFill>
+              </a:rPr>
               <a:t>Welcome</a:t>
             </a:r>
           </a:p>
           <a:p>
             <a:pPr algn="ctr"/>
             <a:r>
-              <a:rPr lang="en-US" dirty="0"/>
+              <a:rPr lang="en-US" dirty="0">
+                <a:solidFill>
+                  <a:schemeClr val="tx1"/>
+                </a:solidFill>
+              </a:rPr>
               <a:t>Table</a:t>
+            </a:r>
+          </a:p>
+        </p:txBody>
+      </p:sp>
+      <p:sp>
+        <p:nvSpPr>
+          <p:cNvPr id="5" name="Title 4">
+            <a:extLst>
+              <a:ext uri="{FF2B5EF4-FFF2-40B4-BE49-F238E27FC236}">
+                <a16:creationId xmlns:a16="http://schemas.microsoft.com/office/drawing/2014/main" id="{8F2FAB4E-AB1F-E4FB-4A3F-FF37A2AC41BB}"/>
+              </a:ext>
+            </a:extLst>
+          </p:cNvPr>
+          <p:cNvSpPr>
+            <a:spLocks noGrp="1"/>
+          </p:cNvSpPr>
+          <p:nvPr>
+            <p:ph type="title"/>
+          </p:nvPr>
+        </p:nvSpPr>
+        <p:spPr>
+          <a:xfrm>
+            <a:off x="199292" y="117797"/>
+            <a:ext cx="10515600" cy="234769"/>
+          </a:xfrm>
+        </p:spPr>
+        <p:txBody>
+          <a:bodyPr>
+            <a:noAutofit/>
+          </a:bodyPr>
+          <a:lstStyle/>
+          <a:p>
+            <a:r>
+              <a:rPr lang="en-US" sz="2400" dirty="0"/>
+              <a:t>Robot Day Room Layout – 6  6’x30” tables in a 24’ x 36” room</a:t>
             </a:r>
           </a:p>
         </p:txBody>
@@ -4669,7 +4877,7 @@
         </p:nvSpPr>
         <p:spPr>
           <a:xfrm>
-            <a:off x="3042561" y="816401"/>
+            <a:off x="3482399" y="851125"/>
             <a:ext cx="2175414" cy="910799"/>
           </a:xfrm>
           <a:prstGeom prst="rect">
@@ -4725,7 +4933,7 @@
         </p:nvSpPr>
         <p:spPr>
           <a:xfrm>
-            <a:off x="7604044" y="812555"/>
+            <a:off x="763406" y="5118337"/>
             <a:ext cx="2175414" cy="906891"/>
           </a:xfrm>
           <a:prstGeom prst="rect">
@@ -4769,10 +4977,10 @@
       </p:sp>
       <p:sp>
         <p:nvSpPr>
-          <p:cNvPr id="34" name="Rectangle 33">
-            <a:extLst>
-              <a:ext uri="{FF2B5EF4-FFF2-40B4-BE49-F238E27FC236}">
-                <a16:creationId xmlns:a16="http://schemas.microsoft.com/office/drawing/2014/main" id="{F2E1FCDE-2690-72B9-9B66-BE8515164B9B}"/>
+          <p:cNvPr id="36" name="Rectangle 35">
+            <a:extLst>
+              <a:ext uri="{FF2B5EF4-FFF2-40B4-BE49-F238E27FC236}">
+                <a16:creationId xmlns:a16="http://schemas.microsoft.com/office/drawing/2014/main" id="{831DD2A8-91AB-5CBD-9C5D-5B772FC9CA3F}"/>
               </a:ext>
             </a:extLst>
           </p:cNvPr>
@@ -4781,8 +4989,8 @@
         </p:nvSpPr>
         <p:spPr>
           <a:xfrm>
-            <a:off x="411154" y="5311408"/>
-            <a:ext cx="2175414" cy="910800"/>
+            <a:off x="6238031" y="847279"/>
+            <a:ext cx="2175414" cy="914645"/>
           </a:xfrm>
           <a:prstGeom prst="rect">
             <a:avLst/>
@@ -4811,231 +5019,7 @@
             <a:pPr algn="ctr"/>
             <a:r>
               <a:rPr lang="en-US" dirty="0"/>
-              <a:t>Displays</a:t>
-            </a:r>
-          </a:p>
-          <a:p>
-            <a:pPr algn="ctr"/>
-            <a:r>
-              <a:rPr lang="en-US" dirty="0"/>
-              <a:t>Table</a:t>
-            </a:r>
-          </a:p>
-        </p:txBody>
-      </p:sp>
-      <p:sp>
-        <p:nvSpPr>
-          <p:cNvPr id="35" name="Rectangle 34">
-            <a:extLst>
-              <a:ext uri="{FF2B5EF4-FFF2-40B4-BE49-F238E27FC236}">
-                <a16:creationId xmlns:a16="http://schemas.microsoft.com/office/drawing/2014/main" id="{D52DBA09-3711-4630-DE53-E829EB5C3849}"/>
-              </a:ext>
-            </a:extLst>
-          </p:cNvPr>
-          <p:cNvSpPr/>
-          <p:nvPr/>
-        </p:nvSpPr>
-        <p:spPr>
-          <a:xfrm>
-            <a:off x="2737761" y="5311407"/>
-            <a:ext cx="2175414" cy="910800"/>
-          </a:xfrm>
-          <a:prstGeom prst="rect">
-            <a:avLst/>
-          </a:prstGeom>
-        </p:spPr>
-        <p:style>
-          <a:lnRef idx="2">
-            <a:schemeClr val="accent1">
-              <a:shade val="15000"/>
-            </a:schemeClr>
-          </a:lnRef>
-          <a:fillRef idx="1">
-            <a:schemeClr val="accent1"/>
-          </a:fillRef>
-          <a:effectRef idx="0">
-            <a:schemeClr val="accent1"/>
-          </a:effectRef>
-          <a:fontRef idx="minor">
-            <a:schemeClr val="lt1"/>
-          </a:fontRef>
-        </p:style>
-        <p:txBody>
-          <a:bodyPr rtlCol="0" anchor="ctr"/>
-          <a:lstStyle/>
-          <a:p>
-            <a:pPr algn="ctr"/>
-            <a:r>
-              <a:rPr lang="en-US" dirty="0"/>
-              <a:t>Microcontrollers</a:t>
-            </a:r>
-          </a:p>
-          <a:p>
-            <a:pPr algn="ctr"/>
-            <a:r>
-              <a:rPr lang="en-US" dirty="0"/>
-              <a:t>Table</a:t>
-            </a:r>
-          </a:p>
-        </p:txBody>
-      </p:sp>
-      <p:sp>
-        <p:nvSpPr>
-          <p:cNvPr id="36" name="Rectangle 35">
-            <a:extLst>
-              <a:ext uri="{FF2B5EF4-FFF2-40B4-BE49-F238E27FC236}">
-                <a16:creationId xmlns:a16="http://schemas.microsoft.com/office/drawing/2014/main" id="{831DD2A8-91AB-5CBD-9C5D-5B772FC9CA3F}"/>
-              </a:ext>
-            </a:extLst>
-          </p:cNvPr>
-          <p:cNvSpPr/>
-          <p:nvPr/>
-        </p:nvSpPr>
-        <p:spPr>
-          <a:xfrm>
-            <a:off x="5335206" y="812555"/>
-            <a:ext cx="2175414" cy="914645"/>
-          </a:xfrm>
-          <a:prstGeom prst="rect">
-            <a:avLst/>
-          </a:prstGeom>
-        </p:spPr>
-        <p:style>
-          <a:lnRef idx="2">
-            <a:schemeClr val="accent1">
-              <a:shade val="15000"/>
-            </a:schemeClr>
-          </a:lnRef>
-          <a:fillRef idx="1">
-            <a:schemeClr val="accent1"/>
-          </a:fillRef>
-          <a:effectRef idx="0">
-            <a:schemeClr val="accent1"/>
-          </a:effectRef>
-          <a:fontRef idx="minor">
-            <a:schemeClr val="lt1"/>
-          </a:fontRef>
-        </p:style>
-        <p:txBody>
-          <a:bodyPr rtlCol="0" anchor="ctr"/>
-          <a:lstStyle/>
-          <a:p>
-            <a:pPr algn="ctr"/>
-            <a:r>
-              <a:rPr lang="en-US" dirty="0"/>
               <a:t>Motors</a:t>
-            </a:r>
-          </a:p>
-          <a:p>
-            <a:pPr algn="ctr"/>
-            <a:r>
-              <a:rPr lang="en-US" dirty="0"/>
-              <a:t>Table</a:t>
-            </a:r>
-          </a:p>
-        </p:txBody>
-      </p:sp>
-      <p:sp>
-        <p:nvSpPr>
-          <p:cNvPr id="37" name="Rectangle 36">
-            <a:extLst>
-              <a:ext uri="{FF2B5EF4-FFF2-40B4-BE49-F238E27FC236}">
-                <a16:creationId xmlns:a16="http://schemas.microsoft.com/office/drawing/2014/main" id="{022963C7-38F0-BB26-2EFB-E4E6DB6238E5}"/>
-              </a:ext>
-            </a:extLst>
-          </p:cNvPr>
-          <p:cNvSpPr/>
-          <p:nvPr/>
-        </p:nvSpPr>
-        <p:spPr>
-          <a:xfrm>
-            <a:off x="7390975" y="5307560"/>
-            <a:ext cx="2175414" cy="914647"/>
-          </a:xfrm>
-          <a:prstGeom prst="rect">
-            <a:avLst/>
-          </a:prstGeom>
-        </p:spPr>
-        <p:style>
-          <a:lnRef idx="2">
-            <a:schemeClr val="accent1">
-              <a:shade val="15000"/>
-            </a:schemeClr>
-          </a:lnRef>
-          <a:fillRef idx="1">
-            <a:schemeClr val="accent1"/>
-          </a:fillRef>
-          <a:effectRef idx="0">
-            <a:schemeClr val="accent1"/>
-          </a:effectRef>
-          <a:fontRef idx="minor">
-            <a:schemeClr val="lt1"/>
-          </a:fontRef>
-        </p:style>
-        <p:txBody>
-          <a:bodyPr rtlCol="0" anchor="ctr"/>
-          <a:lstStyle/>
-          <a:p>
-            <a:pPr algn="ctr"/>
-            <a:r>
-              <a:rPr lang="en-US" dirty="0"/>
-              <a:t>AI Racing League</a:t>
-            </a:r>
-          </a:p>
-          <a:p>
-            <a:pPr algn="ctr"/>
-            <a:r>
-              <a:rPr lang="en-US" dirty="0"/>
-              <a:t>Table</a:t>
-            </a:r>
-          </a:p>
-        </p:txBody>
-      </p:sp>
-      <p:sp>
-        <p:nvSpPr>
-          <p:cNvPr id="38" name="Rectangle 37">
-            <a:extLst>
-              <a:ext uri="{FF2B5EF4-FFF2-40B4-BE49-F238E27FC236}">
-                <a16:creationId xmlns:a16="http://schemas.microsoft.com/office/drawing/2014/main" id="{87E232AA-C13C-D890-75F6-E5C929FD3057}"/>
-              </a:ext>
-            </a:extLst>
-          </p:cNvPr>
-          <p:cNvSpPr/>
-          <p:nvPr/>
-        </p:nvSpPr>
-        <p:spPr>
-          <a:xfrm>
-            <a:off x="5064368" y="5307561"/>
-            <a:ext cx="2175414" cy="914646"/>
-          </a:xfrm>
-          <a:prstGeom prst="rect">
-            <a:avLst/>
-          </a:prstGeom>
-        </p:spPr>
-        <p:style>
-          <a:lnRef idx="2">
-            <a:schemeClr val="accent1">
-              <a:shade val="15000"/>
-            </a:schemeClr>
-          </a:lnRef>
-          <a:fillRef idx="1">
-            <a:schemeClr val="accent1"/>
-          </a:fillRef>
-          <a:effectRef idx="0">
-            <a:schemeClr val="accent1"/>
-          </a:effectRef>
-          <a:fontRef idx="minor">
-            <a:schemeClr val="lt1"/>
-          </a:fontRef>
-        </p:style>
-        <p:txBody>
-          <a:bodyPr rtlCol="0" anchor="ctr"/>
-          <a:lstStyle/>
-          <a:p>
-            <a:pPr algn="ctr"/>
-            <a:r>
-              <a:rPr lang="en-US" dirty="0"/>
-              <a:t>Coding</a:t>
             </a:r>
           </a:p>
           <a:p>
@@ -5245,7 +5229,7 @@
         </p:nvSpPr>
         <p:spPr>
           <a:xfrm>
-            <a:off x="1120636" y="3067472"/>
+            <a:off x="912291" y="3206368"/>
             <a:ext cx="907300" cy="369332"/>
           </a:xfrm>
           <a:prstGeom prst="rect">
@@ -5391,7 +5375,7 @@
         </p:nvSpPr>
         <p:spPr>
           <a:xfrm>
-            <a:off x="3626308" y="485929"/>
+            <a:off x="4112445" y="439630"/>
             <a:ext cx="1108124" cy="369332"/>
           </a:xfrm>
           <a:prstGeom prst="rect">
@@ -5426,7 +5410,7 @@
         </p:nvSpPr>
         <p:spPr>
           <a:xfrm>
-            <a:off x="5868851" y="442922"/>
+            <a:off x="6771676" y="477646"/>
             <a:ext cx="1108124" cy="369332"/>
           </a:xfrm>
           <a:prstGeom prst="rect">
@@ -5461,7 +5445,7 @@
         </p:nvSpPr>
         <p:spPr>
           <a:xfrm>
-            <a:off x="8137689" y="424346"/>
+            <a:off x="1158155" y="6153815"/>
             <a:ext cx="1108124" cy="369332"/>
           </a:xfrm>
           <a:prstGeom prst="rect">
@@ -5496,7 +5480,7 @@
         </p:nvSpPr>
         <p:spPr>
           <a:xfrm>
-            <a:off x="1020224" y="6256786"/>
+            <a:off x="4191687" y="6036867"/>
             <a:ext cx="1108124" cy="369332"/>
           </a:xfrm>
           <a:prstGeom prst="rect">
@@ -5531,7 +5515,7 @@
         </p:nvSpPr>
         <p:spPr>
           <a:xfrm>
-            <a:off x="3271406" y="6256786"/>
+            <a:off x="6929005" y="6025292"/>
             <a:ext cx="1108124" cy="369332"/>
           </a:xfrm>
           <a:prstGeom prst="rect">
@@ -5554,10 +5538,10 @@
       </p:sp>
       <p:sp>
         <p:nvSpPr>
-          <p:cNvPr id="50" name="TextBox 49">
-            <a:extLst>
-              <a:ext uri="{FF2B5EF4-FFF2-40B4-BE49-F238E27FC236}">
-                <a16:creationId xmlns:a16="http://schemas.microsoft.com/office/drawing/2014/main" id="{967CF231-78A2-27AB-C9F8-7644A96DF35D}"/>
+          <p:cNvPr id="52" name="TextBox 51">
+            <a:extLst>
+              <a:ext uri="{FF2B5EF4-FFF2-40B4-BE49-F238E27FC236}">
+                <a16:creationId xmlns:a16="http://schemas.microsoft.com/office/drawing/2014/main" id="{F6183025-22CD-5C5E-084B-1363E7E71515}"/>
               </a:ext>
             </a:extLst>
           </p:cNvPr>
@@ -5566,8 +5550,8 @@
         </p:nvSpPr>
         <p:spPr>
           <a:xfrm>
-            <a:off x="5598013" y="6312863"/>
-            <a:ext cx="1108124" cy="369332"/>
+            <a:off x="10503877" y="6037541"/>
+            <a:ext cx="1242648" cy="369332"/>
           </a:xfrm>
           <a:prstGeom prst="rect">
             <a:avLst/>
@@ -5582,17 +5566,1088 @@
           <a:p>
             <a:r>
               <a:rPr lang="en-US" dirty="0"/>
-              <a:t>Volunteer</a:t>
-            </a:r>
-          </a:p>
-        </p:txBody>
-      </p:sp>
-      <p:sp>
-        <p:nvSpPr>
-          <p:cNvPr id="51" name="TextBox 50">
-            <a:extLst>
-              <a:ext uri="{FF2B5EF4-FFF2-40B4-BE49-F238E27FC236}">
-                <a16:creationId xmlns:a16="http://schemas.microsoft.com/office/drawing/2014/main" id="{213E37CD-5087-61C4-7D90-802065363862}"/>
+              <a:t>1 in = 2.5 ft</a:t>
+            </a:r>
+          </a:p>
+        </p:txBody>
+      </p:sp>
+      <p:sp>
+        <p:nvSpPr>
+          <p:cNvPr id="2" name="7-Point Star 1">
+            <a:extLst>
+              <a:ext uri="{FF2B5EF4-FFF2-40B4-BE49-F238E27FC236}">
+                <a16:creationId xmlns:a16="http://schemas.microsoft.com/office/drawing/2014/main" id="{471E6185-2202-13FB-ECB4-CE0331A6A23B}"/>
+              </a:ext>
+            </a:extLst>
+          </p:cNvPr>
+          <p:cNvSpPr/>
+          <p:nvPr/>
+        </p:nvSpPr>
+        <p:spPr>
+          <a:xfrm>
+            <a:off x="2280212" y="1261641"/>
+            <a:ext cx="416689" cy="416689"/>
+          </a:xfrm>
+          <a:prstGeom prst="star7">
+            <a:avLst/>
+          </a:prstGeom>
+          <a:solidFill>
+            <a:srgbClr val="FFFF00"/>
+          </a:solidFill>
+        </p:spPr>
+        <p:style>
+          <a:lnRef idx="2">
+            <a:schemeClr val="accent1">
+              <a:shade val="15000"/>
+            </a:schemeClr>
+          </a:lnRef>
+          <a:fillRef idx="1">
+            <a:schemeClr val="accent1"/>
+          </a:fillRef>
+          <a:effectRef idx="0">
+            <a:schemeClr val="accent1"/>
+          </a:effectRef>
+          <a:fontRef idx="minor">
+            <a:schemeClr val="lt1"/>
+          </a:fontRef>
+        </p:style>
+        <p:txBody>
+          <a:bodyPr rtlCol="0" anchor="ctr"/>
+          <a:lstStyle/>
+          <a:p>
+            <a:pPr algn="ctr"/>
+            <a:r>
+              <a:rPr lang="en-US" dirty="0">
+                <a:solidFill>
+                  <a:schemeClr val="tx1"/>
+                </a:solidFill>
+              </a:rPr>
+              <a:t>1</a:t>
+            </a:r>
+          </a:p>
+        </p:txBody>
+      </p:sp>
+      <p:sp>
+        <p:nvSpPr>
+          <p:cNvPr id="3" name="7-Point Star 2">
+            <a:extLst>
+              <a:ext uri="{FF2B5EF4-FFF2-40B4-BE49-F238E27FC236}">
+                <a16:creationId xmlns:a16="http://schemas.microsoft.com/office/drawing/2014/main" id="{17B73A46-D025-F151-5D67-E1E0137CC2F7}"/>
+              </a:ext>
+            </a:extLst>
+          </p:cNvPr>
+          <p:cNvSpPr/>
+          <p:nvPr/>
+        </p:nvSpPr>
+        <p:spPr>
+          <a:xfrm>
+            <a:off x="5198961" y="1298294"/>
+            <a:ext cx="416689" cy="416689"/>
+          </a:xfrm>
+          <a:prstGeom prst="star7">
+            <a:avLst/>
+          </a:prstGeom>
+          <a:solidFill>
+            <a:srgbClr val="FFFF00"/>
+          </a:solidFill>
+        </p:spPr>
+        <p:style>
+          <a:lnRef idx="2">
+            <a:schemeClr val="accent1">
+              <a:shade val="15000"/>
+            </a:schemeClr>
+          </a:lnRef>
+          <a:fillRef idx="1">
+            <a:schemeClr val="accent1"/>
+          </a:fillRef>
+          <a:effectRef idx="0">
+            <a:schemeClr val="accent1"/>
+          </a:effectRef>
+          <a:fontRef idx="minor">
+            <a:schemeClr val="lt1"/>
+          </a:fontRef>
+        </p:style>
+        <p:txBody>
+          <a:bodyPr rtlCol="0" anchor="ctr"/>
+          <a:lstStyle/>
+          <a:p>
+            <a:pPr algn="ctr"/>
+            <a:r>
+              <a:rPr lang="en-US" dirty="0">
+                <a:solidFill>
+                  <a:schemeClr val="tx1"/>
+                </a:solidFill>
+              </a:rPr>
+              <a:t>2</a:t>
+            </a:r>
+          </a:p>
+        </p:txBody>
+      </p:sp>
+      <p:sp>
+        <p:nvSpPr>
+          <p:cNvPr id="4" name="7-Point Star 3">
+            <a:extLst>
+              <a:ext uri="{FF2B5EF4-FFF2-40B4-BE49-F238E27FC236}">
+                <a16:creationId xmlns:a16="http://schemas.microsoft.com/office/drawing/2014/main" id="{4FCE79AD-E58B-B7A0-71B2-109A5E7F9B10}"/>
+              </a:ext>
+            </a:extLst>
+          </p:cNvPr>
+          <p:cNvSpPr/>
+          <p:nvPr/>
+        </p:nvSpPr>
+        <p:spPr>
+          <a:xfrm>
+            <a:off x="7978814" y="1277074"/>
+            <a:ext cx="416689" cy="416689"/>
+          </a:xfrm>
+          <a:prstGeom prst="star7">
+            <a:avLst/>
+          </a:prstGeom>
+          <a:solidFill>
+            <a:srgbClr val="FFFF00"/>
+          </a:solidFill>
+        </p:spPr>
+        <p:style>
+          <a:lnRef idx="2">
+            <a:schemeClr val="accent1">
+              <a:shade val="15000"/>
+            </a:schemeClr>
+          </a:lnRef>
+          <a:fillRef idx="1">
+            <a:schemeClr val="accent1"/>
+          </a:fillRef>
+          <a:effectRef idx="0">
+            <a:schemeClr val="accent1"/>
+          </a:effectRef>
+          <a:fontRef idx="minor">
+            <a:schemeClr val="lt1"/>
+          </a:fontRef>
+        </p:style>
+        <p:txBody>
+          <a:bodyPr rtlCol="0" anchor="ctr"/>
+          <a:lstStyle/>
+          <a:p>
+            <a:pPr algn="ctr"/>
+            <a:r>
+              <a:rPr lang="en-US" dirty="0">
+                <a:solidFill>
+                  <a:schemeClr val="tx1"/>
+                </a:solidFill>
+              </a:rPr>
+              <a:t>3</a:t>
+            </a:r>
+          </a:p>
+        </p:txBody>
+      </p:sp>
+      <p:sp>
+        <p:nvSpPr>
+          <p:cNvPr id="6" name="7-Point Star 5">
+            <a:extLst>
+              <a:ext uri="{FF2B5EF4-FFF2-40B4-BE49-F238E27FC236}">
+                <a16:creationId xmlns:a16="http://schemas.microsoft.com/office/drawing/2014/main" id="{3C0DA866-976A-8478-53F3-B481192F0897}"/>
+              </a:ext>
+            </a:extLst>
+          </p:cNvPr>
+          <p:cNvSpPr/>
+          <p:nvPr/>
+        </p:nvSpPr>
+        <p:spPr>
+          <a:xfrm>
+            <a:off x="2459619" y="5561636"/>
+            <a:ext cx="416689" cy="416689"/>
+          </a:xfrm>
+          <a:prstGeom prst="star7">
+            <a:avLst/>
+          </a:prstGeom>
+          <a:solidFill>
+            <a:srgbClr val="FFFF00"/>
+          </a:solidFill>
+        </p:spPr>
+        <p:style>
+          <a:lnRef idx="2">
+            <a:schemeClr val="accent1">
+              <a:shade val="15000"/>
+            </a:schemeClr>
+          </a:lnRef>
+          <a:fillRef idx="1">
+            <a:schemeClr val="accent1"/>
+          </a:fillRef>
+          <a:effectRef idx="0">
+            <a:schemeClr val="accent1"/>
+          </a:effectRef>
+          <a:fontRef idx="minor">
+            <a:schemeClr val="lt1"/>
+          </a:fontRef>
+        </p:style>
+        <p:txBody>
+          <a:bodyPr rtlCol="0" anchor="ctr"/>
+          <a:lstStyle/>
+          <a:p>
+            <a:pPr algn="ctr"/>
+            <a:r>
+              <a:rPr lang="en-US" dirty="0">
+                <a:solidFill>
+                  <a:schemeClr val="tx1"/>
+                </a:solidFill>
+              </a:rPr>
+              <a:t>4</a:t>
+            </a:r>
+          </a:p>
+        </p:txBody>
+      </p:sp>
+      <p:sp>
+        <p:nvSpPr>
+          <p:cNvPr id="12" name="Rectangle 11">
+            <a:extLst>
+              <a:ext uri="{FF2B5EF4-FFF2-40B4-BE49-F238E27FC236}">
+                <a16:creationId xmlns:a16="http://schemas.microsoft.com/office/drawing/2014/main" id="{C8EF5C30-6CA3-F185-E71E-B5032F32D2B5}"/>
+              </a:ext>
+            </a:extLst>
+          </p:cNvPr>
+          <p:cNvSpPr/>
+          <p:nvPr/>
+        </p:nvSpPr>
+        <p:spPr>
+          <a:xfrm>
+            <a:off x="3582617" y="5091489"/>
+            <a:ext cx="2175414" cy="910800"/>
+          </a:xfrm>
+          <a:prstGeom prst="rect">
+            <a:avLst/>
+          </a:prstGeom>
+        </p:spPr>
+        <p:style>
+          <a:lnRef idx="2">
+            <a:schemeClr val="accent1">
+              <a:shade val="15000"/>
+            </a:schemeClr>
+          </a:lnRef>
+          <a:fillRef idx="1">
+            <a:schemeClr val="accent1"/>
+          </a:fillRef>
+          <a:effectRef idx="0">
+            <a:schemeClr val="accent1"/>
+          </a:effectRef>
+          <a:fontRef idx="minor">
+            <a:schemeClr val="lt1"/>
+          </a:fontRef>
+        </p:style>
+        <p:txBody>
+          <a:bodyPr rtlCol="0" anchor="ctr"/>
+          <a:lstStyle/>
+          <a:p>
+            <a:pPr algn="ctr"/>
+            <a:r>
+              <a:rPr lang="en-US" dirty="0"/>
+              <a:t>Displays</a:t>
+            </a:r>
+          </a:p>
+          <a:p>
+            <a:pPr algn="ctr"/>
+            <a:r>
+              <a:rPr lang="en-US" dirty="0"/>
+              <a:t>Table</a:t>
+            </a:r>
+          </a:p>
+        </p:txBody>
+      </p:sp>
+      <p:sp>
+        <p:nvSpPr>
+          <p:cNvPr id="13" name="Rectangle 12">
+            <a:extLst>
+              <a:ext uri="{FF2B5EF4-FFF2-40B4-BE49-F238E27FC236}">
+                <a16:creationId xmlns:a16="http://schemas.microsoft.com/office/drawing/2014/main" id="{F32D3A85-618E-FC95-D273-13AF261EDE83}"/>
+              </a:ext>
+            </a:extLst>
+          </p:cNvPr>
+          <p:cNvSpPr/>
+          <p:nvPr/>
+        </p:nvSpPr>
+        <p:spPr>
+          <a:xfrm>
+            <a:off x="6395360" y="5079913"/>
+            <a:ext cx="2175414" cy="910800"/>
+          </a:xfrm>
+          <a:prstGeom prst="rect">
+            <a:avLst/>
+          </a:prstGeom>
+        </p:spPr>
+        <p:style>
+          <a:lnRef idx="2">
+            <a:schemeClr val="accent1">
+              <a:shade val="15000"/>
+            </a:schemeClr>
+          </a:lnRef>
+          <a:fillRef idx="1">
+            <a:schemeClr val="accent1"/>
+          </a:fillRef>
+          <a:effectRef idx="0">
+            <a:schemeClr val="accent1"/>
+          </a:effectRef>
+          <a:fontRef idx="minor">
+            <a:schemeClr val="lt1"/>
+          </a:fontRef>
+        </p:style>
+        <p:txBody>
+          <a:bodyPr rtlCol="0" anchor="ctr"/>
+          <a:lstStyle/>
+          <a:p>
+            <a:pPr algn="ctr"/>
+            <a:r>
+              <a:rPr lang="en-US" dirty="0"/>
+              <a:t>Microcontrollers</a:t>
+            </a:r>
+          </a:p>
+          <a:p>
+            <a:pPr algn="ctr"/>
+            <a:r>
+              <a:rPr lang="en-US" dirty="0"/>
+              <a:t>Table</a:t>
+            </a:r>
+          </a:p>
+        </p:txBody>
+      </p:sp>
+      <p:sp>
+        <p:nvSpPr>
+          <p:cNvPr id="14" name="7-Point Star 13">
+            <a:extLst>
+              <a:ext uri="{FF2B5EF4-FFF2-40B4-BE49-F238E27FC236}">
+                <a16:creationId xmlns:a16="http://schemas.microsoft.com/office/drawing/2014/main" id="{AD0E85A7-4827-5167-31D0-313D439376D3}"/>
+              </a:ext>
+            </a:extLst>
+          </p:cNvPr>
+          <p:cNvSpPr/>
+          <p:nvPr/>
+        </p:nvSpPr>
+        <p:spPr>
+          <a:xfrm>
+            <a:off x="5262621" y="5517267"/>
+            <a:ext cx="416689" cy="416689"/>
+          </a:xfrm>
+          <a:prstGeom prst="star7">
+            <a:avLst/>
+          </a:prstGeom>
+          <a:solidFill>
+            <a:srgbClr val="FFFF00"/>
+          </a:solidFill>
+        </p:spPr>
+        <p:style>
+          <a:lnRef idx="2">
+            <a:schemeClr val="accent1">
+              <a:shade val="15000"/>
+            </a:schemeClr>
+          </a:lnRef>
+          <a:fillRef idx="1">
+            <a:schemeClr val="accent1"/>
+          </a:fillRef>
+          <a:effectRef idx="0">
+            <a:schemeClr val="accent1"/>
+          </a:effectRef>
+          <a:fontRef idx="minor">
+            <a:schemeClr val="lt1"/>
+          </a:fontRef>
+        </p:style>
+        <p:txBody>
+          <a:bodyPr rtlCol="0" anchor="ctr"/>
+          <a:lstStyle/>
+          <a:p>
+            <a:pPr algn="ctr"/>
+            <a:r>
+              <a:rPr lang="en-US" dirty="0">
+                <a:solidFill>
+                  <a:schemeClr val="tx1"/>
+                </a:solidFill>
+              </a:rPr>
+              <a:t>5</a:t>
+            </a:r>
+          </a:p>
+        </p:txBody>
+      </p:sp>
+      <p:sp>
+        <p:nvSpPr>
+          <p:cNvPr id="15" name="7-Point Star 14">
+            <a:extLst>
+              <a:ext uri="{FF2B5EF4-FFF2-40B4-BE49-F238E27FC236}">
+                <a16:creationId xmlns:a16="http://schemas.microsoft.com/office/drawing/2014/main" id="{3C059B0B-D9E5-CD86-6E09-E22807E6C64A}"/>
+              </a:ext>
+            </a:extLst>
+          </p:cNvPr>
+          <p:cNvSpPr/>
+          <p:nvPr/>
+        </p:nvSpPr>
+        <p:spPr>
+          <a:xfrm>
+            <a:off x="8077198" y="5519195"/>
+            <a:ext cx="416689" cy="416689"/>
+          </a:xfrm>
+          <a:prstGeom prst="star7">
+            <a:avLst/>
+          </a:prstGeom>
+          <a:solidFill>
+            <a:srgbClr val="FFFF00"/>
+          </a:solidFill>
+        </p:spPr>
+        <p:style>
+          <a:lnRef idx="2">
+            <a:schemeClr val="accent1">
+              <a:shade val="15000"/>
+            </a:schemeClr>
+          </a:lnRef>
+          <a:fillRef idx="1">
+            <a:schemeClr val="accent1"/>
+          </a:fillRef>
+          <a:effectRef idx="0">
+            <a:schemeClr val="accent1"/>
+          </a:effectRef>
+          <a:fontRef idx="minor">
+            <a:schemeClr val="lt1"/>
+          </a:fontRef>
+        </p:style>
+        <p:txBody>
+          <a:bodyPr rtlCol="0" anchor="ctr"/>
+          <a:lstStyle/>
+          <a:p>
+            <a:pPr algn="ctr"/>
+            <a:r>
+              <a:rPr lang="en-US" dirty="0">
+                <a:solidFill>
+                  <a:schemeClr val="tx1"/>
+                </a:solidFill>
+              </a:rPr>
+              <a:t>6</a:t>
+            </a:r>
+          </a:p>
+        </p:txBody>
+      </p:sp>
+      <p:sp>
+        <p:nvSpPr>
+          <p:cNvPr id="19" name="Freeform 18">
+            <a:extLst>
+              <a:ext uri="{FF2B5EF4-FFF2-40B4-BE49-F238E27FC236}">
+                <a16:creationId xmlns:a16="http://schemas.microsoft.com/office/drawing/2014/main" id="{4BFDBF84-39B1-ADB9-ADCB-41B8A1EF9A4C}"/>
+              </a:ext>
+            </a:extLst>
+          </p:cNvPr>
+          <p:cNvSpPr/>
+          <p:nvPr/>
+        </p:nvSpPr>
+        <p:spPr>
+          <a:xfrm>
+            <a:off x="1331089" y="1990846"/>
+            <a:ext cx="358815" cy="1099595"/>
+          </a:xfrm>
+          <a:custGeom>
+            <a:avLst/>
+            <a:gdLst>
+              <a:gd name="connsiteX0" fmla="*/ 0 w 358815"/>
+              <a:gd name="connsiteY0" fmla="*/ 1099595 h 1099595"/>
+              <a:gd name="connsiteX1" fmla="*/ 289367 w 358815"/>
+              <a:gd name="connsiteY1" fmla="*/ 601884 h 1099595"/>
+              <a:gd name="connsiteX2" fmla="*/ 358815 w 358815"/>
+              <a:gd name="connsiteY2" fmla="*/ 0 h 1099595"/>
+            </a:gdLst>
+            <a:ahLst/>
+            <a:cxnLst>
+              <a:cxn ang="0">
+                <a:pos x="connsiteX0" y="connsiteY0"/>
+              </a:cxn>
+              <a:cxn ang="0">
+                <a:pos x="connsiteX1" y="connsiteY1"/>
+              </a:cxn>
+              <a:cxn ang="0">
+                <a:pos x="connsiteX2" y="connsiteY2"/>
+              </a:cxn>
+            </a:cxnLst>
+            <a:rect l="l" t="t" r="r" b="b"/>
+            <a:pathLst>
+              <a:path w="358815" h="1099595">
+                <a:moveTo>
+                  <a:pt x="0" y="1099595"/>
+                </a:moveTo>
+                <a:cubicBezTo>
+                  <a:pt x="114782" y="942372"/>
+                  <a:pt x="229565" y="785150"/>
+                  <a:pt x="289367" y="601884"/>
+                </a:cubicBezTo>
+                <a:cubicBezTo>
+                  <a:pt x="349169" y="418618"/>
+                  <a:pt x="353992" y="209309"/>
+                  <a:pt x="358815" y="0"/>
+                </a:cubicBezTo>
+              </a:path>
+            </a:pathLst>
+          </a:custGeom>
+          <a:noFill/>
+          <a:ln w="76200">
+            <a:headEnd type="none" w="med" len="med"/>
+            <a:tailEnd type="triangle" w="med" len="med"/>
+          </a:ln>
+        </p:spPr>
+        <p:style>
+          <a:lnRef idx="2">
+            <a:schemeClr val="accent1">
+              <a:shade val="15000"/>
+            </a:schemeClr>
+          </a:lnRef>
+          <a:fillRef idx="1">
+            <a:schemeClr val="accent1"/>
+          </a:fillRef>
+          <a:effectRef idx="0">
+            <a:schemeClr val="accent1"/>
+          </a:effectRef>
+          <a:fontRef idx="minor">
+            <a:schemeClr val="lt1"/>
+          </a:fontRef>
+        </p:style>
+        <p:txBody>
+          <a:bodyPr rtlCol="0" anchor="ctr"/>
+          <a:lstStyle/>
+          <a:p>
+            <a:pPr algn="ctr"/>
+            <a:endParaRPr lang="en-US"/>
+          </a:p>
+        </p:txBody>
+      </p:sp>
+      <p:sp>
+        <p:nvSpPr>
+          <p:cNvPr id="20" name="Freeform 19">
+            <a:extLst>
+              <a:ext uri="{FF2B5EF4-FFF2-40B4-BE49-F238E27FC236}">
+                <a16:creationId xmlns:a16="http://schemas.microsoft.com/office/drawing/2014/main" id="{52074B61-A573-84FC-967E-8BB724662045}"/>
+              </a:ext>
+            </a:extLst>
+          </p:cNvPr>
+          <p:cNvSpPr/>
+          <p:nvPr/>
+        </p:nvSpPr>
+        <p:spPr>
+          <a:xfrm rot="4244907">
+            <a:off x="2988197" y="1402467"/>
+            <a:ext cx="358815" cy="1099595"/>
+          </a:xfrm>
+          <a:custGeom>
+            <a:avLst/>
+            <a:gdLst>
+              <a:gd name="connsiteX0" fmla="*/ 0 w 358815"/>
+              <a:gd name="connsiteY0" fmla="*/ 1099595 h 1099595"/>
+              <a:gd name="connsiteX1" fmla="*/ 289367 w 358815"/>
+              <a:gd name="connsiteY1" fmla="*/ 601884 h 1099595"/>
+              <a:gd name="connsiteX2" fmla="*/ 358815 w 358815"/>
+              <a:gd name="connsiteY2" fmla="*/ 0 h 1099595"/>
+            </a:gdLst>
+            <a:ahLst/>
+            <a:cxnLst>
+              <a:cxn ang="0">
+                <a:pos x="connsiteX0" y="connsiteY0"/>
+              </a:cxn>
+              <a:cxn ang="0">
+                <a:pos x="connsiteX1" y="connsiteY1"/>
+              </a:cxn>
+              <a:cxn ang="0">
+                <a:pos x="connsiteX2" y="connsiteY2"/>
+              </a:cxn>
+            </a:cxnLst>
+            <a:rect l="l" t="t" r="r" b="b"/>
+            <a:pathLst>
+              <a:path w="358815" h="1099595">
+                <a:moveTo>
+                  <a:pt x="0" y="1099595"/>
+                </a:moveTo>
+                <a:cubicBezTo>
+                  <a:pt x="114782" y="942372"/>
+                  <a:pt x="229565" y="785150"/>
+                  <a:pt x="289367" y="601884"/>
+                </a:cubicBezTo>
+                <a:cubicBezTo>
+                  <a:pt x="349169" y="418618"/>
+                  <a:pt x="353992" y="209309"/>
+                  <a:pt x="358815" y="0"/>
+                </a:cubicBezTo>
+              </a:path>
+            </a:pathLst>
+          </a:custGeom>
+          <a:noFill/>
+          <a:ln w="76200">
+            <a:headEnd type="none" w="med" len="med"/>
+            <a:tailEnd type="triangle" w="med" len="med"/>
+          </a:ln>
+        </p:spPr>
+        <p:style>
+          <a:lnRef idx="2">
+            <a:schemeClr val="accent1">
+              <a:shade val="15000"/>
+            </a:schemeClr>
+          </a:lnRef>
+          <a:fillRef idx="1">
+            <a:schemeClr val="accent1"/>
+          </a:fillRef>
+          <a:effectRef idx="0">
+            <a:schemeClr val="accent1"/>
+          </a:effectRef>
+          <a:fontRef idx="minor">
+            <a:schemeClr val="lt1"/>
+          </a:fontRef>
+        </p:style>
+        <p:txBody>
+          <a:bodyPr rtlCol="0" anchor="ctr"/>
+          <a:lstStyle/>
+          <a:p>
+            <a:pPr algn="ctr"/>
+            <a:endParaRPr lang="en-US"/>
+          </a:p>
+        </p:txBody>
+      </p:sp>
+      <p:sp>
+        <p:nvSpPr>
+          <p:cNvPr id="21" name="Freeform 20">
+            <a:extLst>
+              <a:ext uri="{FF2B5EF4-FFF2-40B4-BE49-F238E27FC236}">
+                <a16:creationId xmlns:a16="http://schemas.microsoft.com/office/drawing/2014/main" id="{8678822F-E81C-FF88-7BA8-D8C316900BDF}"/>
+              </a:ext>
+            </a:extLst>
+          </p:cNvPr>
+          <p:cNvSpPr/>
+          <p:nvPr/>
+        </p:nvSpPr>
+        <p:spPr>
+          <a:xfrm rot="4244907">
+            <a:off x="5744899" y="1450694"/>
+            <a:ext cx="358815" cy="1099595"/>
+          </a:xfrm>
+          <a:custGeom>
+            <a:avLst/>
+            <a:gdLst>
+              <a:gd name="connsiteX0" fmla="*/ 0 w 358815"/>
+              <a:gd name="connsiteY0" fmla="*/ 1099595 h 1099595"/>
+              <a:gd name="connsiteX1" fmla="*/ 289367 w 358815"/>
+              <a:gd name="connsiteY1" fmla="*/ 601884 h 1099595"/>
+              <a:gd name="connsiteX2" fmla="*/ 358815 w 358815"/>
+              <a:gd name="connsiteY2" fmla="*/ 0 h 1099595"/>
+            </a:gdLst>
+            <a:ahLst/>
+            <a:cxnLst>
+              <a:cxn ang="0">
+                <a:pos x="connsiteX0" y="connsiteY0"/>
+              </a:cxn>
+              <a:cxn ang="0">
+                <a:pos x="connsiteX1" y="connsiteY1"/>
+              </a:cxn>
+              <a:cxn ang="0">
+                <a:pos x="connsiteX2" y="connsiteY2"/>
+              </a:cxn>
+            </a:cxnLst>
+            <a:rect l="l" t="t" r="r" b="b"/>
+            <a:pathLst>
+              <a:path w="358815" h="1099595">
+                <a:moveTo>
+                  <a:pt x="0" y="1099595"/>
+                </a:moveTo>
+                <a:cubicBezTo>
+                  <a:pt x="114782" y="942372"/>
+                  <a:pt x="229565" y="785150"/>
+                  <a:pt x="289367" y="601884"/>
+                </a:cubicBezTo>
+                <a:cubicBezTo>
+                  <a:pt x="349169" y="418618"/>
+                  <a:pt x="353992" y="209309"/>
+                  <a:pt x="358815" y="0"/>
+                </a:cubicBezTo>
+              </a:path>
+            </a:pathLst>
+          </a:custGeom>
+          <a:noFill/>
+          <a:ln w="76200">
+            <a:headEnd type="none" w="med" len="med"/>
+            <a:tailEnd type="triangle" w="med" len="med"/>
+          </a:ln>
+        </p:spPr>
+        <p:style>
+          <a:lnRef idx="2">
+            <a:schemeClr val="accent1">
+              <a:shade val="15000"/>
+            </a:schemeClr>
+          </a:lnRef>
+          <a:fillRef idx="1">
+            <a:schemeClr val="accent1"/>
+          </a:fillRef>
+          <a:effectRef idx="0">
+            <a:schemeClr val="accent1"/>
+          </a:effectRef>
+          <a:fontRef idx="minor">
+            <a:schemeClr val="lt1"/>
+          </a:fontRef>
+        </p:style>
+        <p:txBody>
+          <a:bodyPr rtlCol="0" anchor="ctr"/>
+          <a:lstStyle/>
+          <a:p>
+            <a:pPr algn="ctr"/>
+            <a:endParaRPr lang="en-US"/>
+          </a:p>
+        </p:txBody>
+      </p:sp>
+      <p:sp>
+        <p:nvSpPr>
+          <p:cNvPr id="22" name="Freeform 21">
+            <a:extLst>
+              <a:ext uri="{FF2B5EF4-FFF2-40B4-BE49-F238E27FC236}">
+                <a16:creationId xmlns:a16="http://schemas.microsoft.com/office/drawing/2014/main" id="{DE6292EA-F307-2A12-95E7-344DCCD3F340}"/>
+              </a:ext>
+            </a:extLst>
+          </p:cNvPr>
+          <p:cNvSpPr/>
+          <p:nvPr/>
+        </p:nvSpPr>
+        <p:spPr>
+          <a:xfrm rot="6454780" flipH="1">
+            <a:off x="3182139" y="4287269"/>
+            <a:ext cx="330201" cy="1099595"/>
+          </a:xfrm>
+          <a:custGeom>
+            <a:avLst/>
+            <a:gdLst>
+              <a:gd name="connsiteX0" fmla="*/ 0 w 358815"/>
+              <a:gd name="connsiteY0" fmla="*/ 1099595 h 1099595"/>
+              <a:gd name="connsiteX1" fmla="*/ 289367 w 358815"/>
+              <a:gd name="connsiteY1" fmla="*/ 601884 h 1099595"/>
+              <a:gd name="connsiteX2" fmla="*/ 358815 w 358815"/>
+              <a:gd name="connsiteY2" fmla="*/ 0 h 1099595"/>
+            </a:gdLst>
+            <a:ahLst/>
+            <a:cxnLst>
+              <a:cxn ang="0">
+                <a:pos x="connsiteX0" y="connsiteY0"/>
+              </a:cxn>
+              <a:cxn ang="0">
+                <a:pos x="connsiteX1" y="connsiteY1"/>
+              </a:cxn>
+              <a:cxn ang="0">
+                <a:pos x="connsiteX2" y="connsiteY2"/>
+              </a:cxn>
+            </a:cxnLst>
+            <a:rect l="l" t="t" r="r" b="b"/>
+            <a:pathLst>
+              <a:path w="358815" h="1099595">
+                <a:moveTo>
+                  <a:pt x="0" y="1099595"/>
+                </a:moveTo>
+                <a:cubicBezTo>
+                  <a:pt x="114782" y="942372"/>
+                  <a:pt x="229565" y="785150"/>
+                  <a:pt x="289367" y="601884"/>
+                </a:cubicBezTo>
+                <a:cubicBezTo>
+                  <a:pt x="349169" y="418618"/>
+                  <a:pt x="353992" y="209309"/>
+                  <a:pt x="358815" y="0"/>
+                </a:cubicBezTo>
+              </a:path>
+            </a:pathLst>
+          </a:custGeom>
+          <a:noFill/>
+          <a:ln w="76200">
+            <a:headEnd type="none" w="med" len="med"/>
+            <a:tailEnd type="triangle" w="med" len="med"/>
+          </a:ln>
+        </p:spPr>
+        <p:style>
+          <a:lnRef idx="2">
+            <a:schemeClr val="accent1">
+              <a:shade val="15000"/>
+            </a:schemeClr>
+          </a:lnRef>
+          <a:fillRef idx="1">
+            <a:schemeClr val="accent1"/>
+          </a:fillRef>
+          <a:effectRef idx="0">
+            <a:schemeClr val="accent1"/>
+          </a:effectRef>
+          <a:fontRef idx="minor">
+            <a:schemeClr val="lt1"/>
+          </a:fontRef>
+        </p:style>
+        <p:txBody>
+          <a:bodyPr rtlCol="0" anchor="ctr"/>
+          <a:lstStyle/>
+          <a:p>
+            <a:pPr algn="ctr"/>
+            <a:endParaRPr lang="en-US"/>
+          </a:p>
+        </p:txBody>
+      </p:sp>
+      <p:sp>
+        <p:nvSpPr>
+          <p:cNvPr id="23" name="Freeform 22">
+            <a:extLst>
+              <a:ext uri="{FF2B5EF4-FFF2-40B4-BE49-F238E27FC236}">
+                <a16:creationId xmlns:a16="http://schemas.microsoft.com/office/drawing/2014/main" id="{B883F017-5778-983C-7BD6-41EED619870B}"/>
+              </a:ext>
+            </a:extLst>
+          </p:cNvPr>
+          <p:cNvSpPr/>
+          <p:nvPr/>
+        </p:nvSpPr>
+        <p:spPr>
+          <a:xfrm rot="6454780" flipH="1">
+            <a:off x="5973566" y="4335495"/>
+            <a:ext cx="330201" cy="1099595"/>
+          </a:xfrm>
+          <a:custGeom>
+            <a:avLst/>
+            <a:gdLst>
+              <a:gd name="connsiteX0" fmla="*/ 0 w 358815"/>
+              <a:gd name="connsiteY0" fmla="*/ 1099595 h 1099595"/>
+              <a:gd name="connsiteX1" fmla="*/ 289367 w 358815"/>
+              <a:gd name="connsiteY1" fmla="*/ 601884 h 1099595"/>
+              <a:gd name="connsiteX2" fmla="*/ 358815 w 358815"/>
+              <a:gd name="connsiteY2" fmla="*/ 0 h 1099595"/>
+            </a:gdLst>
+            <a:ahLst/>
+            <a:cxnLst>
+              <a:cxn ang="0">
+                <a:pos x="connsiteX0" y="connsiteY0"/>
+              </a:cxn>
+              <a:cxn ang="0">
+                <a:pos x="connsiteX1" y="connsiteY1"/>
+              </a:cxn>
+              <a:cxn ang="0">
+                <a:pos x="connsiteX2" y="connsiteY2"/>
+              </a:cxn>
+            </a:cxnLst>
+            <a:rect l="l" t="t" r="r" b="b"/>
+            <a:pathLst>
+              <a:path w="358815" h="1099595">
+                <a:moveTo>
+                  <a:pt x="0" y="1099595"/>
+                </a:moveTo>
+                <a:cubicBezTo>
+                  <a:pt x="114782" y="942372"/>
+                  <a:pt x="229565" y="785150"/>
+                  <a:pt x="289367" y="601884"/>
+                </a:cubicBezTo>
+                <a:cubicBezTo>
+                  <a:pt x="349169" y="418618"/>
+                  <a:pt x="353992" y="209309"/>
+                  <a:pt x="358815" y="0"/>
+                </a:cubicBezTo>
+              </a:path>
+            </a:pathLst>
+          </a:custGeom>
+          <a:noFill/>
+          <a:ln w="76200">
+            <a:headEnd type="none" w="med" len="med"/>
+            <a:tailEnd type="triangle" w="med" len="med"/>
+          </a:ln>
+        </p:spPr>
+        <p:style>
+          <a:lnRef idx="2">
+            <a:schemeClr val="accent1">
+              <a:shade val="15000"/>
+            </a:schemeClr>
+          </a:lnRef>
+          <a:fillRef idx="1">
+            <a:schemeClr val="accent1"/>
+          </a:fillRef>
+          <a:effectRef idx="0">
+            <a:schemeClr val="accent1"/>
+          </a:effectRef>
+          <a:fontRef idx="minor">
+            <a:schemeClr val="lt1"/>
+          </a:fontRef>
+        </p:style>
+        <p:txBody>
+          <a:bodyPr rtlCol="0" anchor="ctr"/>
+          <a:lstStyle/>
+          <a:p>
+            <a:pPr algn="ctr"/>
+            <a:endParaRPr lang="en-US"/>
+          </a:p>
+        </p:txBody>
+      </p:sp>
+      <p:sp>
+        <p:nvSpPr>
+          <p:cNvPr id="24" name="Freeform 23">
+            <a:extLst>
+              <a:ext uri="{FF2B5EF4-FFF2-40B4-BE49-F238E27FC236}">
+                <a16:creationId xmlns:a16="http://schemas.microsoft.com/office/drawing/2014/main" id="{D6C0F077-91A0-4408-F5BF-271DBFBAD4B4}"/>
+              </a:ext>
+            </a:extLst>
+          </p:cNvPr>
+          <p:cNvSpPr/>
+          <p:nvPr/>
+        </p:nvSpPr>
+        <p:spPr>
+          <a:xfrm rot="15017741" flipH="1">
+            <a:off x="4813042" y="155391"/>
+            <a:ext cx="330201" cy="6593568"/>
+          </a:xfrm>
+          <a:custGeom>
+            <a:avLst/>
+            <a:gdLst>
+              <a:gd name="connsiteX0" fmla="*/ 0 w 358815"/>
+              <a:gd name="connsiteY0" fmla="*/ 1099595 h 1099595"/>
+              <a:gd name="connsiteX1" fmla="*/ 289367 w 358815"/>
+              <a:gd name="connsiteY1" fmla="*/ 601884 h 1099595"/>
+              <a:gd name="connsiteX2" fmla="*/ 358815 w 358815"/>
+              <a:gd name="connsiteY2" fmla="*/ 0 h 1099595"/>
+            </a:gdLst>
+            <a:ahLst/>
+            <a:cxnLst>
+              <a:cxn ang="0">
+                <a:pos x="connsiteX0" y="connsiteY0"/>
+              </a:cxn>
+              <a:cxn ang="0">
+                <a:pos x="connsiteX1" y="connsiteY1"/>
+              </a:cxn>
+              <a:cxn ang="0">
+                <a:pos x="connsiteX2" y="connsiteY2"/>
+              </a:cxn>
+            </a:cxnLst>
+            <a:rect l="l" t="t" r="r" b="b"/>
+            <a:pathLst>
+              <a:path w="358815" h="1099595">
+                <a:moveTo>
+                  <a:pt x="0" y="1099595"/>
+                </a:moveTo>
+                <a:cubicBezTo>
+                  <a:pt x="114782" y="942372"/>
+                  <a:pt x="229565" y="785150"/>
+                  <a:pt x="289367" y="601884"/>
+                </a:cubicBezTo>
+                <a:cubicBezTo>
+                  <a:pt x="349169" y="418618"/>
+                  <a:pt x="353992" y="209309"/>
+                  <a:pt x="358815" y="0"/>
+                </a:cubicBezTo>
+              </a:path>
+            </a:pathLst>
+          </a:custGeom>
+          <a:noFill/>
+          <a:ln w="76200">
+            <a:headEnd type="none" w="med" len="med"/>
+            <a:tailEnd type="triangle" w="med" len="med"/>
+          </a:ln>
+        </p:spPr>
+        <p:style>
+          <a:lnRef idx="2">
+            <a:schemeClr val="accent1">
+              <a:shade val="15000"/>
+            </a:schemeClr>
+          </a:lnRef>
+          <a:fillRef idx="1">
+            <a:schemeClr val="accent1"/>
+          </a:fillRef>
+          <a:effectRef idx="0">
+            <a:schemeClr val="accent1"/>
+          </a:effectRef>
+          <a:fontRef idx="minor">
+            <a:schemeClr val="lt1"/>
+          </a:fontRef>
+        </p:style>
+        <p:txBody>
+          <a:bodyPr rtlCol="0" anchor="ctr"/>
+          <a:lstStyle/>
+          <a:p>
+            <a:pPr algn="ctr"/>
+            <a:endParaRPr lang="en-US"/>
+          </a:p>
+        </p:txBody>
+      </p:sp>
+      <p:sp>
+        <p:nvSpPr>
+          <p:cNvPr id="25" name="Freeform 24">
+            <a:extLst>
+              <a:ext uri="{FF2B5EF4-FFF2-40B4-BE49-F238E27FC236}">
+                <a16:creationId xmlns:a16="http://schemas.microsoft.com/office/drawing/2014/main" id="{81B33D3C-D019-7FFC-433F-504004210D33}"/>
+              </a:ext>
+            </a:extLst>
+          </p:cNvPr>
+          <p:cNvSpPr/>
+          <p:nvPr/>
+        </p:nvSpPr>
+        <p:spPr>
+          <a:xfrm rot="4425908" flipH="1">
+            <a:off x="8672397" y="4001760"/>
+            <a:ext cx="330201" cy="1099595"/>
+          </a:xfrm>
+          <a:custGeom>
+            <a:avLst/>
+            <a:gdLst>
+              <a:gd name="connsiteX0" fmla="*/ 0 w 358815"/>
+              <a:gd name="connsiteY0" fmla="*/ 1099595 h 1099595"/>
+              <a:gd name="connsiteX1" fmla="*/ 289367 w 358815"/>
+              <a:gd name="connsiteY1" fmla="*/ 601884 h 1099595"/>
+              <a:gd name="connsiteX2" fmla="*/ 358815 w 358815"/>
+              <a:gd name="connsiteY2" fmla="*/ 0 h 1099595"/>
+            </a:gdLst>
+            <a:ahLst/>
+            <a:cxnLst>
+              <a:cxn ang="0">
+                <a:pos x="connsiteX0" y="connsiteY0"/>
+              </a:cxn>
+              <a:cxn ang="0">
+                <a:pos x="connsiteX1" y="connsiteY1"/>
+              </a:cxn>
+              <a:cxn ang="0">
+                <a:pos x="connsiteX2" y="connsiteY2"/>
+              </a:cxn>
+            </a:cxnLst>
+            <a:rect l="l" t="t" r="r" b="b"/>
+            <a:pathLst>
+              <a:path w="358815" h="1099595">
+                <a:moveTo>
+                  <a:pt x="0" y="1099595"/>
+                </a:moveTo>
+                <a:cubicBezTo>
+                  <a:pt x="114782" y="942372"/>
+                  <a:pt x="229565" y="785150"/>
+                  <a:pt x="289367" y="601884"/>
+                </a:cubicBezTo>
+                <a:cubicBezTo>
+                  <a:pt x="349169" y="418618"/>
+                  <a:pt x="353992" y="209309"/>
+                  <a:pt x="358815" y="0"/>
+                </a:cubicBezTo>
+              </a:path>
+            </a:pathLst>
+          </a:custGeom>
+          <a:noFill/>
+          <a:ln w="76200">
+            <a:headEnd type="none" w="med" len="med"/>
+            <a:tailEnd type="triangle" w="med" len="med"/>
+          </a:ln>
+        </p:spPr>
+        <p:style>
+          <a:lnRef idx="2">
+            <a:schemeClr val="accent1">
+              <a:shade val="15000"/>
+            </a:schemeClr>
+          </a:lnRef>
+          <a:fillRef idx="1">
+            <a:schemeClr val="accent1"/>
+          </a:fillRef>
+          <a:effectRef idx="0">
+            <a:schemeClr val="accent1"/>
+          </a:effectRef>
+          <a:fontRef idx="minor">
+            <a:schemeClr val="lt1"/>
+          </a:fontRef>
+        </p:style>
+        <p:txBody>
+          <a:bodyPr rtlCol="0" anchor="ctr"/>
+          <a:lstStyle/>
+          <a:p>
+            <a:pPr algn="ctr"/>
+            <a:endParaRPr lang="en-US"/>
+          </a:p>
+        </p:txBody>
+      </p:sp>
+      <p:sp>
+        <p:nvSpPr>
+          <p:cNvPr id="26" name="TextBox 25">
+            <a:extLst>
+              <a:ext uri="{FF2B5EF4-FFF2-40B4-BE49-F238E27FC236}">
+                <a16:creationId xmlns:a16="http://schemas.microsoft.com/office/drawing/2014/main" id="{1532BB18-3BBD-A032-1FB5-F1E50BA1B278}"/>
               </a:ext>
             </a:extLst>
           </p:cNvPr>
@@ -5601,8 +6656,8 @@
         </p:nvSpPr>
         <p:spPr>
           <a:xfrm>
-            <a:off x="7924620" y="6312863"/>
-            <a:ext cx="1108124" cy="369332"/>
+            <a:off x="3426107" y="3067292"/>
+            <a:ext cx="1254382" cy="369332"/>
           </a:xfrm>
           <a:prstGeom prst="rect">
             <a:avLst/>
@@ -5617,17 +6672,714 @@
           <a:p>
             <a:r>
               <a:rPr lang="en-US" dirty="0"/>
-              <a:t>Volunteer</a:t>
-            </a:r>
-          </a:p>
-        </p:txBody>
-      </p:sp>
-      <p:sp>
-        <p:nvSpPr>
-          <p:cNvPr id="52" name="TextBox 51">
-            <a:extLst>
-              <a:ext uri="{FF2B5EF4-FFF2-40B4-BE49-F238E27FC236}">
-                <a16:creationId xmlns:a16="http://schemas.microsoft.com/office/drawing/2014/main" id="{F6183025-22CD-5C5E-084B-1363E7E71515}"/>
+              <a:t>Traffic Flow</a:t>
+            </a:r>
+          </a:p>
+        </p:txBody>
+      </p:sp>
+    </p:spTree>
+    <p:extLst>
+      <p:ext uri="{BB962C8B-B14F-4D97-AF65-F5344CB8AC3E}">
+        <p14:creationId xmlns:p14="http://schemas.microsoft.com/office/powerpoint/2010/main" val="1443683937"/>
+      </p:ext>
+    </p:extLst>
+  </p:cSld>
+  <p:clrMapOvr>
+    <a:masterClrMapping/>
+  </p:clrMapOvr>
+</p:sld>
+</file>
+
+<file path=ppt/slides/slide3.xml><?xml version="1.0" encoding="utf-8"?>
+<p:sld xmlns:a="http://schemas.openxmlformats.org/drawingml/2006/main" xmlns:r="http://schemas.openxmlformats.org/officeDocument/2006/relationships" xmlns:p="http://schemas.openxmlformats.org/presentationml/2006/main">
+  <p:cSld>
+    <p:spTree>
+      <p:nvGrpSpPr>
+        <p:cNvPr id="1" name=""/>
+        <p:cNvGrpSpPr/>
+        <p:nvPr/>
+      </p:nvGrpSpPr>
+      <p:grpSpPr>
+        <a:xfrm>
+          <a:off x="0" y="0"/>
+          <a:ext cx="0" cy="0"/>
+          <a:chOff x="0" y="0"/>
+          <a:chExt cx="0" cy="0"/>
+        </a:xfrm>
+      </p:grpSpPr>
+      <p:sp>
+        <p:nvSpPr>
+          <p:cNvPr id="5" name="Title 4">
+            <a:extLst>
+              <a:ext uri="{FF2B5EF4-FFF2-40B4-BE49-F238E27FC236}">
+                <a16:creationId xmlns:a16="http://schemas.microsoft.com/office/drawing/2014/main" id="{8F2FAB4E-AB1F-E4FB-4A3F-FF37A2AC41BB}"/>
+              </a:ext>
+            </a:extLst>
+          </p:cNvPr>
+          <p:cNvSpPr>
+            <a:spLocks noGrp="1"/>
+          </p:cNvSpPr>
+          <p:nvPr>
+            <p:ph type="title"/>
+          </p:nvPr>
+        </p:nvSpPr>
+        <p:spPr>
+          <a:xfrm>
+            <a:off x="199292" y="117797"/>
+            <a:ext cx="10515600" cy="234769"/>
+          </a:xfrm>
+        </p:spPr>
+        <p:txBody>
+          <a:bodyPr>
+            <a:noAutofit/>
+          </a:bodyPr>
+          <a:lstStyle/>
+          <a:p>
+            <a:r>
+              <a:rPr lang="en-US" sz="2400" dirty="0"/>
+              <a:t>Robot Day Room Layout – 8  6’x30” tables in a 24’ x 36” room</a:t>
+            </a:r>
+          </a:p>
+        </p:txBody>
+      </p:sp>
+      <p:sp>
+        <p:nvSpPr>
+          <p:cNvPr id="7" name="Rectangle 6">
+            <a:extLst>
+              <a:ext uri="{FF2B5EF4-FFF2-40B4-BE49-F238E27FC236}">
+                <a16:creationId xmlns:a16="http://schemas.microsoft.com/office/drawing/2014/main" id="{2733BAC6-EE04-6AD2-2B67-DE154C43D7D5}"/>
+              </a:ext>
+            </a:extLst>
+          </p:cNvPr>
+          <p:cNvSpPr/>
+          <p:nvPr/>
+        </p:nvSpPr>
+        <p:spPr>
+          <a:xfrm>
+            <a:off x="651022" y="834468"/>
+            <a:ext cx="2175414" cy="910799"/>
+          </a:xfrm>
+          <a:prstGeom prst="rect">
+            <a:avLst/>
+          </a:prstGeom>
+        </p:spPr>
+        <p:style>
+          <a:lnRef idx="2">
+            <a:schemeClr val="accent1">
+              <a:shade val="15000"/>
+            </a:schemeClr>
+          </a:lnRef>
+          <a:fillRef idx="1">
+            <a:schemeClr val="accent1"/>
+          </a:fillRef>
+          <a:effectRef idx="0">
+            <a:schemeClr val="accent1"/>
+          </a:effectRef>
+          <a:fontRef idx="minor">
+            <a:schemeClr val="lt1"/>
+          </a:fontRef>
+        </p:style>
+        <p:txBody>
+          <a:bodyPr rtlCol="0" anchor="ctr"/>
+          <a:lstStyle/>
+          <a:p>
+            <a:pPr algn="ctr"/>
+            <a:r>
+              <a:rPr lang="en-US" dirty="0"/>
+              <a:t>Welcome</a:t>
+            </a:r>
+          </a:p>
+          <a:p>
+            <a:pPr algn="ctr"/>
+            <a:r>
+              <a:rPr lang="en-US" dirty="0"/>
+              <a:t>Table</a:t>
+            </a:r>
+          </a:p>
+        </p:txBody>
+      </p:sp>
+      <p:sp>
+        <p:nvSpPr>
+          <p:cNvPr id="32" name="Rectangle 31">
+            <a:extLst>
+              <a:ext uri="{FF2B5EF4-FFF2-40B4-BE49-F238E27FC236}">
+                <a16:creationId xmlns:a16="http://schemas.microsoft.com/office/drawing/2014/main" id="{FD4390C8-730C-2FBA-3AB2-1C9442EC2A70}"/>
+              </a:ext>
+            </a:extLst>
+          </p:cNvPr>
+          <p:cNvSpPr/>
+          <p:nvPr/>
+        </p:nvSpPr>
+        <p:spPr>
+          <a:xfrm>
+            <a:off x="3042561" y="816401"/>
+            <a:ext cx="2175414" cy="910799"/>
+          </a:xfrm>
+          <a:prstGeom prst="rect">
+            <a:avLst/>
+          </a:prstGeom>
+        </p:spPr>
+        <p:style>
+          <a:lnRef idx="2">
+            <a:schemeClr val="accent1">
+              <a:shade val="15000"/>
+            </a:schemeClr>
+          </a:lnRef>
+          <a:fillRef idx="1">
+            <a:schemeClr val="accent1"/>
+          </a:fillRef>
+          <a:effectRef idx="0">
+            <a:schemeClr val="accent1"/>
+          </a:effectRef>
+          <a:fontRef idx="minor">
+            <a:schemeClr val="lt1"/>
+          </a:fontRef>
+        </p:style>
+        <p:txBody>
+          <a:bodyPr rtlCol="0" anchor="ctr"/>
+          <a:lstStyle/>
+          <a:p>
+            <a:pPr algn="ctr"/>
+            <a:r>
+              <a:rPr lang="en-US" dirty="0"/>
+              <a:t>Batteries</a:t>
+            </a:r>
+          </a:p>
+          <a:p>
+            <a:pPr algn="ctr"/>
+            <a:r>
+              <a:rPr lang="en-US" dirty="0"/>
+              <a:t>Table</a:t>
+            </a:r>
+          </a:p>
+        </p:txBody>
+      </p:sp>
+      <p:sp>
+        <p:nvSpPr>
+          <p:cNvPr id="33" name="Rectangle 32">
+            <a:extLst>
+              <a:ext uri="{FF2B5EF4-FFF2-40B4-BE49-F238E27FC236}">
+                <a16:creationId xmlns:a16="http://schemas.microsoft.com/office/drawing/2014/main" id="{19957E82-340F-D3F4-360D-9BB7CE6A40F7}"/>
+              </a:ext>
+            </a:extLst>
+          </p:cNvPr>
+          <p:cNvSpPr/>
+          <p:nvPr/>
+        </p:nvSpPr>
+        <p:spPr>
+          <a:xfrm>
+            <a:off x="7604044" y="812555"/>
+            <a:ext cx="2175414" cy="906891"/>
+          </a:xfrm>
+          <a:prstGeom prst="rect">
+            <a:avLst/>
+          </a:prstGeom>
+        </p:spPr>
+        <p:style>
+          <a:lnRef idx="2">
+            <a:schemeClr val="accent1">
+              <a:shade val="15000"/>
+            </a:schemeClr>
+          </a:lnRef>
+          <a:fillRef idx="1">
+            <a:schemeClr val="accent1"/>
+          </a:fillRef>
+          <a:effectRef idx="0">
+            <a:schemeClr val="accent1"/>
+          </a:effectRef>
+          <a:fontRef idx="minor">
+            <a:schemeClr val="lt1"/>
+          </a:fontRef>
+        </p:style>
+        <p:txBody>
+          <a:bodyPr rtlCol="0" anchor="ctr"/>
+          <a:lstStyle/>
+          <a:p>
+            <a:pPr algn="ctr"/>
+            <a:r>
+              <a:rPr lang="en-US" dirty="0"/>
+              <a:t>Sensors</a:t>
+            </a:r>
+          </a:p>
+          <a:p>
+            <a:pPr algn="ctr"/>
+            <a:r>
+              <a:rPr lang="en-US" dirty="0"/>
+              <a:t>Table</a:t>
+            </a:r>
+          </a:p>
+        </p:txBody>
+      </p:sp>
+      <p:sp>
+        <p:nvSpPr>
+          <p:cNvPr id="34" name="Rectangle 33">
+            <a:extLst>
+              <a:ext uri="{FF2B5EF4-FFF2-40B4-BE49-F238E27FC236}">
+                <a16:creationId xmlns:a16="http://schemas.microsoft.com/office/drawing/2014/main" id="{F2E1FCDE-2690-72B9-9B66-BE8515164B9B}"/>
+              </a:ext>
+            </a:extLst>
+          </p:cNvPr>
+          <p:cNvSpPr/>
+          <p:nvPr/>
+        </p:nvSpPr>
+        <p:spPr>
+          <a:xfrm>
+            <a:off x="411154" y="5311408"/>
+            <a:ext cx="2175414" cy="910800"/>
+          </a:xfrm>
+          <a:prstGeom prst="rect">
+            <a:avLst/>
+          </a:prstGeom>
+        </p:spPr>
+        <p:style>
+          <a:lnRef idx="2">
+            <a:schemeClr val="accent1">
+              <a:shade val="15000"/>
+            </a:schemeClr>
+          </a:lnRef>
+          <a:fillRef idx="1">
+            <a:schemeClr val="accent1"/>
+          </a:fillRef>
+          <a:effectRef idx="0">
+            <a:schemeClr val="accent1"/>
+          </a:effectRef>
+          <a:fontRef idx="minor">
+            <a:schemeClr val="lt1"/>
+          </a:fontRef>
+        </p:style>
+        <p:txBody>
+          <a:bodyPr rtlCol="0" anchor="ctr"/>
+          <a:lstStyle/>
+          <a:p>
+            <a:pPr algn="ctr"/>
+            <a:r>
+              <a:rPr lang="en-US" dirty="0"/>
+              <a:t>Displays</a:t>
+            </a:r>
+          </a:p>
+          <a:p>
+            <a:pPr algn="ctr"/>
+            <a:r>
+              <a:rPr lang="en-US" dirty="0"/>
+              <a:t>Table</a:t>
+            </a:r>
+          </a:p>
+        </p:txBody>
+      </p:sp>
+      <p:sp>
+        <p:nvSpPr>
+          <p:cNvPr id="35" name="Rectangle 34">
+            <a:extLst>
+              <a:ext uri="{FF2B5EF4-FFF2-40B4-BE49-F238E27FC236}">
+                <a16:creationId xmlns:a16="http://schemas.microsoft.com/office/drawing/2014/main" id="{D52DBA09-3711-4630-DE53-E829EB5C3849}"/>
+              </a:ext>
+            </a:extLst>
+          </p:cNvPr>
+          <p:cNvSpPr/>
+          <p:nvPr/>
+        </p:nvSpPr>
+        <p:spPr>
+          <a:xfrm>
+            <a:off x="2737761" y="5311407"/>
+            <a:ext cx="2175414" cy="910800"/>
+          </a:xfrm>
+          <a:prstGeom prst="rect">
+            <a:avLst/>
+          </a:prstGeom>
+        </p:spPr>
+        <p:style>
+          <a:lnRef idx="2">
+            <a:schemeClr val="accent1">
+              <a:shade val="15000"/>
+            </a:schemeClr>
+          </a:lnRef>
+          <a:fillRef idx="1">
+            <a:schemeClr val="accent1"/>
+          </a:fillRef>
+          <a:effectRef idx="0">
+            <a:schemeClr val="accent1"/>
+          </a:effectRef>
+          <a:fontRef idx="minor">
+            <a:schemeClr val="lt1"/>
+          </a:fontRef>
+        </p:style>
+        <p:txBody>
+          <a:bodyPr rtlCol="0" anchor="ctr"/>
+          <a:lstStyle/>
+          <a:p>
+            <a:pPr algn="ctr"/>
+            <a:r>
+              <a:rPr lang="en-US" dirty="0"/>
+              <a:t>Microcontrollers</a:t>
+            </a:r>
+          </a:p>
+          <a:p>
+            <a:pPr algn="ctr"/>
+            <a:r>
+              <a:rPr lang="en-US" dirty="0"/>
+              <a:t>Table</a:t>
+            </a:r>
+          </a:p>
+        </p:txBody>
+      </p:sp>
+      <p:sp>
+        <p:nvSpPr>
+          <p:cNvPr id="36" name="Rectangle 35">
+            <a:extLst>
+              <a:ext uri="{FF2B5EF4-FFF2-40B4-BE49-F238E27FC236}">
+                <a16:creationId xmlns:a16="http://schemas.microsoft.com/office/drawing/2014/main" id="{831DD2A8-91AB-5CBD-9C5D-5B772FC9CA3F}"/>
+              </a:ext>
+            </a:extLst>
+          </p:cNvPr>
+          <p:cNvSpPr/>
+          <p:nvPr/>
+        </p:nvSpPr>
+        <p:spPr>
+          <a:xfrm>
+            <a:off x="5335206" y="812555"/>
+            <a:ext cx="2175414" cy="914645"/>
+          </a:xfrm>
+          <a:prstGeom prst="rect">
+            <a:avLst/>
+          </a:prstGeom>
+        </p:spPr>
+        <p:style>
+          <a:lnRef idx="2">
+            <a:schemeClr val="accent1">
+              <a:shade val="15000"/>
+            </a:schemeClr>
+          </a:lnRef>
+          <a:fillRef idx="1">
+            <a:schemeClr val="accent1"/>
+          </a:fillRef>
+          <a:effectRef idx="0">
+            <a:schemeClr val="accent1"/>
+          </a:effectRef>
+          <a:fontRef idx="minor">
+            <a:schemeClr val="lt1"/>
+          </a:fontRef>
+        </p:style>
+        <p:txBody>
+          <a:bodyPr rtlCol="0" anchor="ctr"/>
+          <a:lstStyle/>
+          <a:p>
+            <a:pPr algn="ctr"/>
+            <a:r>
+              <a:rPr lang="en-US" dirty="0"/>
+              <a:t>Motors</a:t>
+            </a:r>
+          </a:p>
+          <a:p>
+            <a:pPr algn="ctr"/>
+            <a:r>
+              <a:rPr lang="en-US" dirty="0"/>
+              <a:t>Table</a:t>
+            </a:r>
+          </a:p>
+        </p:txBody>
+      </p:sp>
+      <p:sp>
+        <p:nvSpPr>
+          <p:cNvPr id="37" name="Rectangle 36">
+            <a:extLst>
+              <a:ext uri="{FF2B5EF4-FFF2-40B4-BE49-F238E27FC236}">
+                <a16:creationId xmlns:a16="http://schemas.microsoft.com/office/drawing/2014/main" id="{022963C7-38F0-BB26-2EFB-E4E6DB6238E5}"/>
+              </a:ext>
+            </a:extLst>
+          </p:cNvPr>
+          <p:cNvSpPr/>
+          <p:nvPr/>
+        </p:nvSpPr>
+        <p:spPr>
+          <a:xfrm>
+            <a:off x="7390975" y="5307560"/>
+            <a:ext cx="2175414" cy="914647"/>
+          </a:xfrm>
+          <a:prstGeom prst="rect">
+            <a:avLst/>
+          </a:prstGeom>
+        </p:spPr>
+        <p:style>
+          <a:lnRef idx="2">
+            <a:schemeClr val="accent1">
+              <a:shade val="15000"/>
+            </a:schemeClr>
+          </a:lnRef>
+          <a:fillRef idx="1">
+            <a:schemeClr val="accent1"/>
+          </a:fillRef>
+          <a:effectRef idx="0">
+            <a:schemeClr val="accent1"/>
+          </a:effectRef>
+          <a:fontRef idx="minor">
+            <a:schemeClr val="lt1"/>
+          </a:fontRef>
+        </p:style>
+        <p:txBody>
+          <a:bodyPr rtlCol="0" anchor="ctr"/>
+          <a:lstStyle/>
+          <a:p>
+            <a:pPr algn="ctr"/>
+            <a:r>
+              <a:rPr lang="en-US" dirty="0"/>
+              <a:t>AI Racing League</a:t>
+            </a:r>
+          </a:p>
+          <a:p>
+            <a:pPr algn="ctr"/>
+            <a:r>
+              <a:rPr lang="en-US" dirty="0"/>
+              <a:t>Table</a:t>
+            </a:r>
+          </a:p>
+        </p:txBody>
+      </p:sp>
+      <p:sp>
+        <p:nvSpPr>
+          <p:cNvPr id="38" name="Rectangle 37">
+            <a:extLst>
+              <a:ext uri="{FF2B5EF4-FFF2-40B4-BE49-F238E27FC236}">
+                <a16:creationId xmlns:a16="http://schemas.microsoft.com/office/drawing/2014/main" id="{87E232AA-C13C-D890-75F6-E5C929FD3057}"/>
+              </a:ext>
+            </a:extLst>
+          </p:cNvPr>
+          <p:cNvSpPr/>
+          <p:nvPr/>
+        </p:nvSpPr>
+        <p:spPr>
+          <a:xfrm>
+            <a:off x="5064368" y="5307561"/>
+            <a:ext cx="2175414" cy="914646"/>
+          </a:xfrm>
+          <a:prstGeom prst="rect">
+            <a:avLst/>
+          </a:prstGeom>
+        </p:spPr>
+        <p:style>
+          <a:lnRef idx="2">
+            <a:schemeClr val="accent1">
+              <a:shade val="15000"/>
+            </a:schemeClr>
+          </a:lnRef>
+          <a:fillRef idx="1">
+            <a:schemeClr val="accent1"/>
+          </a:fillRef>
+          <a:effectRef idx="0">
+            <a:schemeClr val="accent1"/>
+          </a:effectRef>
+          <a:fontRef idx="minor">
+            <a:schemeClr val="lt1"/>
+          </a:fontRef>
+        </p:style>
+        <p:txBody>
+          <a:bodyPr rtlCol="0" anchor="ctr"/>
+          <a:lstStyle/>
+          <a:p>
+            <a:pPr algn="ctr"/>
+            <a:r>
+              <a:rPr lang="en-US" dirty="0"/>
+              <a:t>Coding</a:t>
+            </a:r>
+          </a:p>
+          <a:p>
+            <a:pPr algn="ctr"/>
+            <a:r>
+              <a:rPr lang="en-US" dirty="0"/>
+              <a:t>Table</a:t>
+            </a:r>
+          </a:p>
+        </p:txBody>
+      </p:sp>
+      <p:sp>
+        <p:nvSpPr>
+          <p:cNvPr id="39" name="Freeform 38">
+            <a:extLst>
+              <a:ext uri="{FF2B5EF4-FFF2-40B4-BE49-F238E27FC236}">
+                <a16:creationId xmlns:a16="http://schemas.microsoft.com/office/drawing/2014/main" id="{E0989ED0-C85D-0B6B-69BC-911962578FB2}"/>
+              </a:ext>
+            </a:extLst>
+          </p:cNvPr>
+          <p:cNvSpPr/>
+          <p:nvPr/>
+        </p:nvSpPr>
+        <p:spPr>
+          <a:xfrm>
+            <a:off x="9726832" y="2326257"/>
+            <a:ext cx="2175414" cy="2374492"/>
+          </a:xfrm>
+          <a:custGeom>
+            <a:avLst/>
+            <a:gdLst>
+              <a:gd name="connsiteX0" fmla="*/ 2410359 w 2617894"/>
+              <a:gd name="connsiteY0" fmla="*/ 656309 h 2374492"/>
+              <a:gd name="connsiteX1" fmla="*/ 2023497 w 2617894"/>
+              <a:gd name="connsiteY1" fmla="*/ 105325 h 2374492"/>
+              <a:gd name="connsiteX2" fmla="*/ 1425620 w 2617894"/>
+              <a:gd name="connsiteY2" fmla="*/ 46709 h 2374492"/>
+              <a:gd name="connsiteX3" fmla="*/ 429159 w 2617894"/>
+              <a:gd name="connsiteY3" fmla="*/ 81879 h 2374492"/>
+              <a:gd name="connsiteX4" fmla="*/ 194697 w 2617894"/>
+              <a:gd name="connsiteY4" fmla="*/ 996279 h 2374492"/>
+              <a:gd name="connsiteX5" fmla="*/ 30574 w 2617894"/>
+              <a:gd name="connsiteY5" fmla="*/ 2016186 h 2374492"/>
+              <a:gd name="connsiteX6" fmla="*/ 839466 w 2617894"/>
+              <a:gd name="connsiteY6" fmla="*/ 2332709 h 2374492"/>
+              <a:gd name="connsiteX7" fmla="*/ 1953159 w 2617894"/>
+              <a:gd name="connsiteY7" fmla="*/ 2297540 h 2374492"/>
+              <a:gd name="connsiteX8" fmla="*/ 2597928 w 2617894"/>
+              <a:gd name="connsiteY8" fmla="*/ 1664494 h 2374492"/>
+              <a:gd name="connsiteX9" fmla="*/ 2410359 w 2617894"/>
+              <a:gd name="connsiteY9" fmla="*/ 656309 h 2374492"/>
+            </a:gdLst>
+            <a:ahLst/>
+            <a:cxnLst>
+              <a:cxn ang="0">
+                <a:pos x="connsiteX0" y="connsiteY0"/>
+              </a:cxn>
+              <a:cxn ang="0">
+                <a:pos x="connsiteX1" y="connsiteY1"/>
+              </a:cxn>
+              <a:cxn ang="0">
+                <a:pos x="connsiteX2" y="connsiteY2"/>
+              </a:cxn>
+              <a:cxn ang="0">
+                <a:pos x="connsiteX3" y="connsiteY3"/>
+              </a:cxn>
+              <a:cxn ang="0">
+                <a:pos x="connsiteX4" y="connsiteY4"/>
+              </a:cxn>
+              <a:cxn ang="0">
+                <a:pos x="connsiteX5" y="connsiteY5"/>
+              </a:cxn>
+              <a:cxn ang="0">
+                <a:pos x="connsiteX6" y="connsiteY6"/>
+              </a:cxn>
+              <a:cxn ang="0">
+                <a:pos x="connsiteX7" y="connsiteY7"/>
+              </a:cxn>
+              <a:cxn ang="0">
+                <a:pos x="connsiteX8" y="connsiteY8"/>
+              </a:cxn>
+              <a:cxn ang="0">
+                <a:pos x="connsiteX9" y="connsiteY9"/>
+              </a:cxn>
+            </a:cxnLst>
+            <a:rect l="l" t="t" r="r" b="b"/>
+            <a:pathLst>
+              <a:path w="2617894" h="2374492">
+                <a:moveTo>
+                  <a:pt x="2410359" y="656309"/>
+                </a:moveTo>
+                <a:cubicBezTo>
+                  <a:pt x="2314621" y="396448"/>
+                  <a:pt x="2187620" y="206925"/>
+                  <a:pt x="2023497" y="105325"/>
+                </a:cubicBezTo>
+                <a:cubicBezTo>
+                  <a:pt x="1859374" y="3725"/>
+                  <a:pt x="1691343" y="50617"/>
+                  <a:pt x="1425620" y="46709"/>
+                </a:cubicBezTo>
+                <a:cubicBezTo>
+                  <a:pt x="1159897" y="42801"/>
+                  <a:pt x="634313" y="-76383"/>
+                  <a:pt x="429159" y="81879"/>
+                </a:cubicBezTo>
+                <a:cubicBezTo>
+                  <a:pt x="224005" y="240141"/>
+                  <a:pt x="261128" y="673895"/>
+                  <a:pt x="194697" y="996279"/>
+                </a:cubicBezTo>
+                <a:cubicBezTo>
+                  <a:pt x="128266" y="1318664"/>
+                  <a:pt x="-76888" y="1793448"/>
+                  <a:pt x="30574" y="2016186"/>
+                </a:cubicBezTo>
+                <a:cubicBezTo>
+                  <a:pt x="138036" y="2238924"/>
+                  <a:pt x="519035" y="2285817"/>
+                  <a:pt x="839466" y="2332709"/>
+                </a:cubicBezTo>
+                <a:cubicBezTo>
+                  <a:pt x="1159897" y="2379601"/>
+                  <a:pt x="1660082" y="2408909"/>
+                  <a:pt x="1953159" y="2297540"/>
+                </a:cubicBezTo>
+                <a:cubicBezTo>
+                  <a:pt x="2246236" y="2186171"/>
+                  <a:pt x="2519774" y="1941940"/>
+                  <a:pt x="2597928" y="1664494"/>
+                </a:cubicBezTo>
+                <a:cubicBezTo>
+                  <a:pt x="2676082" y="1387048"/>
+                  <a:pt x="2506097" y="916170"/>
+                  <a:pt x="2410359" y="656309"/>
+                </a:cubicBezTo>
+                <a:close/>
+              </a:path>
+            </a:pathLst>
+          </a:custGeom>
+          <a:solidFill>
+            <a:schemeClr val="accent1">
+              <a:lumMod val="40000"/>
+              <a:lumOff val="60000"/>
+            </a:schemeClr>
+          </a:solidFill>
+          <a:ln w="57150">
+            <a:solidFill>
+              <a:schemeClr val="tx1"/>
+            </a:solidFill>
+          </a:ln>
+        </p:spPr>
+        <p:style>
+          <a:lnRef idx="2">
+            <a:schemeClr val="accent1">
+              <a:shade val="15000"/>
+            </a:schemeClr>
+          </a:lnRef>
+          <a:fillRef idx="1">
+            <a:schemeClr val="accent1"/>
+          </a:fillRef>
+          <a:effectRef idx="0">
+            <a:schemeClr val="accent1"/>
+          </a:effectRef>
+          <a:fontRef idx="minor">
+            <a:schemeClr val="lt1"/>
+          </a:fontRef>
+        </p:style>
+        <p:txBody>
+          <a:bodyPr rtlCol="0" anchor="ctr"/>
+          <a:lstStyle/>
+          <a:p>
+            <a:pPr algn="ctr"/>
+            <a:r>
+              <a:rPr lang="en-US" dirty="0">
+                <a:solidFill>
+                  <a:schemeClr val="tx1"/>
+                </a:solidFill>
+              </a:rPr>
+              <a:t>Robot</a:t>
+            </a:r>
+          </a:p>
+          <a:p>
+            <a:pPr algn="ctr"/>
+            <a:r>
+              <a:rPr lang="en-US" dirty="0">
+                <a:solidFill>
+                  <a:schemeClr val="tx1"/>
+                </a:solidFill>
+              </a:rPr>
+              <a:t>Corral</a:t>
+            </a:r>
+          </a:p>
+        </p:txBody>
+      </p:sp>
+      <p:sp>
+        <p:nvSpPr>
+          <p:cNvPr id="40" name="TextBox 39">
+            <a:extLst>
+              <a:ext uri="{FF2B5EF4-FFF2-40B4-BE49-F238E27FC236}">
+                <a16:creationId xmlns:a16="http://schemas.microsoft.com/office/drawing/2014/main" id="{3A584079-BFD8-C5F7-96D8-3B77FB65D795}"/>
               </a:ext>
             </a:extLst>
           </p:cNvPr>
@@ -5636,8 +7388,8 @@
         </p:nvSpPr>
         <p:spPr>
           <a:xfrm>
-            <a:off x="10503877" y="6037541"/>
-            <a:ext cx="1242648" cy="369332"/>
+            <a:off x="935441" y="3194793"/>
+            <a:ext cx="907300" cy="369332"/>
           </a:xfrm>
           <a:prstGeom prst="rect">
             <a:avLst/>
@@ -5652,15 +7404,1566 @@
           <a:p>
             <a:r>
               <a:rPr lang="en-US" dirty="0"/>
+              <a:t>Greeter</a:t>
+            </a:r>
+          </a:p>
+        </p:txBody>
+      </p:sp>
+      <p:sp>
+        <p:nvSpPr>
+          <p:cNvPr id="41" name="TextBox 40">
+            <a:extLst>
+              <a:ext uri="{FF2B5EF4-FFF2-40B4-BE49-F238E27FC236}">
+                <a16:creationId xmlns:a16="http://schemas.microsoft.com/office/drawing/2014/main" id="{2D6F9780-AF6F-6155-2721-FF8704BD40AE}"/>
+              </a:ext>
+            </a:extLst>
+          </p:cNvPr>
+          <p:cNvSpPr txBox="1"/>
+          <p:nvPr/>
+        </p:nvSpPr>
+        <p:spPr>
+          <a:xfrm>
+            <a:off x="5651" y="2305527"/>
+            <a:ext cx="1014573" cy="369332"/>
+          </a:xfrm>
+          <a:prstGeom prst="rect">
+            <a:avLst/>
+          </a:prstGeom>
+          <a:noFill/>
+        </p:spPr>
+        <p:txBody>
+          <a:bodyPr wrap="none" rtlCol="0">
+            <a:spAutoFit/>
+          </a:bodyPr>
+          <a:lstStyle/>
+          <a:p>
+            <a:r>
+              <a:rPr lang="en-US" dirty="0"/>
+              <a:t>Entrance</a:t>
+            </a:r>
+          </a:p>
+        </p:txBody>
+      </p:sp>
+      <p:cxnSp>
+        <p:nvCxnSpPr>
+          <p:cNvPr id="43" name="Straight Connector 42">
+            <a:extLst>
+              <a:ext uri="{FF2B5EF4-FFF2-40B4-BE49-F238E27FC236}">
+                <a16:creationId xmlns:a16="http://schemas.microsoft.com/office/drawing/2014/main" id="{62DFCEC7-78F6-2E8F-AF03-2982885324C6}"/>
+              </a:ext>
+            </a:extLst>
+          </p:cNvPr>
+          <p:cNvCxnSpPr/>
+          <p:nvPr/>
+        </p:nvCxnSpPr>
+        <p:spPr>
+          <a:xfrm>
+            <a:off x="199292" y="2709437"/>
+            <a:ext cx="0" cy="1440532"/>
+          </a:xfrm>
+          <a:prstGeom prst="line">
+            <a:avLst/>
+          </a:prstGeom>
+          <a:ln w="57150">
+            <a:solidFill>
+              <a:schemeClr val="tx1"/>
+            </a:solidFill>
+          </a:ln>
+        </p:spPr>
+        <p:style>
+          <a:lnRef idx="1">
+            <a:schemeClr val="accent1"/>
+          </a:lnRef>
+          <a:fillRef idx="0">
+            <a:schemeClr val="accent1"/>
+          </a:fillRef>
+          <a:effectRef idx="0">
+            <a:schemeClr val="accent1"/>
+          </a:effectRef>
+          <a:fontRef idx="minor">
+            <a:schemeClr val="tx1"/>
+          </a:fontRef>
+        </p:style>
+      </p:cxnSp>
+      <p:sp>
+        <p:nvSpPr>
+          <p:cNvPr id="44" name="TextBox 43">
+            <a:extLst>
+              <a:ext uri="{FF2B5EF4-FFF2-40B4-BE49-F238E27FC236}">
+                <a16:creationId xmlns:a16="http://schemas.microsoft.com/office/drawing/2014/main" id="{F44B231A-C881-5090-670E-2C8557369926}"/>
+              </a:ext>
+            </a:extLst>
+          </p:cNvPr>
+          <p:cNvSpPr txBox="1"/>
+          <p:nvPr/>
+        </p:nvSpPr>
+        <p:spPr>
+          <a:xfrm>
+            <a:off x="1222866" y="491212"/>
+            <a:ext cx="1108124" cy="369332"/>
+          </a:xfrm>
+          <a:prstGeom prst="rect">
+            <a:avLst/>
+          </a:prstGeom>
+          <a:noFill/>
+        </p:spPr>
+        <p:txBody>
+          <a:bodyPr wrap="none" rtlCol="0">
+            <a:spAutoFit/>
+          </a:bodyPr>
+          <a:lstStyle/>
+          <a:p>
+            <a:r>
+              <a:rPr lang="en-US" dirty="0"/>
+              <a:t>Volunteer</a:t>
+            </a:r>
+          </a:p>
+        </p:txBody>
+      </p:sp>
+      <p:sp>
+        <p:nvSpPr>
+          <p:cNvPr id="45" name="TextBox 44">
+            <a:extLst>
+              <a:ext uri="{FF2B5EF4-FFF2-40B4-BE49-F238E27FC236}">
+                <a16:creationId xmlns:a16="http://schemas.microsoft.com/office/drawing/2014/main" id="{F55E7FDF-FA45-8A8C-4E8F-35D2917D470B}"/>
+              </a:ext>
+            </a:extLst>
+          </p:cNvPr>
+          <p:cNvSpPr txBox="1"/>
+          <p:nvPr/>
+        </p:nvSpPr>
+        <p:spPr>
+          <a:xfrm>
+            <a:off x="3626308" y="485929"/>
+            <a:ext cx="1108124" cy="369332"/>
+          </a:xfrm>
+          <a:prstGeom prst="rect">
+            <a:avLst/>
+          </a:prstGeom>
+          <a:noFill/>
+        </p:spPr>
+        <p:txBody>
+          <a:bodyPr wrap="none" rtlCol="0">
+            <a:spAutoFit/>
+          </a:bodyPr>
+          <a:lstStyle/>
+          <a:p>
+            <a:r>
+              <a:rPr lang="en-US" dirty="0"/>
+              <a:t>Volunteer</a:t>
+            </a:r>
+          </a:p>
+        </p:txBody>
+      </p:sp>
+      <p:sp>
+        <p:nvSpPr>
+          <p:cNvPr id="46" name="TextBox 45">
+            <a:extLst>
+              <a:ext uri="{FF2B5EF4-FFF2-40B4-BE49-F238E27FC236}">
+                <a16:creationId xmlns:a16="http://schemas.microsoft.com/office/drawing/2014/main" id="{2D35D0F9-7866-7F3A-9DB0-E60A133603FE}"/>
+              </a:ext>
+            </a:extLst>
+          </p:cNvPr>
+          <p:cNvSpPr txBox="1"/>
+          <p:nvPr/>
+        </p:nvSpPr>
+        <p:spPr>
+          <a:xfrm>
+            <a:off x="5868851" y="442922"/>
+            <a:ext cx="1108124" cy="369332"/>
+          </a:xfrm>
+          <a:prstGeom prst="rect">
+            <a:avLst/>
+          </a:prstGeom>
+          <a:noFill/>
+        </p:spPr>
+        <p:txBody>
+          <a:bodyPr wrap="none" rtlCol="0">
+            <a:spAutoFit/>
+          </a:bodyPr>
+          <a:lstStyle/>
+          <a:p>
+            <a:r>
+              <a:rPr lang="en-US" dirty="0"/>
+              <a:t>Volunteer</a:t>
+            </a:r>
+          </a:p>
+        </p:txBody>
+      </p:sp>
+      <p:sp>
+        <p:nvSpPr>
+          <p:cNvPr id="47" name="TextBox 46">
+            <a:extLst>
+              <a:ext uri="{FF2B5EF4-FFF2-40B4-BE49-F238E27FC236}">
+                <a16:creationId xmlns:a16="http://schemas.microsoft.com/office/drawing/2014/main" id="{71A56306-CCE4-63DF-C1FA-E60D32BA93E8}"/>
+              </a:ext>
+            </a:extLst>
+          </p:cNvPr>
+          <p:cNvSpPr txBox="1"/>
+          <p:nvPr/>
+        </p:nvSpPr>
+        <p:spPr>
+          <a:xfrm>
+            <a:off x="8137689" y="424346"/>
+            <a:ext cx="1108124" cy="369332"/>
+          </a:xfrm>
+          <a:prstGeom prst="rect">
+            <a:avLst/>
+          </a:prstGeom>
+          <a:noFill/>
+        </p:spPr>
+        <p:txBody>
+          <a:bodyPr wrap="none" rtlCol="0">
+            <a:spAutoFit/>
+          </a:bodyPr>
+          <a:lstStyle/>
+          <a:p>
+            <a:r>
+              <a:rPr lang="en-US" dirty="0"/>
+              <a:t>Volunteer</a:t>
+            </a:r>
+          </a:p>
+        </p:txBody>
+      </p:sp>
+      <p:sp>
+        <p:nvSpPr>
+          <p:cNvPr id="48" name="TextBox 47">
+            <a:extLst>
+              <a:ext uri="{FF2B5EF4-FFF2-40B4-BE49-F238E27FC236}">
+                <a16:creationId xmlns:a16="http://schemas.microsoft.com/office/drawing/2014/main" id="{D7F38F61-7E84-8AD3-B14F-68396ED4243D}"/>
+              </a:ext>
+            </a:extLst>
+          </p:cNvPr>
+          <p:cNvSpPr txBox="1"/>
+          <p:nvPr/>
+        </p:nvSpPr>
+        <p:spPr>
+          <a:xfrm>
+            <a:off x="1020224" y="6256786"/>
+            <a:ext cx="1108124" cy="369332"/>
+          </a:xfrm>
+          <a:prstGeom prst="rect">
+            <a:avLst/>
+          </a:prstGeom>
+          <a:noFill/>
+        </p:spPr>
+        <p:txBody>
+          <a:bodyPr wrap="none" rtlCol="0">
+            <a:spAutoFit/>
+          </a:bodyPr>
+          <a:lstStyle/>
+          <a:p>
+            <a:r>
+              <a:rPr lang="en-US" dirty="0"/>
+              <a:t>Volunteer</a:t>
+            </a:r>
+          </a:p>
+        </p:txBody>
+      </p:sp>
+      <p:sp>
+        <p:nvSpPr>
+          <p:cNvPr id="49" name="TextBox 48">
+            <a:extLst>
+              <a:ext uri="{FF2B5EF4-FFF2-40B4-BE49-F238E27FC236}">
+                <a16:creationId xmlns:a16="http://schemas.microsoft.com/office/drawing/2014/main" id="{87BFFAE7-0E3B-8E1E-E9B2-C6CB9D47965D}"/>
+              </a:ext>
+            </a:extLst>
+          </p:cNvPr>
+          <p:cNvSpPr txBox="1"/>
+          <p:nvPr/>
+        </p:nvSpPr>
+        <p:spPr>
+          <a:xfrm>
+            <a:off x="3271406" y="6256786"/>
+            <a:ext cx="1108124" cy="369332"/>
+          </a:xfrm>
+          <a:prstGeom prst="rect">
+            <a:avLst/>
+          </a:prstGeom>
+          <a:noFill/>
+        </p:spPr>
+        <p:txBody>
+          <a:bodyPr wrap="none" rtlCol="0">
+            <a:spAutoFit/>
+          </a:bodyPr>
+          <a:lstStyle/>
+          <a:p>
+            <a:r>
+              <a:rPr lang="en-US" dirty="0"/>
+              <a:t>Volunteer</a:t>
+            </a:r>
+          </a:p>
+        </p:txBody>
+      </p:sp>
+      <p:sp>
+        <p:nvSpPr>
+          <p:cNvPr id="50" name="TextBox 49">
+            <a:extLst>
+              <a:ext uri="{FF2B5EF4-FFF2-40B4-BE49-F238E27FC236}">
+                <a16:creationId xmlns:a16="http://schemas.microsoft.com/office/drawing/2014/main" id="{967CF231-78A2-27AB-C9F8-7644A96DF35D}"/>
+              </a:ext>
+            </a:extLst>
+          </p:cNvPr>
+          <p:cNvSpPr txBox="1"/>
+          <p:nvPr/>
+        </p:nvSpPr>
+        <p:spPr>
+          <a:xfrm>
+            <a:off x="5598013" y="6312863"/>
+            <a:ext cx="1108124" cy="369332"/>
+          </a:xfrm>
+          <a:prstGeom prst="rect">
+            <a:avLst/>
+          </a:prstGeom>
+          <a:noFill/>
+        </p:spPr>
+        <p:txBody>
+          <a:bodyPr wrap="none" rtlCol="0">
+            <a:spAutoFit/>
+          </a:bodyPr>
+          <a:lstStyle/>
+          <a:p>
+            <a:r>
+              <a:rPr lang="en-US" dirty="0"/>
+              <a:t>Volunteer</a:t>
+            </a:r>
+          </a:p>
+        </p:txBody>
+      </p:sp>
+      <p:sp>
+        <p:nvSpPr>
+          <p:cNvPr id="51" name="TextBox 50">
+            <a:extLst>
+              <a:ext uri="{FF2B5EF4-FFF2-40B4-BE49-F238E27FC236}">
+                <a16:creationId xmlns:a16="http://schemas.microsoft.com/office/drawing/2014/main" id="{213E37CD-5087-61C4-7D90-802065363862}"/>
+              </a:ext>
+            </a:extLst>
+          </p:cNvPr>
+          <p:cNvSpPr txBox="1"/>
+          <p:nvPr/>
+        </p:nvSpPr>
+        <p:spPr>
+          <a:xfrm>
+            <a:off x="7924620" y="6312863"/>
+            <a:ext cx="1108124" cy="369332"/>
+          </a:xfrm>
+          <a:prstGeom prst="rect">
+            <a:avLst/>
+          </a:prstGeom>
+          <a:noFill/>
+        </p:spPr>
+        <p:txBody>
+          <a:bodyPr wrap="none" rtlCol="0">
+            <a:spAutoFit/>
+          </a:bodyPr>
+          <a:lstStyle/>
+          <a:p>
+            <a:r>
+              <a:rPr lang="en-US" dirty="0"/>
+              <a:t>Volunteer</a:t>
+            </a:r>
+          </a:p>
+        </p:txBody>
+      </p:sp>
+      <p:sp>
+        <p:nvSpPr>
+          <p:cNvPr id="52" name="TextBox 51">
+            <a:extLst>
+              <a:ext uri="{FF2B5EF4-FFF2-40B4-BE49-F238E27FC236}">
+                <a16:creationId xmlns:a16="http://schemas.microsoft.com/office/drawing/2014/main" id="{F6183025-22CD-5C5E-084B-1363E7E71515}"/>
+              </a:ext>
+            </a:extLst>
+          </p:cNvPr>
+          <p:cNvSpPr txBox="1"/>
+          <p:nvPr/>
+        </p:nvSpPr>
+        <p:spPr>
+          <a:xfrm>
+            <a:off x="10503877" y="6037541"/>
+            <a:ext cx="1242648" cy="369332"/>
+          </a:xfrm>
+          <a:prstGeom prst="rect">
+            <a:avLst/>
+          </a:prstGeom>
+          <a:noFill/>
+        </p:spPr>
+        <p:txBody>
+          <a:bodyPr wrap="none" rtlCol="0">
+            <a:spAutoFit/>
+          </a:bodyPr>
+          <a:lstStyle/>
+          <a:p>
+            <a:r>
+              <a:rPr lang="en-US" dirty="0"/>
               <a:t>1 in = 2.5 ft</a:t>
             </a:r>
+          </a:p>
+        </p:txBody>
+      </p:sp>
+      <p:sp>
+        <p:nvSpPr>
+          <p:cNvPr id="2" name="7-Point Star 1">
+            <a:extLst>
+              <a:ext uri="{FF2B5EF4-FFF2-40B4-BE49-F238E27FC236}">
+                <a16:creationId xmlns:a16="http://schemas.microsoft.com/office/drawing/2014/main" id="{471E6185-2202-13FB-ECB4-CE0331A6A23B}"/>
+              </a:ext>
+            </a:extLst>
+          </p:cNvPr>
+          <p:cNvSpPr/>
+          <p:nvPr/>
+        </p:nvSpPr>
+        <p:spPr>
+          <a:xfrm>
+            <a:off x="2280212" y="1261641"/>
+            <a:ext cx="416689" cy="416689"/>
+          </a:xfrm>
+          <a:prstGeom prst="star7">
+            <a:avLst/>
+          </a:prstGeom>
+          <a:solidFill>
+            <a:srgbClr val="FFFF00"/>
+          </a:solidFill>
+        </p:spPr>
+        <p:style>
+          <a:lnRef idx="2">
+            <a:schemeClr val="accent1">
+              <a:shade val="15000"/>
+            </a:schemeClr>
+          </a:lnRef>
+          <a:fillRef idx="1">
+            <a:schemeClr val="accent1"/>
+          </a:fillRef>
+          <a:effectRef idx="0">
+            <a:schemeClr val="accent1"/>
+          </a:effectRef>
+          <a:fontRef idx="minor">
+            <a:schemeClr val="lt1"/>
+          </a:fontRef>
+        </p:style>
+        <p:txBody>
+          <a:bodyPr rtlCol="0" anchor="ctr"/>
+          <a:lstStyle/>
+          <a:p>
+            <a:pPr algn="ctr"/>
+            <a:r>
+              <a:rPr lang="en-US" dirty="0">
+                <a:solidFill>
+                  <a:schemeClr val="tx1"/>
+                </a:solidFill>
+              </a:rPr>
+              <a:t>1</a:t>
+            </a:r>
+          </a:p>
+        </p:txBody>
+      </p:sp>
+      <p:sp>
+        <p:nvSpPr>
+          <p:cNvPr id="3" name="7-Point Star 2">
+            <a:extLst>
+              <a:ext uri="{FF2B5EF4-FFF2-40B4-BE49-F238E27FC236}">
+                <a16:creationId xmlns:a16="http://schemas.microsoft.com/office/drawing/2014/main" id="{17B73A46-D025-F151-5D67-E1E0137CC2F7}"/>
+              </a:ext>
+            </a:extLst>
+          </p:cNvPr>
+          <p:cNvSpPr/>
+          <p:nvPr/>
+        </p:nvSpPr>
+        <p:spPr>
+          <a:xfrm>
+            <a:off x="4759123" y="1263570"/>
+            <a:ext cx="416689" cy="416689"/>
+          </a:xfrm>
+          <a:prstGeom prst="star7">
+            <a:avLst/>
+          </a:prstGeom>
+          <a:solidFill>
+            <a:srgbClr val="FFFF00"/>
+          </a:solidFill>
+        </p:spPr>
+        <p:style>
+          <a:lnRef idx="2">
+            <a:schemeClr val="accent1">
+              <a:shade val="15000"/>
+            </a:schemeClr>
+          </a:lnRef>
+          <a:fillRef idx="1">
+            <a:schemeClr val="accent1"/>
+          </a:fillRef>
+          <a:effectRef idx="0">
+            <a:schemeClr val="accent1"/>
+          </a:effectRef>
+          <a:fontRef idx="minor">
+            <a:schemeClr val="lt1"/>
+          </a:fontRef>
+        </p:style>
+        <p:txBody>
+          <a:bodyPr rtlCol="0" anchor="ctr"/>
+          <a:lstStyle/>
+          <a:p>
+            <a:pPr algn="ctr"/>
+            <a:r>
+              <a:rPr lang="en-US" dirty="0">
+                <a:solidFill>
+                  <a:schemeClr val="tx1"/>
+                </a:solidFill>
+              </a:rPr>
+              <a:t>2</a:t>
+            </a:r>
+          </a:p>
+        </p:txBody>
+      </p:sp>
+      <p:sp>
+        <p:nvSpPr>
+          <p:cNvPr id="4" name="7-Point Star 3">
+            <a:extLst>
+              <a:ext uri="{FF2B5EF4-FFF2-40B4-BE49-F238E27FC236}">
+                <a16:creationId xmlns:a16="http://schemas.microsoft.com/office/drawing/2014/main" id="{4FCE79AD-E58B-B7A0-71B2-109A5E7F9B10}"/>
+              </a:ext>
+            </a:extLst>
+          </p:cNvPr>
+          <p:cNvSpPr/>
+          <p:nvPr/>
+        </p:nvSpPr>
+        <p:spPr>
+          <a:xfrm>
+            <a:off x="7075989" y="1242350"/>
+            <a:ext cx="416689" cy="416689"/>
+          </a:xfrm>
+          <a:prstGeom prst="star7">
+            <a:avLst/>
+          </a:prstGeom>
+          <a:solidFill>
+            <a:srgbClr val="FFFF00"/>
+          </a:solidFill>
+        </p:spPr>
+        <p:style>
+          <a:lnRef idx="2">
+            <a:schemeClr val="accent1">
+              <a:shade val="15000"/>
+            </a:schemeClr>
+          </a:lnRef>
+          <a:fillRef idx="1">
+            <a:schemeClr val="accent1"/>
+          </a:fillRef>
+          <a:effectRef idx="0">
+            <a:schemeClr val="accent1"/>
+          </a:effectRef>
+          <a:fontRef idx="minor">
+            <a:schemeClr val="lt1"/>
+          </a:fontRef>
+        </p:style>
+        <p:txBody>
+          <a:bodyPr rtlCol="0" anchor="ctr"/>
+          <a:lstStyle/>
+          <a:p>
+            <a:pPr algn="ctr"/>
+            <a:r>
+              <a:rPr lang="en-US" dirty="0">
+                <a:solidFill>
+                  <a:schemeClr val="tx1"/>
+                </a:solidFill>
+              </a:rPr>
+              <a:t>3</a:t>
+            </a:r>
+          </a:p>
+        </p:txBody>
+      </p:sp>
+      <p:sp>
+        <p:nvSpPr>
+          <p:cNvPr id="6" name="7-Point Star 5">
+            <a:extLst>
+              <a:ext uri="{FF2B5EF4-FFF2-40B4-BE49-F238E27FC236}">
+                <a16:creationId xmlns:a16="http://schemas.microsoft.com/office/drawing/2014/main" id="{3C0DA866-976A-8478-53F3-B481192F0897}"/>
+              </a:ext>
+            </a:extLst>
+          </p:cNvPr>
+          <p:cNvSpPr/>
+          <p:nvPr/>
+        </p:nvSpPr>
+        <p:spPr>
+          <a:xfrm>
+            <a:off x="9300257" y="1255854"/>
+            <a:ext cx="416689" cy="416689"/>
+          </a:xfrm>
+          <a:prstGeom prst="star7">
+            <a:avLst/>
+          </a:prstGeom>
+          <a:solidFill>
+            <a:srgbClr val="FFFF00"/>
+          </a:solidFill>
+        </p:spPr>
+        <p:style>
+          <a:lnRef idx="2">
+            <a:schemeClr val="accent1">
+              <a:shade val="15000"/>
+            </a:schemeClr>
+          </a:lnRef>
+          <a:fillRef idx="1">
+            <a:schemeClr val="accent1"/>
+          </a:fillRef>
+          <a:effectRef idx="0">
+            <a:schemeClr val="accent1"/>
+          </a:effectRef>
+          <a:fontRef idx="minor">
+            <a:schemeClr val="lt1"/>
+          </a:fontRef>
+        </p:style>
+        <p:txBody>
+          <a:bodyPr rtlCol="0" anchor="ctr"/>
+          <a:lstStyle/>
+          <a:p>
+            <a:pPr algn="ctr"/>
+            <a:r>
+              <a:rPr lang="en-US" dirty="0">
+                <a:solidFill>
+                  <a:schemeClr val="tx1"/>
+                </a:solidFill>
+              </a:rPr>
+              <a:t>4</a:t>
+            </a:r>
+          </a:p>
+        </p:txBody>
+      </p:sp>
+      <p:sp>
+        <p:nvSpPr>
+          <p:cNvPr id="8" name="7-Point Star 7">
+            <a:extLst>
+              <a:ext uri="{FF2B5EF4-FFF2-40B4-BE49-F238E27FC236}">
+                <a16:creationId xmlns:a16="http://schemas.microsoft.com/office/drawing/2014/main" id="{C9A421B2-2E78-FBF0-1199-77974915D285}"/>
+              </a:ext>
+            </a:extLst>
+          </p:cNvPr>
+          <p:cNvSpPr/>
+          <p:nvPr/>
+        </p:nvSpPr>
+        <p:spPr>
+          <a:xfrm>
+            <a:off x="2091158" y="5737186"/>
+            <a:ext cx="416689" cy="416689"/>
+          </a:xfrm>
+          <a:prstGeom prst="star7">
+            <a:avLst/>
+          </a:prstGeom>
+          <a:solidFill>
+            <a:srgbClr val="FFFF00"/>
+          </a:solidFill>
+        </p:spPr>
+        <p:style>
+          <a:lnRef idx="2">
+            <a:schemeClr val="accent1">
+              <a:shade val="15000"/>
+            </a:schemeClr>
+          </a:lnRef>
+          <a:fillRef idx="1">
+            <a:schemeClr val="accent1"/>
+          </a:fillRef>
+          <a:effectRef idx="0">
+            <a:schemeClr val="accent1"/>
+          </a:effectRef>
+          <a:fontRef idx="minor">
+            <a:schemeClr val="lt1"/>
+          </a:fontRef>
+        </p:style>
+        <p:txBody>
+          <a:bodyPr rtlCol="0" anchor="ctr"/>
+          <a:lstStyle/>
+          <a:p>
+            <a:pPr algn="ctr"/>
+            <a:r>
+              <a:rPr lang="en-US" dirty="0">
+                <a:solidFill>
+                  <a:schemeClr val="tx1"/>
+                </a:solidFill>
+              </a:rPr>
+              <a:t>5</a:t>
+            </a:r>
+          </a:p>
+        </p:txBody>
+      </p:sp>
+      <p:sp>
+        <p:nvSpPr>
+          <p:cNvPr id="9" name="7-Point Star 8">
+            <a:extLst>
+              <a:ext uri="{FF2B5EF4-FFF2-40B4-BE49-F238E27FC236}">
+                <a16:creationId xmlns:a16="http://schemas.microsoft.com/office/drawing/2014/main" id="{1AD6EBCD-5B84-C6BB-2E2B-686DFE543F99}"/>
+              </a:ext>
+            </a:extLst>
+          </p:cNvPr>
+          <p:cNvSpPr/>
+          <p:nvPr/>
+        </p:nvSpPr>
+        <p:spPr>
+          <a:xfrm>
+            <a:off x="4419599" y="5750689"/>
+            <a:ext cx="416689" cy="416689"/>
+          </a:xfrm>
+          <a:prstGeom prst="star7">
+            <a:avLst/>
+          </a:prstGeom>
+          <a:solidFill>
+            <a:srgbClr val="FFFF00"/>
+          </a:solidFill>
+        </p:spPr>
+        <p:style>
+          <a:lnRef idx="2">
+            <a:schemeClr val="accent1">
+              <a:shade val="15000"/>
+            </a:schemeClr>
+          </a:lnRef>
+          <a:fillRef idx="1">
+            <a:schemeClr val="accent1"/>
+          </a:fillRef>
+          <a:effectRef idx="0">
+            <a:schemeClr val="accent1"/>
+          </a:effectRef>
+          <a:fontRef idx="minor">
+            <a:schemeClr val="lt1"/>
+          </a:fontRef>
+        </p:style>
+        <p:txBody>
+          <a:bodyPr rtlCol="0" anchor="ctr"/>
+          <a:lstStyle/>
+          <a:p>
+            <a:pPr algn="ctr"/>
+            <a:r>
+              <a:rPr lang="en-US" dirty="0">
+                <a:solidFill>
+                  <a:schemeClr val="tx1"/>
+                </a:solidFill>
+              </a:rPr>
+              <a:t>6</a:t>
+            </a:r>
+          </a:p>
+        </p:txBody>
+      </p:sp>
+      <p:sp>
+        <p:nvSpPr>
+          <p:cNvPr id="10" name="7-Point Star 9">
+            <a:extLst>
+              <a:ext uri="{FF2B5EF4-FFF2-40B4-BE49-F238E27FC236}">
+                <a16:creationId xmlns:a16="http://schemas.microsoft.com/office/drawing/2014/main" id="{8DB20512-B159-A88B-4391-305E7900AB6A}"/>
+              </a:ext>
+            </a:extLst>
+          </p:cNvPr>
+          <p:cNvSpPr/>
+          <p:nvPr/>
+        </p:nvSpPr>
+        <p:spPr>
+          <a:xfrm>
+            <a:off x="6805913" y="5775768"/>
+            <a:ext cx="416689" cy="416689"/>
+          </a:xfrm>
+          <a:prstGeom prst="star7">
+            <a:avLst/>
+          </a:prstGeom>
+          <a:solidFill>
+            <a:srgbClr val="FFFF00"/>
+          </a:solidFill>
+        </p:spPr>
+        <p:style>
+          <a:lnRef idx="2">
+            <a:schemeClr val="accent1">
+              <a:shade val="15000"/>
+            </a:schemeClr>
+          </a:lnRef>
+          <a:fillRef idx="1">
+            <a:schemeClr val="accent1"/>
+          </a:fillRef>
+          <a:effectRef idx="0">
+            <a:schemeClr val="accent1"/>
+          </a:effectRef>
+          <a:fontRef idx="minor">
+            <a:schemeClr val="lt1"/>
+          </a:fontRef>
+        </p:style>
+        <p:txBody>
+          <a:bodyPr rtlCol="0" anchor="ctr"/>
+          <a:lstStyle/>
+          <a:p>
+            <a:pPr algn="ctr"/>
+            <a:r>
+              <a:rPr lang="en-US" dirty="0">
+                <a:solidFill>
+                  <a:schemeClr val="tx1"/>
+                </a:solidFill>
+              </a:rPr>
+              <a:t>7</a:t>
+            </a:r>
+          </a:p>
+        </p:txBody>
+      </p:sp>
+      <p:sp>
+        <p:nvSpPr>
+          <p:cNvPr id="11" name="7-Point Star 10">
+            <a:extLst>
+              <a:ext uri="{FF2B5EF4-FFF2-40B4-BE49-F238E27FC236}">
+                <a16:creationId xmlns:a16="http://schemas.microsoft.com/office/drawing/2014/main" id="{0DCD4919-9D82-53E4-97A3-3C9C6715EA01}"/>
+              </a:ext>
+            </a:extLst>
+          </p:cNvPr>
+          <p:cNvSpPr/>
+          <p:nvPr/>
+        </p:nvSpPr>
+        <p:spPr>
+          <a:xfrm>
+            <a:off x="9030181" y="5731399"/>
+            <a:ext cx="416689" cy="416689"/>
+          </a:xfrm>
+          <a:prstGeom prst="star7">
+            <a:avLst/>
+          </a:prstGeom>
+          <a:solidFill>
+            <a:srgbClr val="FFFF00"/>
+          </a:solidFill>
+        </p:spPr>
+        <p:style>
+          <a:lnRef idx="2">
+            <a:schemeClr val="accent1">
+              <a:shade val="15000"/>
+            </a:schemeClr>
+          </a:lnRef>
+          <a:fillRef idx="1">
+            <a:schemeClr val="accent1"/>
+          </a:fillRef>
+          <a:effectRef idx="0">
+            <a:schemeClr val="accent1"/>
+          </a:effectRef>
+          <a:fontRef idx="minor">
+            <a:schemeClr val="lt1"/>
+          </a:fontRef>
+        </p:style>
+        <p:txBody>
+          <a:bodyPr rtlCol="0" anchor="ctr"/>
+          <a:lstStyle/>
+          <a:p>
+            <a:pPr algn="ctr"/>
+            <a:r>
+              <a:rPr lang="en-US" dirty="0">
+                <a:solidFill>
+                  <a:schemeClr val="tx1"/>
+                </a:solidFill>
+              </a:rPr>
+              <a:t>8</a:t>
+            </a:r>
+          </a:p>
+        </p:txBody>
+      </p:sp>
+      <p:sp>
+        <p:nvSpPr>
+          <p:cNvPr id="13" name="Freeform 12">
+            <a:extLst>
+              <a:ext uri="{FF2B5EF4-FFF2-40B4-BE49-F238E27FC236}">
+                <a16:creationId xmlns:a16="http://schemas.microsoft.com/office/drawing/2014/main" id="{BCEA5B17-A55B-4029-D610-FA3CC3854ED2}"/>
+              </a:ext>
+            </a:extLst>
+          </p:cNvPr>
+          <p:cNvSpPr/>
+          <p:nvPr/>
+        </p:nvSpPr>
+        <p:spPr>
+          <a:xfrm>
+            <a:off x="1469985" y="2013995"/>
+            <a:ext cx="358815" cy="1099595"/>
+          </a:xfrm>
+          <a:custGeom>
+            <a:avLst/>
+            <a:gdLst>
+              <a:gd name="connsiteX0" fmla="*/ 0 w 358815"/>
+              <a:gd name="connsiteY0" fmla="*/ 1099595 h 1099595"/>
+              <a:gd name="connsiteX1" fmla="*/ 289367 w 358815"/>
+              <a:gd name="connsiteY1" fmla="*/ 601884 h 1099595"/>
+              <a:gd name="connsiteX2" fmla="*/ 358815 w 358815"/>
+              <a:gd name="connsiteY2" fmla="*/ 0 h 1099595"/>
+            </a:gdLst>
+            <a:ahLst/>
+            <a:cxnLst>
+              <a:cxn ang="0">
+                <a:pos x="connsiteX0" y="connsiteY0"/>
+              </a:cxn>
+              <a:cxn ang="0">
+                <a:pos x="connsiteX1" y="connsiteY1"/>
+              </a:cxn>
+              <a:cxn ang="0">
+                <a:pos x="connsiteX2" y="connsiteY2"/>
+              </a:cxn>
+            </a:cxnLst>
+            <a:rect l="l" t="t" r="r" b="b"/>
+            <a:pathLst>
+              <a:path w="358815" h="1099595">
+                <a:moveTo>
+                  <a:pt x="0" y="1099595"/>
+                </a:moveTo>
+                <a:cubicBezTo>
+                  <a:pt x="114782" y="942372"/>
+                  <a:pt x="229565" y="785150"/>
+                  <a:pt x="289367" y="601884"/>
+                </a:cubicBezTo>
+                <a:cubicBezTo>
+                  <a:pt x="349169" y="418618"/>
+                  <a:pt x="353992" y="209309"/>
+                  <a:pt x="358815" y="0"/>
+                </a:cubicBezTo>
+              </a:path>
+            </a:pathLst>
+          </a:custGeom>
+          <a:noFill/>
+          <a:ln w="76200">
+            <a:headEnd type="none" w="med" len="med"/>
+            <a:tailEnd type="triangle" w="med" len="med"/>
+          </a:ln>
+        </p:spPr>
+        <p:style>
+          <a:lnRef idx="2">
+            <a:schemeClr val="accent1">
+              <a:shade val="15000"/>
+            </a:schemeClr>
+          </a:lnRef>
+          <a:fillRef idx="1">
+            <a:schemeClr val="accent1"/>
+          </a:fillRef>
+          <a:effectRef idx="0">
+            <a:schemeClr val="accent1"/>
+          </a:effectRef>
+          <a:fontRef idx="minor">
+            <a:schemeClr val="lt1"/>
+          </a:fontRef>
+        </p:style>
+        <p:txBody>
+          <a:bodyPr rtlCol="0" anchor="ctr"/>
+          <a:lstStyle/>
+          <a:p>
+            <a:pPr algn="ctr"/>
+            <a:endParaRPr lang="en-US"/>
+          </a:p>
+        </p:txBody>
+      </p:sp>
+      <p:sp>
+        <p:nvSpPr>
+          <p:cNvPr id="14" name="Freeform 13">
+            <a:extLst>
+              <a:ext uri="{FF2B5EF4-FFF2-40B4-BE49-F238E27FC236}">
+                <a16:creationId xmlns:a16="http://schemas.microsoft.com/office/drawing/2014/main" id="{3137FB12-861B-4F76-712F-3C8515D09A27}"/>
+              </a:ext>
+            </a:extLst>
+          </p:cNvPr>
+          <p:cNvSpPr/>
+          <p:nvPr/>
+        </p:nvSpPr>
+        <p:spPr>
+          <a:xfrm rot="4244907">
+            <a:off x="2837726" y="1518213"/>
+            <a:ext cx="358815" cy="1099595"/>
+          </a:xfrm>
+          <a:custGeom>
+            <a:avLst/>
+            <a:gdLst>
+              <a:gd name="connsiteX0" fmla="*/ 0 w 358815"/>
+              <a:gd name="connsiteY0" fmla="*/ 1099595 h 1099595"/>
+              <a:gd name="connsiteX1" fmla="*/ 289367 w 358815"/>
+              <a:gd name="connsiteY1" fmla="*/ 601884 h 1099595"/>
+              <a:gd name="connsiteX2" fmla="*/ 358815 w 358815"/>
+              <a:gd name="connsiteY2" fmla="*/ 0 h 1099595"/>
+            </a:gdLst>
+            <a:ahLst/>
+            <a:cxnLst>
+              <a:cxn ang="0">
+                <a:pos x="connsiteX0" y="connsiteY0"/>
+              </a:cxn>
+              <a:cxn ang="0">
+                <a:pos x="connsiteX1" y="connsiteY1"/>
+              </a:cxn>
+              <a:cxn ang="0">
+                <a:pos x="connsiteX2" y="connsiteY2"/>
+              </a:cxn>
+            </a:cxnLst>
+            <a:rect l="l" t="t" r="r" b="b"/>
+            <a:pathLst>
+              <a:path w="358815" h="1099595">
+                <a:moveTo>
+                  <a:pt x="0" y="1099595"/>
+                </a:moveTo>
+                <a:cubicBezTo>
+                  <a:pt x="114782" y="942372"/>
+                  <a:pt x="229565" y="785150"/>
+                  <a:pt x="289367" y="601884"/>
+                </a:cubicBezTo>
+                <a:cubicBezTo>
+                  <a:pt x="349169" y="418618"/>
+                  <a:pt x="353992" y="209309"/>
+                  <a:pt x="358815" y="0"/>
+                </a:cubicBezTo>
+              </a:path>
+            </a:pathLst>
+          </a:custGeom>
+          <a:noFill/>
+          <a:ln w="76200">
+            <a:headEnd type="none" w="med" len="med"/>
+            <a:tailEnd type="triangle" w="med" len="med"/>
+          </a:ln>
+        </p:spPr>
+        <p:style>
+          <a:lnRef idx="2">
+            <a:schemeClr val="accent1">
+              <a:shade val="15000"/>
+            </a:schemeClr>
+          </a:lnRef>
+          <a:fillRef idx="1">
+            <a:schemeClr val="accent1"/>
+          </a:fillRef>
+          <a:effectRef idx="0">
+            <a:schemeClr val="accent1"/>
+          </a:effectRef>
+          <a:fontRef idx="minor">
+            <a:schemeClr val="lt1"/>
+          </a:fontRef>
+        </p:style>
+        <p:txBody>
+          <a:bodyPr rtlCol="0" anchor="ctr"/>
+          <a:lstStyle/>
+          <a:p>
+            <a:pPr algn="ctr"/>
+            <a:endParaRPr lang="en-US"/>
+          </a:p>
+        </p:txBody>
+      </p:sp>
+      <p:sp>
+        <p:nvSpPr>
+          <p:cNvPr id="15" name="Freeform 14">
+            <a:extLst>
+              <a:ext uri="{FF2B5EF4-FFF2-40B4-BE49-F238E27FC236}">
+                <a16:creationId xmlns:a16="http://schemas.microsoft.com/office/drawing/2014/main" id="{EEC7503E-0D03-9238-7F4F-625591FE08BC}"/>
+              </a:ext>
+            </a:extLst>
+          </p:cNvPr>
+          <p:cNvSpPr/>
+          <p:nvPr/>
+        </p:nvSpPr>
+        <p:spPr>
+          <a:xfrm rot="4244907">
+            <a:off x="4899949" y="1531716"/>
+            <a:ext cx="358815" cy="1099595"/>
+          </a:xfrm>
+          <a:custGeom>
+            <a:avLst/>
+            <a:gdLst>
+              <a:gd name="connsiteX0" fmla="*/ 0 w 358815"/>
+              <a:gd name="connsiteY0" fmla="*/ 1099595 h 1099595"/>
+              <a:gd name="connsiteX1" fmla="*/ 289367 w 358815"/>
+              <a:gd name="connsiteY1" fmla="*/ 601884 h 1099595"/>
+              <a:gd name="connsiteX2" fmla="*/ 358815 w 358815"/>
+              <a:gd name="connsiteY2" fmla="*/ 0 h 1099595"/>
+            </a:gdLst>
+            <a:ahLst/>
+            <a:cxnLst>
+              <a:cxn ang="0">
+                <a:pos x="connsiteX0" y="connsiteY0"/>
+              </a:cxn>
+              <a:cxn ang="0">
+                <a:pos x="connsiteX1" y="connsiteY1"/>
+              </a:cxn>
+              <a:cxn ang="0">
+                <a:pos x="connsiteX2" y="connsiteY2"/>
+              </a:cxn>
+            </a:cxnLst>
+            <a:rect l="l" t="t" r="r" b="b"/>
+            <a:pathLst>
+              <a:path w="358815" h="1099595">
+                <a:moveTo>
+                  <a:pt x="0" y="1099595"/>
+                </a:moveTo>
+                <a:cubicBezTo>
+                  <a:pt x="114782" y="942372"/>
+                  <a:pt x="229565" y="785150"/>
+                  <a:pt x="289367" y="601884"/>
+                </a:cubicBezTo>
+                <a:cubicBezTo>
+                  <a:pt x="349169" y="418618"/>
+                  <a:pt x="353992" y="209309"/>
+                  <a:pt x="358815" y="0"/>
+                </a:cubicBezTo>
+              </a:path>
+            </a:pathLst>
+          </a:custGeom>
+          <a:noFill/>
+          <a:ln w="76200">
+            <a:headEnd type="none" w="med" len="med"/>
+            <a:tailEnd type="triangle" w="med" len="med"/>
+          </a:ln>
+        </p:spPr>
+        <p:style>
+          <a:lnRef idx="2">
+            <a:schemeClr val="accent1">
+              <a:shade val="15000"/>
+            </a:schemeClr>
+          </a:lnRef>
+          <a:fillRef idx="1">
+            <a:schemeClr val="accent1"/>
+          </a:fillRef>
+          <a:effectRef idx="0">
+            <a:schemeClr val="accent1"/>
+          </a:effectRef>
+          <a:fontRef idx="minor">
+            <a:schemeClr val="lt1"/>
+          </a:fontRef>
+        </p:style>
+        <p:txBody>
+          <a:bodyPr rtlCol="0" anchor="ctr"/>
+          <a:lstStyle/>
+          <a:p>
+            <a:pPr algn="ctr"/>
+            <a:endParaRPr lang="en-US"/>
+          </a:p>
+        </p:txBody>
+      </p:sp>
+      <p:sp>
+        <p:nvSpPr>
+          <p:cNvPr id="16" name="Freeform 15">
+            <a:extLst>
+              <a:ext uri="{FF2B5EF4-FFF2-40B4-BE49-F238E27FC236}">
+                <a16:creationId xmlns:a16="http://schemas.microsoft.com/office/drawing/2014/main" id="{977621E8-D280-35A3-E972-5F18293038C8}"/>
+              </a:ext>
+            </a:extLst>
+          </p:cNvPr>
+          <p:cNvSpPr/>
+          <p:nvPr/>
+        </p:nvSpPr>
+        <p:spPr>
+          <a:xfrm rot="6454780" flipH="1">
+            <a:off x="2545532" y="4507188"/>
+            <a:ext cx="330201" cy="1099595"/>
+          </a:xfrm>
+          <a:custGeom>
+            <a:avLst/>
+            <a:gdLst>
+              <a:gd name="connsiteX0" fmla="*/ 0 w 358815"/>
+              <a:gd name="connsiteY0" fmla="*/ 1099595 h 1099595"/>
+              <a:gd name="connsiteX1" fmla="*/ 289367 w 358815"/>
+              <a:gd name="connsiteY1" fmla="*/ 601884 h 1099595"/>
+              <a:gd name="connsiteX2" fmla="*/ 358815 w 358815"/>
+              <a:gd name="connsiteY2" fmla="*/ 0 h 1099595"/>
+            </a:gdLst>
+            <a:ahLst/>
+            <a:cxnLst>
+              <a:cxn ang="0">
+                <a:pos x="connsiteX0" y="connsiteY0"/>
+              </a:cxn>
+              <a:cxn ang="0">
+                <a:pos x="connsiteX1" y="connsiteY1"/>
+              </a:cxn>
+              <a:cxn ang="0">
+                <a:pos x="connsiteX2" y="connsiteY2"/>
+              </a:cxn>
+            </a:cxnLst>
+            <a:rect l="l" t="t" r="r" b="b"/>
+            <a:pathLst>
+              <a:path w="358815" h="1099595">
+                <a:moveTo>
+                  <a:pt x="0" y="1099595"/>
+                </a:moveTo>
+                <a:cubicBezTo>
+                  <a:pt x="114782" y="942372"/>
+                  <a:pt x="229565" y="785150"/>
+                  <a:pt x="289367" y="601884"/>
+                </a:cubicBezTo>
+                <a:cubicBezTo>
+                  <a:pt x="349169" y="418618"/>
+                  <a:pt x="353992" y="209309"/>
+                  <a:pt x="358815" y="0"/>
+                </a:cubicBezTo>
+              </a:path>
+            </a:pathLst>
+          </a:custGeom>
+          <a:noFill/>
+          <a:ln w="76200">
+            <a:headEnd type="none" w="med" len="med"/>
+            <a:tailEnd type="triangle" w="med" len="med"/>
+          </a:ln>
+        </p:spPr>
+        <p:style>
+          <a:lnRef idx="2">
+            <a:schemeClr val="accent1">
+              <a:shade val="15000"/>
+            </a:schemeClr>
+          </a:lnRef>
+          <a:fillRef idx="1">
+            <a:schemeClr val="accent1"/>
+          </a:fillRef>
+          <a:effectRef idx="0">
+            <a:schemeClr val="accent1"/>
+          </a:effectRef>
+          <a:fontRef idx="minor">
+            <a:schemeClr val="lt1"/>
+          </a:fontRef>
+        </p:style>
+        <p:txBody>
+          <a:bodyPr rtlCol="0" anchor="ctr"/>
+          <a:lstStyle/>
+          <a:p>
+            <a:pPr algn="ctr"/>
+            <a:endParaRPr lang="en-US"/>
+          </a:p>
+        </p:txBody>
+      </p:sp>
+      <p:sp>
+        <p:nvSpPr>
+          <p:cNvPr id="17" name="Freeform 16">
+            <a:extLst>
+              <a:ext uri="{FF2B5EF4-FFF2-40B4-BE49-F238E27FC236}">
+                <a16:creationId xmlns:a16="http://schemas.microsoft.com/office/drawing/2014/main" id="{EAF858E6-434A-6F5B-3070-A4CEB14ED561}"/>
+              </a:ext>
+            </a:extLst>
+          </p:cNvPr>
+          <p:cNvSpPr/>
+          <p:nvPr/>
+        </p:nvSpPr>
+        <p:spPr>
+          <a:xfrm rot="6454780" flipH="1">
+            <a:off x="4873972" y="4474391"/>
+            <a:ext cx="330201" cy="1099595"/>
+          </a:xfrm>
+          <a:custGeom>
+            <a:avLst/>
+            <a:gdLst>
+              <a:gd name="connsiteX0" fmla="*/ 0 w 358815"/>
+              <a:gd name="connsiteY0" fmla="*/ 1099595 h 1099595"/>
+              <a:gd name="connsiteX1" fmla="*/ 289367 w 358815"/>
+              <a:gd name="connsiteY1" fmla="*/ 601884 h 1099595"/>
+              <a:gd name="connsiteX2" fmla="*/ 358815 w 358815"/>
+              <a:gd name="connsiteY2" fmla="*/ 0 h 1099595"/>
+            </a:gdLst>
+            <a:ahLst/>
+            <a:cxnLst>
+              <a:cxn ang="0">
+                <a:pos x="connsiteX0" y="connsiteY0"/>
+              </a:cxn>
+              <a:cxn ang="0">
+                <a:pos x="connsiteX1" y="connsiteY1"/>
+              </a:cxn>
+              <a:cxn ang="0">
+                <a:pos x="connsiteX2" y="connsiteY2"/>
+              </a:cxn>
+            </a:cxnLst>
+            <a:rect l="l" t="t" r="r" b="b"/>
+            <a:pathLst>
+              <a:path w="358815" h="1099595">
+                <a:moveTo>
+                  <a:pt x="0" y="1099595"/>
+                </a:moveTo>
+                <a:cubicBezTo>
+                  <a:pt x="114782" y="942372"/>
+                  <a:pt x="229565" y="785150"/>
+                  <a:pt x="289367" y="601884"/>
+                </a:cubicBezTo>
+                <a:cubicBezTo>
+                  <a:pt x="349169" y="418618"/>
+                  <a:pt x="353992" y="209309"/>
+                  <a:pt x="358815" y="0"/>
+                </a:cubicBezTo>
+              </a:path>
+            </a:pathLst>
+          </a:custGeom>
+          <a:noFill/>
+          <a:ln w="76200">
+            <a:headEnd type="none" w="med" len="med"/>
+            <a:tailEnd type="triangle" w="med" len="med"/>
+          </a:ln>
+        </p:spPr>
+        <p:style>
+          <a:lnRef idx="2">
+            <a:schemeClr val="accent1">
+              <a:shade val="15000"/>
+            </a:schemeClr>
+          </a:lnRef>
+          <a:fillRef idx="1">
+            <a:schemeClr val="accent1"/>
+          </a:fillRef>
+          <a:effectRef idx="0">
+            <a:schemeClr val="accent1"/>
+          </a:effectRef>
+          <a:fontRef idx="minor">
+            <a:schemeClr val="lt1"/>
+          </a:fontRef>
+        </p:style>
+        <p:txBody>
+          <a:bodyPr rtlCol="0" anchor="ctr"/>
+          <a:lstStyle/>
+          <a:p>
+            <a:pPr algn="ctr"/>
+            <a:endParaRPr lang="en-US"/>
+          </a:p>
+        </p:txBody>
+      </p:sp>
+      <p:sp>
+        <p:nvSpPr>
+          <p:cNvPr id="18" name="Freeform 17">
+            <a:extLst>
+              <a:ext uri="{FF2B5EF4-FFF2-40B4-BE49-F238E27FC236}">
+                <a16:creationId xmlns:a16="http://schemas.microsoft.com/office/drawing/2014/main" id="{AC261D29-76CD-D0E5-594F-EC859B04FE84}"/>
+              </a:ext>
+            </a:extLst>
+          </p:cNvPr>
+          <p:cNvSpPr/>
+          <p:nvPr/>
+        </p:nvSpPr>
+        <p:spPr>
+          <a:xfrm rot="15017741" flipH="1">
+            <a:off x="4499073" y="-65662"/>
+            <a:ext cx="330201" cy="7260562"/>
+          </a:xfrm>
+          <a:custGeom>
+            <a:avLst/>
+            <a:gdLst>
+              <a:gd name="connsiteX0" fmla="*/ 0 w 358815"/>
+              <a:gd name="connsiteY0" fmla="*/ 1099595 h 1099595"/>
+              <a:gd name="connsiteX1" fmla="*/ 289367 w 358815"/>
+              <a:gd name="connsiteY1" fmla="*/ 601884 h 1099595"/>
+              <a:gd name="connsiteX2" fmla="*/ 358815 w 358815"/>
+              <a:gd name="connsiteY2" fmla="*/ 0 h 1099595"/>
+            </a:gdLst>
+            <a:ahLst/>
+            <a:cxnLst>
+              <a:cxn ang="0">
+                <a:pos x="connsiteX0" y="connsiteY0"/>
+              </a:cxn>
+              <a:cxn ang="0">
+                <a:pos x="connsiteX1" y="connsiteY1"/>
+              </a:cxn>
+              <a:cxn ang="0">
+                <a:pos x="connsiteX2" y="connsiteY2"/>
+              </a:cxn>
+            </a:cxnLst>
+            <a:rect l="l" t="t" r="r" b="b"/>
+            <a:pathLst>
+              <a:path w="358815" h="1099595">
+                <a:moveTo>
+                  <a:pt x="0" y="1099595"/>
+                </a:moveTo>
+                <a:cubicBezTo>
+                  <a:pt x="114782" y="942372"/>
+                  <a:pt x="229565" y="785150"/>
+                  <a:pt x="289367" y="601884"/>
+                </a:cubicBezTo>
+                <a:cubicBezTo>
+                  <a:pt x="349169" y="418618"/>
+                  <a:pt x="353992" y="209309"/>
+                  <a:pt x="358815" y="0"/>
+                </a:cubicBezTo>
+              </a:path>
+            </a:pathLst>
+          </a:custGeom>
+          <a:noFill/>
+          <a:ln w="76200">
+            <a:headEnd type="none" w="med" len="med"/>
+            <a:tailEnd type="triangle" w="med" len="med"/>
+          </a:ln>
+        </p:spPr>
+        <p:style>
+          <a:lnRef idx="2">
+            <a:schemeClr val="accent1">
+              <a:shade val="15000"/>
+            </a:schemeClr>
+          </a:lnRef>
+          <a:fillRef idx="1">
+            <a:schemeClr val="accent1"/>
+          </a:fillRef>
+          <a:effectRef idx="0">
+            <a:schemeClr val="accent1"/>
+          </a:effectRef>
+          <a:fontRef idx="minor">
+            <a:schemeClr val="lt1"/>
+          </a:fontRef>
+        </p:style>
+        <p:txBody>
+          <a:bodyPr rtlCol="0" anchor="ctr"/>
+          <a:lstStyle/>
+          <a:p>
+            <a:pPr algn="ctr"/>
+            <a:endParaRPr lang="en-US"/>
+          </a:p>
+        </p:txBody>
+      </p:sp>
+      <p:sp>
+        <p:nvSpPr>
+          <p:cNvPr id="19" name="Freeform 18">
+            <a:extLst>
+              <a:ext uri="{FF2B5EF4-FFF2-40B4-BE49-F238E27FC236}">
+                <a16:creationId xmlns:a16="http://schemas.microsoft.com/office/drawing/2014/main" id="{39045294-6FFD-6574-373A-4E3C46DF0BCC}"/>
+              </a:ext>
+            </a:extLst>
+          </p:cNvPr>
+          <p:cNvSpPr/>
+          <p:nvPr/>
+        </p:nvSpPr>
+        <p:spPr>
+          <a:xfrm rot="6428121" flipH="1">
+            <a:off x="7156113" y="4430021"/>
+            <a:ext cx="330201" cy="1099595"/>
+          </a:xfrm>
+          <a:custGeom>
+            <a:avLst/>
+            <a:gdLst>
+              <a:gd name="connsiteX0" fmla="*/ 0 w 358815"/>
+              <a:gd name="connsiteY0" fmla="*/ 1099595 h 1099595"/>
+              <a:gd name="connsiteX1" fmla="*/ 289367 w 358815"/>
+              <a:gd name="connsiteY1" fmla="*/ 601884 h 1099595"/>
+              <a:gd name="connsiteX2" fmla="*/ 358815 w 358815"/>
+              <a:gd name="connsiteY2" fmla="*/ 0 h 1099595"/>
+            </a:gdLst>
+            <a:ahLst/>
+            <a:cxnLst>
+              <a:cxn ang="0">
+                <a:pos x="connsiteX0" y="connsiteY0"/>
+              </a:cxn>
+              <a:cxn ang="0">
+                <a:pos x="connsiteX1" y="connsiteY1"/>
+              </a:cxn>
+              <a:cxn ang="0">
+                <a:pos x="connsiteX2" y="connsiteY2"/>
+              </a:cxn>
+            </a:cxnLst>
+            <a:rect l="l" t="t" r="r" b="b"/>
+            <a:pathLst>
+              <a:path w="358815" h="1099595">
+                <a:moveTo>
+                  <a:pt x="0" y="1099595"/>
+                </a:moveTo>
+                <a:cubicBezTo>
+                  <a:pt x="114782" y="942372"/>
+                  <a:pt x="229565" y="785150"/>
+                  <a:pt x="289367" y="601884"/>
+                </a:cubicBezTo>
+                <a:cubicBezTo>
+                  <a:pt x="349169" y="418618"/>
+                  <a:pt x="353992" y="209309"/>
+                  <a:pt x="358815" y="0"/>
+                </a:cubicBezTo>
+              </a:path>
+            </a:pathLst>
+          </a:custGeom>
+          <a:noFill/>
+          <a:ln w="76200">
+            <a:headEnd type="none" w="med" len="med"/>
+            <a:tailEnd type="triangle" w="med" len="med"/>
+          </a:ln>
+        </p:spPr>
+        <p:style>
+          <a:lnRef idx="2">
+            <a:schemeClr val="accent1">
+              <a:shade val="15000"/>
+            </a:schemeClr>
+          </a:lnRef>
+          <a:fillRef idx="1">
+            <a:schemeClr val="accent1"/>
+          </a:fillRef>
+          <a:effectRef idx="0">
+            <a:schemeClr val="accent1"/>
+          </a:effectRef>
+          <a:fontRef idx="minor">
+            <a:schemeClr val="lt1"/>
+          </a:fontRef>
+        </p:style>
+        <p:txBody>
+          <a:bodyPr rtlCol="0" anchor="ctr"/>
+          <a:lstStyle/>
+          <a:p>
+            <a:pPr algn="ctr"/>
+            <a:endParaRPr lang="en-US"/>
+          </a:p>
+        </p:txBody>
+      </p:sp>
+      <p:sp>
+        <p:nvSpPr>
+          <p:cNvPr id="20" name="Freeform 19">
+            <a:extLst>
+              <a:ext uri="{FF2B5EF4-FFF2-40B4-BE49-F238E27FC236}">
+                <a16:creationId xmlns:a16="http://schemas.microsoft.com/office/drawing/2014/main" id="{72ABFA50-06BF-23B7-0D4A-B1519C4C1B82}"/>
+              </a:ext>
+            </a:extLst>
+          </p:cNvPr>
+          <p:cNvSpPr/>
+          <p:nvPr/>
+        </p:nvSpPr>
+        <p:spPr>
+          <a:xfrm rot="4244907">
+            <a:off x="7263112" y="1452621"/>
+            <a:ext cx="358815" cy="1099595"/>
+          </a:xfrm>
+          <a:custGeom>
+            <a:avLst/>
+            <a:gdLst>
+              <a:gd name="connsiteX0" fmla="*/ 0 w 358815"/>
+              <a:gd name="connsiteY0" fmla="*/ 1099595 h 1099595"/>
+              <a:gd name="connsiteX1" fmla="*/ 289367 w 358815"/>
+              <a:gd name="connsiteY1" fmla="*/ 601884 h 1099595"/>
+              <a:gd name="connsiteX2" fmla="*/ 358815 w 358815"/>
+              <a:gd name="connsiteY2" fmla="*/ 0 h 1099595"/>
+            </a:gdLst>
+            <a:ahLst/>
+            <a:cxnLst>
+              <a:cxn ang="0">
+                <a:pos x="connsiteX0" y="connsiteY0"/>
+              </a:cxn>
+              <a:cxn ang="0">
+                <a:pos x="connsiteX1" y="connsiteY1"/>
+              </a:cxn>
+              <a:cxn ang="0">
+                <a:pos x="connsiteX2" y="connsiteY2"/>
+              </a:cxn>
+            </a:cxnLst>
+            <a:rect l="l" t="t" r="r" b="b"/>
+            <a:pathLst>
+              <a:path w="358815" h="1099595">
+                <a:moveTo>
+                  <a:pt x="0" y="1099595"/>
+                </a:moveTo>
+                <a:cubicBezTo>
+                  <a:pt x="114782" y="942372"/>
+                  <a:pt x="229565" y="785150"/>
+                  <a:pt x="289367" y="601884"/>
+                </a:cubicBezTo>
+                <a:cubicBezTo>
+                  <a:pt x="349169" y="418618"/>
+                  <a:pt x="353992" y="209309"/>
+                  <a:pt x="358815" y="0"/>
+                </a:cubicBezTo>
+              </a:path>
+            </a:pathLst>
+          </a:custGeom>
+          <a:noFill/>
+          <a:ln w="76200">
+            <a:headEnd type="none" w="med" len="med"/>
+            <a:tailEnd type="triangle" w="med" len="med"/>
+          </a:ln>
+        </p:spPr>
+        <p:style>
+          <a:lnRef idx="2">
+            <a:schemeClr val="accent1">
+              <a:shade val="15000"/>
+            </a:schemeClr>
+          </a:lnRef>
+          <a:fillRef idx="1">
+            <a:schemeClr val="accent1"/>
+          </a:fillRef>
+          <a:effectRef idx="0">
+            <a:schemeClr val="accent1"/>
+          </a:effectRef>
+          <a:fontRef idx="minor">
+            <a:schemeClr val="lt1"/>
+          </a:fontRef>
+        </p:style>
+        <p:txBody>
+          <a:bodyPr rtlCol="0" anchor="ctr"/>
+          <a:lstStyle/>
+          <a:p>
+            <a:pPr algn="ctr"/>
+            <a:endParaRPr lang="en-US"/>
           </a:p>
         </p:txBody>
       </p:sp>
     </p:spTree>
     <p:extLst>
       <p:ext uri="{BB962C8B-B14F-4D97-AF65-F5344CB8AC3E}">
-        <p14:creationId xmlns:p14="http://schemas.microsoft.com/office/powerpoint/2010/main" val="1443683937"/>
+        <p14:creationId xmlns:p14="http://schemas.microsoft.com/office/powerpoint/2010/main" val="891114799"/>
       </p:ext>
     </p:extLst>
   </p:cSld>

--- a/slides/Room-Logistics.pptx
+++ b/slides/Room-Logistics.pptx
@@ -4,6 +4,9 @@
   <p:sldMasterIdLst>
     <p:sldMasterId id="2147483648" r:id="rId1"/>
   </p:sldMasterIdLst>
+  <p:notesMasterIdLst>
+    <p:notesMasterId r:id="rId5"/>
+  </p:notesMasterIdLst>
   <p:sldIdLst>
     <p:sldId id="257" r:id="rId2"/>
     <p:sldId id="256" r:id="rId3"/>
@@ -112,6 +115,439 @@
     </p:ext>
   </p:extLst>
 </p:presentation>
+</file>
+
+<file path=ppt/notesMasters/notesMaster1.xml><?xml version="1.0" encoding="utf-8"?>
+<p:notesMaster xmlns:a="http://schemas.openxmlformats.org/drawingml/2006/main" xmlns:r="http://schemas.openxmlformats.org/officeDocument/2006/relationships" xmlns:p="http://schemas.openxmlformats.org/presentationml/2006/main">
+  <p:cSld>
+    <p:bg>
+      <p:bgRef idx="1001">
+        <a:schemeClr val="bg1"/>
+      </p:bgRef>
+    </p:bg>
+    <p:spTree>
+      <p:nvGrpSpPr>
+        <p:cNvPr id="1" name=""/>
+        <p:cNvGrpSpPr/>
+        <p:nvPr/>
+      </p:nvGrpSpPr>
+      <p:grpSpPr>
+        <a:xfrm>
+          <a:off x="0" y="0"/>
+          <a:ext cx="0" cy="0"/>
+          <a:chOff x="0" y="0"/>
+          <a:chExt cx="0" cy="0"/>
+        </a:xfrm>
+      </p:grpSpPr>
+      <p:sp>
+        <p:nvSpPr>
+          <p:cNvPr id="2" name="Header Placeholder 1"/>
+          <p:cNvSpPr>
+            <a:spLocks noGrp="1"/>
+          </p:cNvSpPr>
+          <p:nvPr>
+            <p:ph type="hdr" sz="quarter"/>
+          </p:nvPr>
+        </p:nvSpPr>
+        <p:spPr>
+          <a:xfrm>
+            <a:off x="0" y="0"/>
+            <a:ext cx="2971800" cy="458788"/>
+          </a:xfrm>
+          <a:prstGeom prst="rect">
+            <a:avLst/>
+          </a:prstGeom>
+        </p:spPr>
+        <p:txBody>
+          <a:bodyPr vert="horz" lIns="91440" tIns="45720" rIns="91440" bIns="45720" rtlCol="0"/>
+          <a:lstStyle>
+            <a:lvl1pPr algn="l">
+              <a:defRPr sz="1200"/>
+            </a:lvl1pPr>
+          </a:lstStyle>
+          <a:p>
+            <a:endParaRPr lang="en-US"/>
+          </a:p>
+        </p:txBody>
+      </p:sp>
+      <p:sp>
+        <p:nvSpPr>
+          <p:cNvPr id="3" name="Date Placeholder 2"/>
+          <p:cNvSpPr>
+            <a:spLocks noGrp="1"/>
+          </p:cNvSpPr>
+          <p:nvPr>
+            <p:ph type="dt" idx="1"/>
+          </p:nvPr>
+        </p:nvSpPr>
+        <p:spPr>
+          <a:xfrm>
+            <a:off x="3884613" y="0"/>
+            <a:ext cx="2971800" cy="458788"/>
+          </a:xfrm>
+          <a:prstGeom prst="rect">
+            <a:avLst/>
+          </a:prstGeom>
+        </p:spPr>
+        <p:txBody>
+          <a:bodyPr vert="horz" lIns="91440" tIns="45720" rIns="91440" bIns="45720" rtlCol="0"/>
+          <a:lstStyle>
+            <a:lvl1pPr algn="r">
+              <a:defRPr sz="1200"/>
+            </a:lvl1pPr>
+          </a:lstStyle>
+          <a:p>
+            <a:fld id="{FEE6B41D-4E41-3448-B3D7-4B201C442453}" type="datetimeFigureOut">
+              <a:rPr lang="en-US" smtClean="0"/>
+              <a:t>12/28/23</a:t>
+            </a:fld>
+            <a:endParaRPr lang="en-US"/>
+          </a:p>
+        </p:txBody>
+      </p:sp>
+      <p:sp>
+        <p:nvSpPr>
+          <p:cNvPr id="4" name="Slide Image Placeholder 3"/>
+          <p:cNvSpPr>
+            <a:spLocks noGrp="1" noRot="1" noChangeAspect="1"/>
+          </p:cNvSpPr>
+          <p:nvPr>
+            <p:ph type="sldImg" idx="2"/>
+          </p:nvPr>
+        </p:nvSpPr>
+        <p:spPr>
+          <a:xfrm>
+            <a:off x="685800" y="1143000"/>
+            <a:ext cx="5486400" cy="3086100"/>
+          </a:xfrm>
+          <a:prstGeom prst="rect">
+            <a:avLst/>
+          </a:prstGeom>
+          <a:noFill/>
+          <a:ln w="12700">
+            <a:solidFill>
+              <a:prstClr val="black"/>
+            </a:solidFill>
+          </a:ln>
+        </p:spPr>
+        <p:txBody>
+          <a:bodyPr vert="horz" lIns="91440" tIns="45720" rIns="91440" bIns="45720" rtlCol="0" anchor="ctr"/>
+          <a:lstStyle/>
+          <a:p>
+            <a:endParaRPr lang="en-US"/>
+          </a:p>
+        </p:txBody>
+      </p:sp>
+      <p:sp>
+        <p:nvSpPr>
+          <p:cNvPr id="5" name="Notes Placeholder 4"/>
+          <p:cNvSpPr>
+            <a:spLocks noGrp="1"/>
+          </p:cNvSpPr>
+          <p:nvPr>
+            <p:ph type="body" sz="quarter" idx="3"/>
+          </p:nvPr>
+        </p:nvSpPr>
+        <p:spPr>
+          <a:xfrm>
+            <a:off x="685800" y="4400550"/>
+            <a:ext cx="5486400" cy="3600450"/>
+          </a:xfrm>
+          <a:prstGeom prst="rect">
+            <a:avLst/>
+          </a:prstGeom>
+        </p:spPr>
+        <p:txBody>
+          <a:bodyPr vert="horz" lIns="91440" tIns="45720" rIns="91440" bIns="45720" rtlCol="0"/>
+          <a:lstStyle/>
+          <a:p>
+            <a:pPr lvl="0"/>
+            <a:r>
+              <a:rPr lang="en-US"/>
+              <a:t>Click to edit Master text styles</a:t>
+            </a:r>
+          </a:p>
+          <a:p>
+            <a:pPr lvl="1"/>
+            <a:r>
+              <a:rPr lang="en-US"/>
+              <a:t>Second level</a:t>
+            </a:r>
+          </a:p>
+          <a:p>
+            <a:pPr lvl="2"/>
+            <a:r>
+              <a:rPr lang="en-US"/>
+              <a:t>Third level</a:t>
+            </a:r>
+          </a:p>
+          <a:p>
+            <a:pPr lvl="3"/>
+            <a:r>
+              <a:rPr lang="en-US"/>
+              <a:t>Fourth level</a:t>
+            </a:r>
+          </a:p>
+          <a:p>
+            <a:pPr lvl="4"/>
+            <a:r>
+              <a:rPr lang="en-US"/>
+              <a:t>Fifth level</a:t>
+            </a:r>
+          </a:p>
+        </p:txBody>
+      </p:sp>
+      <p:sp>
+        <p:nvSpPr>
+          <p:cNvPr id="6" name="Footer Placeholder 5"/>
+          <p:cNvSpPr>
+            <a:spLocks noGrp="1"/>
+          </p:cNvSpPr>
+          <p:nvPr>
+            <p:ph type="ftr" sz="quarter" idx="4"/>
+          </p:nvPr>
+        </p:nvSpPr>
+        <p:spPr>
+          <a:xfrm>
+            <a:off x="0" y="8685213"/>
+            <a:ext cx="2971800" cy="458787"/>
+          </a:xfrm>
+          <a:prstGeom prst="rect">
+            <a:avLst/>
+          </a:prstGeom>
+        </p:spPr>
+        <p:txBody>
+          <a:bodyPr vert="horz" lIns="91440" tIns="45720" rIns="91440" bIns="45720" rtlCol="0" anchor="b"/>
+          <a:lstStyle>
+            <a:lvl1pPr algn="l">
+              <a:defRPr sz="1200"/>
+            </a:lvl1pPr>
+          </a:lstStyle>
+          <a:p>
+            <a:endParaRPr lang="en-US"/>
+          </a:p>
+        </p:txBody>
+      </p:sp>
+      <p:sp>
+        <p:nvSpPr>
+          <p:cNvPr id="7" name="Slide Number Placeholder 6"/>
+          <p:cNvSpPr>
+            <a:spLocks noGrp="1"/>
+          </p:cNvSpPr>
+          <p:nvPr>
+            <p:ph type="sldNum" sz="quarter" idx="5"/>
+          </p:nvPr>
+        </p:nvSpPr>
+        <p:spPr>
+          <a:xfrm>
+            <a:off x="3884613" y="8685213"/>
+            <a:ext cx="2971800" cy="458787"/>
+          </a:xfrm>
+          <a:prstGeom prst="rect">
+            <a:avLst/>
+          </a:prstGeom>
+        </p:spPr>
+        <p:txBody>
+          <a:bodyPr vert="horz" lIns="91440" tIns="45720" rIns="91440" bIns="45720" rtlCol="0" anchor="b"/>
+          <a:lstStyle>
+            <a:lvl1pPr algn="r">
+              <a:defRPr sz="1200"/>
+            </a:lvl1pPr>
+          </a:lstStyle>
+          <a:p>
+            <a:fld id="{96D02779-FF93-1042-A927-0B2BA6C39939}" type="slidenum">
+              <a:rPr lang="en-US" smtClean="0"/>
+              <a:t>‹#›</a:t>
+            </a:fld>
+            <a:endParaRPr lang="en-US"/>
+          </a:p>
+        </p:txBody>
+      </p:sp>
+    </p:spTree>
+    <p:extLst>
+      <p:ext uri="{BB962C8B-B14F-4D97-AF65-F5344CB8AC3E}">
+        <p14:creationId xmlns:p14="http://schemas.microsoft.com/office/powerpoint/2010/main" val="1951964136"/>
+      </p:ext>
+    </p:extLst>
+  </p:cSld>
+  <p:clrMap bg1="lt1" tx1="dk1" bg2="lt2" tx2="dk2" accent1="accent1" accent2="accent2" accent3="accent3" accent4="accent4" accent5="accent5" accent6="accent6" hlink="hlink" folHlink="folHlink"/>
+  <p:notesStyle>
+    <a:lvl1pPr marL="0" algn="l" defTabSz="914400" rtl="0" eaLnBrk="1" latinLnBrk="0" hangingPunct="1">
+      <a:defRPr sz="1200" kern="1200">
+        <a:solidFill>
+          <a:schemeClr val="tx1"/>
+        </a:solidFill>
+        <a:latin typeface="+mn-lt"/>
+        <a:ea typeface="+mn-ea"/>
+        <a:cs typeface="+mn-cs"/>
+      </a:defRPr>
+    </a:lvl1pPr>
+    <a:lvl2pPr marL="457200" algn="l" defTabSz="914400" rtl="0" eaLnBrk="1" latinLnBrk="0" hangingPunct="1">
+      <a:defRPr sz="1200" kern="1200">
+        <a:solidFill>
+          <a:schemeClr val="tx1"/>
+        </a:solidFill>
+        <a:latin typeface="+mn-lt"/>
+        <a:ea typeface="+mn-ea"/>
+        <a:cs typeface="+mn-cs"/>
+      </a:defRPr>
+    </a:lvl2pPr>
+    <a:lvl3pPr marL="914400" algn="l" defTabSz="914400" rtl="0" eaLnBrk="1" latinLnBrk="0" hangingPunct="1">
+      <a:defRPr sz="1200" kern="1200">
+        <a:solidFill>
+          <a:schemeClr val="tx1"/>
+        </a:solidFill>
+        <a:latin typeface="+mn-lt"/>
+        <a:ea typeface="+mn-ea"/>
+        <a:cs typeface="+mn-cs"/>
+      </a:defRPr>
+    </a:lvl3pPr>
+    <a:lvl4pPr marL="1371600" algn="l" defTabSz="914400" rtl="0" eaLnBrk="1" latinLnBrk="0" hangingPunct="1">
+      <a:defRPr sz="1200" kern="1200">
+        <a:solidFill>
+          <a:schemeClr val="tx1"/>
+        </a:solidFill>
+        <a:latin typeface="+mn-lt"/>
+        <a:ea typeface="+mn-ea"/>
+        <a:cs typeface="+mn-cs"/>
+      </a:defRPr>
+    </a:lvl4pPr>
+    <a:lvl5pPr marL="1828800" algn="l" defTabSz="914400" rtl="0" eaLnBrk="1" latinLnBrk="0" hangingPunct="1">
+      <a:defRPr sz="1200" kern="1200">
+        <a:solidFill>
+          <a:schemeClr val="tx1"/>
+        </a:solidFill>
+        <a:latin typeface="+mn-lt"/>
+        <a:ea typeface="+mn-ea"/>
+        <a:cs typeface="+mn-cs"/>
+      </a:defRPr>
+    </a:lvl5pPr>
+    <a:lvl6pPr marL="2286000" algn="l" defTabSz="914400" rtl="0" eaLnBrk="1" latinLnBrk="0" hangingPunct="1">
+      <a:defRPr sz="1200" kern="1200">
+        <a:solidFill>
+          <a:schemeClr val="tx1"/>
+        </a:solidFill>
+        <a:latin typeface="+mn-lt"/>
+        <a:ea typeface="+mn-ea"/>
+        <a:cs typeface="+mn-cs"/>
+      </a:defRPr>
+    </a:lvl6pPr>
+    <a:lvl7pPr marL="2743200" algn="l" defTabSz="914400" rtl="0" eaLnBrk="1" latinLnBrk="0" hangingPunct="1">
+      <a:defRPr sz="1200" kern="1200">
+        <a:solidFill>
+          <a:schemeClr val="tx1"/>
+        </a:solidFill>
+        <a:latin typeface="+mn-lt"/>
+        <a:ea typeface="+mn-ea"/>
+        <a:cs typeface="+mn-cs"/>
+      </a:defRPr>
+    </a:lvl7pPr>
+    <a:lvl8pPr marL="3200400" algn="l" defTabSz="914400" rtl="0" eaLnBrk="1" latinLnBrk="0" hangingPunct="1">
+      <a:defRPr sz="1200" kern="1200">
+        <a:solidFill>
+          <a:schemeClr val="tx1"/>
+        </a:solidFill>
+        <a:latin typeface="+mn-lt"/>
+        <a:ea typeface="+mn-ea"/>
+        <a:cs typeface="+mn-cs"/>
+      </a:defRPr>
+    </a:lvl8pPr>
+    <a:lvl9pPr marL="3657600" algn="l" defTabSz="914400" rtl="0" eaLnBrk="1" latinLnBrk="0" hangingPunct="1">
+      <a:defRPr sz="1200" kern="1200">
+        <a:solidFill>
+          <a:schemeClr val="tx1"/>
+        </a:solidFill>
+        <a:latin typeface="+mn-lt"/>
+        <a:ea typeface="+mn-ea"/>
+        <a:cs typeface="+mn-cs"/>
+      </a:defRPr>
+    </a:lvl9pPr>
+  </p:notesStyle>
+</p:notesMaster>
+</file>
+
+<file path=ppt/notesSlides/notesSlide1.xml><?xml version="1.0" encoding="utf-8"?>
+<p:notes xmlns:a="http://schemas.openxmlformats.org/drawingml/2006/main" xmlns:r="http://schemas.openxmlformats.org/officeDocument/2006/relationships" xmlns:p="http://schemas.openxmlformats.org/presentationml/2006/main">
+  <p:cSld>
+    <p:spTree>
+      <p:nvGrpSpPr>
+        <p:cNvPr id="1" name=""/>
+        <p:cNvGrpSpPr/>
+        <p:nvPr/>
+      </p:nvGrpSpPr>
+      <p:grpSpPr>
+        <a:xfrm>
+          <a:off x="0" y="0"/>
+          <a:ext cx="0" cy="0"/>
+          <a:chOff x="0" y="0"/>
+          <a:chExt cx="0" cy="0"/>
+        </a:xfrm>
+      </p:grpSpPr>
+      <p:sp>
+        <p:nvSpPr>
+          <p:cNvPr id="2" name="Slide Image Placeholder 1"/>
+          <p:cNvSpPr>
+            <a:spLocks noGrp="1" noRot="1" noChangeAspect="1"/>
+          </p:cNvSpPr>
+          <p:nvPr>
+            <p:ph type="sldImg"/>
+          </p:nvPr>
+        </p:nvSpPr>
+        <p:spPr/>
+      </p:sp>
+      <p:sp>
+        <p:nvSpPr>
+          <p:cNvPr id="3" name="Notes Placeholder 2"/>
+          <p:cNvSpPr>
+            <a:spLocks noGrp="1"/>
+          </p:cNvSpPr>
+          <p:nvPr>
+            <p:ph type="body" idx="1"/>
+          </p:nvPr>
+        </p:nvSpPr>
+        <p:spPr/>
+        <p:txBody>
+          <a:bodyPr/>
+          <a:lstStyle/>
+          <a:p>
+            <a:endParaRPr lang="en-US" dirty="0"/>
+          </a:p>
+        </p:txBody>
+      </p:sp>
+      <p:sp>
+        <p:nvSpPr>
+          <p:cNvPr id="4" name="Slide Number Placeholder 3"/>
+          <p:cNvSpPr>
+            <a:spLocks noGrp="1"/>
+          </p:cNvSpPr>
+          <p:nvPr>
+            <p:ph type="sldNum" sz="quarter" idx="5"/>
+          </p:nvPr>
+        </p:nvSpPr>
+        <p:spPr/>
+        <p:txBody>
+          <a:bodyPr/>
+          <a:lstStyle/>
+          <a:p>
+            <a:fld id="{96D02779-FF93-1042-A927-0B2BA6C39939}" type="slidenum">
+              <a:rPr lang="en-US" smtClean="0"/>
+              <a:t>2</a:t>
+            </a:fld>
+            <a:endParaRPr lang="en-US"/>
+          </a:p>
+        </p:txBody>
+      </p:sp>
+    </p:spTree>
+    <p:extLst>
+      <p:ext uri="{BB962C8B-B14F-4D97-AF65-F5344CB8AC3E}">
+        <p14:creationId xmlns:p14="http://schemas.microsoft.com/office/powerpoint/2010/main" val="2412754826"/>
+      </p:ext>
+    </p:extLst>
+  </p:cSld>
+  <p:clrMapOvr>
+    <a:masterClrMapping/>
+  </p:clrMapOvr>
+</p:notes>
 </file>
 
 <file path=ppt/slideLayouts/slideLayout1.xml><?xml version="1.0" encoding="utf-8"?>
@@ -4726,6 +5162,66 @@
           </a:p>
         </p:txBody>
       </p:sp>
+      <p:pic>
+        <p:nvPicPr>
+          <p:cNvPr id="4" name="Picture 3">
+            <a:extLst>
+              <a:ext uri="{FF2B5EF4-FFF2-40B4-BE49-F238E27FC236}">
+                <a16:creationId xmlns:a16="http://schemas.microsoft.com/office/drawing/2014/main" id="{A8CE363E-86E9-81B4-E589-467010E51DC0}"/>
+              </a:ext>
+            </a:extLst>
+          </p:cNvPr>
+          <p:cNvPicPr>
+            <a:picLocks noChangeAspect="1"/>
+          </p:cNvPicPr>
+          <p:nvPr/>
+        </p:nvPicPr>
+        <p:blipFill>
+          <a:blip r:embed="rId3"/>
+          <a:stretch>
+            <a:fillRect/>
+          </a:stretch>
+        </p:blipFill>
+        <p:spPr>
+          <a:xfrm>
+            <a:off x="993809" y="1645534"/>
+            <a:ext cx="2527300" cy="1498600"/>
+          </a:xfrm>
+          <a:prstGeom prst="rect">
+            <a:avLst/>
+          </a:prstGeom>
+        </p:spPr>
+      </p:pic>
+      <p:pic>
+        <p:nvPicPr>
+          <p:cNvPr id="29" name="Picture 28">
+            <a:extLst>
+              <a:ext uri="{FF2B5EF4-FFF2-40B4-BE49-F238E27FC236}">
+                <a16:creationId xmlns:a16="http://schemas.microsoft.com/office/drawing/2014/main" id="{A41C4484-183D-544F-ED92-AB80F84B729B}"/>
+              </a:ext>
+            </a:extLst>
+          </p:cNvPr>
+          <p:cNvPicPr>
+            <a:picLocks noChangeAspect="1"/>
+          </p:cNvPicPr>
+          <p:nvPr/>
+        </p:nvPicPr>
+        <p:blipFill>
+          <a:blip r:embed="rId4"/>
+          <a:stretch>
+            <a:fillRect/>
+          </a:stretch>
+        </p:blipFill>
+        <p:spPr>
+          <a:xfrm>
+            <a:off x="8102663" y="1691219"/>
+            <a:ext cx="1613458" cy="1452915"/>
+          </a:xfrm>
+          <a:prstGeom prst="rect">
+            <a:avLst/>
+          </a:prstGeom>
+        </p:spPr>
+      </p:pic>
     </p:spTree>
     <p:extLst>
       <p:ext uri="{BB962C8B-B14F-4D97-AF65-F5344CB8AC3E}">
@@ -4770,20 +5266,18 @@
         </p:nvSpPr>
         <p:spPr>
           <a:xfrm>
-            <a:off x="729206" y="856526"/>
+            <a:off x="933206" y="878415"/>
             <a:ext cx="2176040" cy="891250"/>
           </a:xfrm>
           <a:prstGeom prst="roundRect">
             <a:avLst>
-              <a:gd name="adj" fmla="val 12771"/>
+              <a:gd name="adj" fmla="val 7427"/>
             </a:avLst>
           </a:prstGeom>
-          <a:solidFill>
-            <a:schemeClr val="accent4">
-              <a:lumMod val="20000"/>
-              <a:lumOff val="80000"/>
-            </a:schemeClr>
-          </a:solidFill>
+          <a:blipFill>
+            <a:blip r:embed="rId3"/>
+            <a:tile tx="0" ty="0" sx="100000" sy="100000" flip="none" algn="tl"/>
+          </a:blipFill>
         </p:spPr>
         <p:style>
           <a:lnRef idx="2">
@@ -4830,45 +5324,10 @@
       </p:sp>
       <p:sp>
         <p:nvSpPr>
-          <p:cNvPr id="5" name="Title 4">
-            <a:extLst>
-              <a:ext uri="{FF2B5EF4-FFF2-40B4-BE49-F238E27FC236}">
-                <a16:creationId xmlns:a16="http://schemas.microsoft.com/office/drawing/2014/main" id="{8F2FAB4E-AB1F-E4FB-4A3F-FF37A2AC41BB}"/>
-              </a:ext>
-            </a:extLst>
-          </p:cNvPr>
-          <p:cNvSpPr>
-            <a:spLocks noGrp="1"/>
-          </p:cNvSpPr>
-          <p:nvPr>
-            <p:ph type="title"/>
-          </p:nvPr>
-        </p:nvSpPr>
-        <p:spPr>
-          <a:xfrm>
-            <a:off x="199292" y="117797"/>
-            <a:ext cx="10515600" cy="234769"/>
-          </a:xfrm>
-        </p:spPr>
-        <p:txBody>
-          <a:bodyPr>
-            <a:noAutofit/>
-          </a:bodyPr>
-          <a:lstStyle/>
-          <a:p>
-            <a:r>
-              <a:rPr lang="en-US" sz="2400" dirty="0"/>
-              <a:t>Robot Day Room Layout – 6  6’x30” tables in a 24’ x 36” room</a:t>
-            </a:r>
-          </a:p>
-        </p:txBody>
-      </p:sp>
-      <p:sp>
-        <p:nvSpPr>
-          <p:cNvPr id="32" name="Rectangle 31">
-            <a:extLst>
-              <a:ext uri="{FF2B5EF4-FFF2-40B4-BE49-F238E27FC236}">
-                <a16:creationId xmlns:a16="http://schemas.microsoft.com/office/drawing/2014/main" id="{FD4390C8-730C-2FBA-3AB2-1C9442EC2A70}"/>
+          <p:cNvPr id="2" name="7-Point Star 1">
+            <a:extLst>
+              <a:ext uri="{FF2B5EF4-FFF2-40B4-BE49-F238E27FC236}">
+                <a16:creationId xmlns:a16="http://schemas.microsoft.com/office/drawing/2014/main" id="{471E6185-2202-13FB-ECB4-CE0331A6A23B}"/>
               </a:ext>
             </a:extLst>
           </p:cNvPr>
@@ -4877,12 +5336,15 @@
         </p:nvSpPr>
         <p:spPr>
           <a:xfrm>
-            <a:off x="3482399" y="851125"/>
-            <a:ext cx="2175414" cy="910799"/>
-          </a:xfrm>
-          <a:prstGeom prst="rect">
+            <a:off x="2633867" y="1295238"/>
+            <a:ext cx="416689" cy="416689"/>
+          </a:xfrm>
+          <a:prstGeom prst="star7">
             <a:avLst/>
           </a:prstGeom>
+          <a:solidFill>
+            <a:srgbClr val="FFFF00"/>
+          </a:solidFill>
         </p:spPr>
         <p:style>
           <a:lnRef idx="2">
@@ -4906,25 +5368,22 @@
           <a:p>
             <a:pPr algn="ctr"/>
             <a:r>
-              <a:rPr lang="en-US" dirty="0"/>
-              <a:t>Batteries</a:t>
-            </a:r>
-          </a:p>
-          <a:p>
-            <a:pPr algn="ctr"/>
-            <a:r>
-              <a:rPr lang="en-US" dirty="0"/>
-              <a:t>Table</a:t>
-            </a:r>
-          </a:p>
-        </p:txBody>
-      </p:sp>
-      <p:sp>
-        <p:nvSpPr>
-          <p:cNvPr id="33" name="Rectangle 32">
-            <a:extLst>
-              <a:ext uri="{FF2B5EF4-FFF2-40B4-BE49-F238E27FC236}">
-                <a16:creationId xmlns:a16="http://schemas.microsoft.com/office/drawing/2014/main" id="{19957E82-340F-D3F4-360D-9BB7CE6A40F7}"/>
+              <a:rPr lang="en-US" dirty="0">
+                <a:solidFill>
+                  <a:schemeClr val="tx1"/>
+                </a:solidFill>
+              </a:rPr>
+              <a:t>1</a:t>
+            </a:r>
+          </a:p>
+        </p:txBody>
+      </p:sp>
+      <p:sp>
+        <p:nvSpPr>
+          <p:cNvPr id="20" name="Freeform 19">
+            <a:extLst>
+              <a:ext uri="{FF2B5EF4-FFF2-40B4-BE49-F238E27FC236}">
+                <a16:creationId xmlns:a16="http://schemas.microsoft.com/office/drawing/2014/main" id="{52074B61-A573-84FC-967E-8BB724662045}"/>
               </a:ext>
             </a:extLst>
           </p:cNvPr>
@@ -4932,13 +5391,56 @@
           <p:nvPr/>
         </p:nvSpPr>
         <p:spPr>
-          <a:xfrm>
-            <a:off x="763406" y="5118337"/>
-            <a:ext cx="2175414" cy="906891"/>
-          </a:xfrm>
-          <a:prstGeom prst="rect">
+          <a:xfrm rot="4244907">
+            <a:off x="3172851" y="1377202"/>
+            <a:ext cx="358815" cy="1099595"/>
+          </a:xfrm>
+          <a:custGeom>
             <a:avLst/>
-          </a:prstGeom>
+            <a:gdLst>
+              <a:gd name="connsiteX0" fmla="*/ 0 w 358815"/>
+              <a:gd name="connsiteY0" fmla="*/ 1099595 h 1099595"/>
+              <a:gd name="connsiteX1" fmla="*/ 289367 w 358815"/>
+              <a:gd name="connsiteY1" fmla="*/ 601884 h 1099595"/>
+              <a:gd name="connsiteX2" fmla="*/ 358815 w 358815"/>
+              <a:gd name="connsiteY2" fmla="*/ 0 h 1099595"/>
+            </a:gdLst>
+            <a:ahLst/>
+            <a:cxnLst>
+              <a:cxn ang="0">
+                <a:pos x="connsiteX0" y="connsiteY0"/>
+              </a:cxn>
+              <a:cxn ang="0">
+                <a:pos x="connsiteX1" y="connsiteY1"/>
+              </a:cxn>
+              <a:cxn ang="0">
+                <a:pos x="connsiteX2" y="connsiteY2"/>
+              </a:cxn>
+            </a:cxnLst>
+            <a:rect l="l" t="t" r="r" b="b"/>
+            <a:pathLst>
+              <a:path w="358815" h="1099595">
+                <a:moveTo>
+                  <a:pt x="0" y="1099595"/>
+                </a:moveTo>
+                <a:cubicBezTo>
+                  <a:pt x="114782" y="942372"/>
+                  <a:pt x="229565" y="785150"/>
+                  <a:pt x="289367" y="601884"/>
+                </a:cubicBezTo>
+                <a:cubicBezTo>
+                  <a:pt x="349169" y="418618"/>
+                  <a:pt x="353992" y="209309"/>
+                  <a:pt x="358815" y="0"/>
+                </a:cubicBezTo>
+              </a:path>
+            </a:pathLst>
+          </a:custGeom>
+          <a:noFill/>
+          <a:ln w="76200">
+            <a:headEnd type="none" w="med" len="med"/>
+            <a:tailEnd type="triangle" w="med" len="med"/>
+          </a:ln>
         </p:spPr>
         <p:style>
           <a:lnRef idx="2">
@@ -4961,26 +5463,16 @@
           <a:lstStyle/>
           <a:p>
             <a:pPr algn="ctr"/>
-            <a:r>
-              <a:rPr lang="en-US" dirty="0"/>
-              <a:t>Sensors</a:t>
-            </a:r>
-          </a:p>
-          <a:p>
-            <a:pPr algn="ctr"/>
-            <a:r>
-              <a:rPr lang="en-US" dirty="0"/>
-              <a:t>Table</a:t>
-            </a:r>
-          </a:p>
-        </p:txBody>
-      </p:sp>
-      <p:sp>
-        <p:nvSpPr>
-          <p:cNvPr id="36" name="Rectangle 35">
-            <a:extLst>
-              <a:ext uri="{FF2B5EF4-FFF2-40B4-BE49-F238E27FC236}">
-                <a16:creationId xmlns:a16="http://schemas.microsoft.com/office/drawing/2014/main" id="{831DD2A8-91AB-5CBD-9C5D-5B772FC9CA3F}"/>
+            <a:endParaRPr lang="en-US"/>
+          </a:p>
+        </p:txBody>
+      </p:sp>
+      <p:sp>
+        <p:nvSpPr>
+          <p:cNvPr id="9" name="Rounded Rectangle 8">
+            <a:extLst>
+              <a:ext uri="{FF2B5EF4-FFF2-40B4-BE49-F238E27FC236}">
+                <a16:creationId xmlns:a16="http://schemas.microsoft.com/office/drawing/2014/main" id="{A5DF14D8-3FE7-279B-FAA7-89D96793772F}"/>
               </a:ext>
             </a:extLst>
           </p:cNvPr>
@@ -4989,12 +5481,18 @@
         </p:nvSpPr>
         <p:spPr>
           <a:xfrm>
-            <a:off x="6238031" y="847279"/>
-            <a:ext cx="2175414" cy="914645"/>
-          </a:xfrm>
-          <a:prstGeom prst="rect">
-            <a:avLst/>
+            <a:off x="6388783" y="5097667"/>
+            <a:ext cx="2176040" cy="891250"/>
+          </a:xfrm>
+          <a:prstGeom prst="roundRect">
+            <a:avLst>
+              <a:gd name="adj" fmla="val 7427"/>
+            </a:avLst>
           </a:prstGeom>
+          <a:blipFill>
+            <a:blip r:embed="rId3"/>
+            <a:tile tx="0" ty="0" sx="100000" sy="100000" flip="none" algn="tl"/>
+          </a:blipFill>
         </p:spPr>
         <p:style>
           <a:lnRef idx="2">
@@ -5018,14 +5516,22 @@
           <a:p>
             <a:pPr algn="ctr"/>
             <a:r>
-              <a:rPr lang="en-US" dirty="0"/>
-              <a:t>Motors</a:t>
+              <a:rPr lang="en-US" dirty="0">
+                <a:solidFill>
+                  <a:schemeClr val="tx1"/>
+                </a:solidFill>
+              </a:rPr>
+              <a:t>Microcontroller</a:t>
             </a:r>
           </a:p>
           <a:p>
             <a:pPr algn="ctr"/>
             <a:r>
-              <a:rPr lang="en-US" dirty="0"/>
+              <a:rPr lang="en-US" dirty="0">
+                <a:solidFill>
+                  <a:schemeClr val="tx1"/>
+                </a:solidFill>
+              </a:rPr>
               <a:t>Table</a:t>
             </a:r>
           </a:p>
@@ -5033,10 +5539,10 @@
       </p:sp>
       <p:sp>
         <p:nvSpPr>
-          <p:cNvPr id="39" name="Freeform 38">
-            <a:extLst>
-              <a:ext uri="{FF2B5EF4-FFF2-40B4-BE49-F238E27FC236}">
-                <a16:creationId xmlns:a16="http://schemas.microsoft.com/office/drawing/2014/main" id="{E0989ED0-C85D-0B6B-69BC-911962578FB2}"/>
+          <p:cNvPr id="10" name="Rounded Rectangle 9">
+            <a:extLst>
+              <a:ext uri="{FF2B5EF4-FFF2-40B4-BE49-F238E27FC236}">
+                <a16:creationId xmlns:a16="http://schemas.microsoft.com/office/drawing/2014/main" id="{B2B9173A-0DEB-020F-784D-0584738005A7}"/>
               </a:ext>
             </a:extLst>
           </p:cNvPr>
@@ -5045,8 +5551,323 @@
         </p:nvSpPr>
         <p:spPr>
           <a:xfrm>
-            <a:off x="9726832" y="2326257"/>
-            <a:ext cx="2175414" cy="2374492"/>
+            <a:off x="3608612" y="5099463"/>
+            <a:ext cx="2176040" cy="891250"/>
+          </a:xfrm>
+          <a:prstGeom prst="roundRect">
+            <a:avLst>
+              <a:gd name="adj" fmla="val 7427"/>
+            </a:avLst>
+          </a:prstGeom>
+          <a:blipFill>
+            <a:blip r:embed="rId3"/>
+            <a:tile tx="0" ty="0" sx="100000" sy="100000" flip="none" algn="tl"/>
+          </a:blipFill>
+        </p:spPr>
+        <p:style>
+          <a:lnRef idx="2">
+            <a:schemeClr val="accent1">
+              <a:shade val="15000"/>
+            </a:schemeClr>
+          </a:lnRef>
+          <a:fillRef idx="1">
+            <a:schemeClr val="accent1"/>
+          </a:fillRef>
+          <a:effectRef idx="0">
+            <a:schemeClr val="accent1"/>
+          </a:effectRef>
+          <a:fontRef idx="minor">
+            <a:schemeClr val="lt1"/>
+          </a:fontRef>
+        </p:style>
+        <p:txBody>
+          <a:bodyPr rtlCol="0" anchor="ctr"/>
+          <a:lstStyle/>
+          <a:p>
+            <a:pPr algn="ctr"/>
+            <a:r>
+              <a:rPr lang="en-US" dirty="0">
+                <a:solidFill>
+                  <a:schemeClr val="tx1"/>
+                </a:solidFill>
+              </a:rPr>
+              <a:t>Displays</a:t>
+            </a:r>
+          </a:p>
+          <a:p>
+            <a:pPr algn="ctr"/>
+            <a:r>
+              <a:rPr lang="en-US" dirty="0">
+                <a:solidFill>
+                  <a:schemeClr val="tx1"/>
+                </a:solidFill>
+              </a:rPr>
+              <a:t>Table</a:t>
+            </a:r>
+          </a:p>
+        </p:txBody>
+      </p:sp>
+      <p:sp>
+        <p:nvSpPr>
+          <p:cNvPr id="11" name="Rounded Rectangle 10">
+            <a:extLst>
+              <a:ext uri="{FF2B5EF4-FFF2-40B4-BE49-F238E27FC236}">
+                <a16:creationId xmlns:a16="http://schemas.microsoft.com/office/drawing/2014/main" id="{33F0F7CC-4C33-A0F9-66A1-B315959C6DCE}"/>
+              </a:ext>
+            </a:extLst>
+          </p:cNvPr>
+          <p:cNvSpPr/>
+          <p:nvPr/>
+        </p:nvSpPr>
+        <p:spPr>
+          <a:xfrm>
+            <a:off x="844314" y="5087075"/>
+            <a:ext cx="2176040" cy="891250"/>
+          </a:xfrm>
+          <a:prstGeom prst="roundRect">
+            <a:avLst>
+              <a:gd name="adj" fmla="val 7427"/>
+            </a:avLst>
+          </a:prstGeom>
+          <a:blipFill>
+            <a:blip r:embed="rId3"/>
+            <a:tile tx="0" ty="0" sx="100000" sy="100000" flip="none" algn="tl"/>
+          </a:blipFill>
+        </p:spPr>
+        <p:style>
+          <a:lnRef idx="2">
+            <a:schemeClr val="accent1">
+              <a:shade val="15000"/>
+            </a:schemeClr>
+          </a:lnRef>
+          <a:fillRef idx="1">
+            <a:schemeClr val="accent1"/>
+          </a:fillRef>
+          <a:effectRef idx="0">
+            <a:schemeClr val="accent1"/>
+          </a:effectRef>
+          <a:fontRef idx="minor">
+            <a:schemeClr val="lt1"/>
+          </a:fontRef>
+        </p:style>
+        <p:txBody>
+          <a:bodyPr rtlCol="0" anchor="ctr"/>
+          <a:lstStyle/>
+          <a:p>
+            <a:pPr algn="ctr"/>
+            <a:r>
+              <a:rPr lang="en-US" dirty="0">
+                <a:solidFill>
+                  <a:schemeClr val="tx1"/>
+                </a:solidFill>
+              </a:rPr>
+              <a:t>Sensors</a:t>
+            </a:r>
+          </a:p>
+          <a:p>
+            <a:pPr algn="ctr"/>
+            <a:r>
+              <a:rPr lang="en-US" dirty="0">
+                <a:solidFill>
+                  <a:schemeClr val="tx1"/>
+                </a:solidFill>
+              </a:rPr>
+              <a:t>Table</a:t>
+            </a:r>
+          </a:p>
+        </p:txBody>
+      </p:sp>
+      <p:sp>
+        <p:nvSpPr>
+          <p:cNvPr id="16" name="Rounded Rectangle 15">
+            <a:extLst>
+              <a:ext uri="{FF2B5EF4-FFF2-40B4-BE49-F238E27FC236}">
+                <a16:creationId xmlns:a16="http://schemas.microsoft.com/office/drawing/2014/main" id="{CE347CF6-C0D0-25A1-FE1C-F204F947C5BF}"/>
+              </a:ext>
+            </a:extLst>
+          </p:cNvPr>
+          <p:cNvSpPr/>
+          <p:nvPr/>
+        </p:nvSpPr>
+        <p:spPr>
+          <a:xfrm>
+            <a:off x="6262724" y="831449"/>
+            <a:ext cx="2176040" cy="891250"/>
+          </a:xfrm>
+          <a:prstGeom prst="roundRect">
+            <a:avLst>
+              <a:gd name="adj" fmla="val 7427"/>
+            </a:avLst>
+          </a:prstGeom>
+          <a:blipFill>
+            <a:blip r:embed="rId3"/>
+            <a:tile tx="0" ty="0" sx="100000" sy="100000" flip="none" algn="tl"/>
+          </a:blipFill>
+        </p:spPr>
+        <p:style>
+          <a:lnRef idx="2">
+            <a:schemeClr val="accent1">
+              <a:shade val="15000"/>
+            </a:schemeClr>
+          </a:lnRef>
+          <a:fillRef idx="1">
+            <a:schemeClr val="accent1"/>
+          </a:fillRef>
+          <a:effectRef idx="0">
+            <a:schemeClr val="accent1"/>
+          </a:effectRef>
+          <a:fontRef idx="minor">
+            <a:schemeClr val="lt1"/>
+          </a:fontRef>
+        </p:style>
+        <p:txBody>
+          <a:bodyPr rtlCol="0" anchor="ctr"/>
+          <a:lstStyle/>
+          <a:p>
+            <a:pPr algn="ctr"/>
+            <a:r>
+              <a:rPr lang="en-US" dirty="0">
+                <a:solidFill>
+                  <a:schemeClr val="tx1"/>
+                </a:solidFill>
+              </a:rPr>
+              <a:t>Motors</a:t>
+            </a:r>
+          </a:p>
+          <a:p>
+            <a:pPr algn="ctr"/>
+            <a:r>
+              <a:rPr lang="en-US" dirty="0">
+                <a:solidFill>
+                  <a:schemeClr val="tx1"/>
+                </a:solidFill>
+              </a:rPr>
+              <a:t>Table</a:t>
+            </a:r>
+          </a:p>
+        </p:txBody>
+      </p:sp>
+      <p:sp>
+        <p:nvSpPr>
+          <p:cNvPr id="17" name="Rounded Rectangle 16">
+            <a:extLst>
+              <a:ext uri="{FF2B5EF4-FFF2-40B4-BE49-F238E27FC236}">
+                <a16:creationId xmlns:a16="http://schemas.microsoft.com/office/drawing/2014/main" id="{D7C2CEF5-CD17-0149-55B5-ED7112F73837}"/>
+              </a:ext>
+            </a:extLst>
+          </p:cNvPr>
+          <p:cNvSpPr/>
+          <p:nvPr/>
+        </p:nvSpPr>
+        <p:spPr>
+          <a:xfrm>
+            <a:off x="3657239" y="878415"/>
+            <a:ext cx="2176040" cy="891250"/>
+          </a:xfrm>
+          <a:prstGeom prst="roundRect">
+            <a:avLst>
+              <a:gd name="adj" fmla="val 7427"/>
+            </a:avLst>
+          </a:prstGeom>
+          <a:blipFill>
+            <a:blip r:embed="rId3"/>
+            <a:tile tx="0" ty="0" sx="100000" sy="100000" flip="none" algn="tl"/>
+          </a:blipFill>
+        </p:spPr>
+        <p:style>
+          <a:lnRef idx="2">
+            <a:schemeClr val="accent1">
+              <a:shade val="15000"/>
+            </a:schemeClr>
+          </a:lnRef>
+          <a:fillRef idx="1">
+            <a:schemeClr val="accent1"/>
+          </a:fillRef>
+          <a:effectRef idx="0">
+            <a:schemeClr val="accent1"/>
+          </a:effectRef>
+          <a:fontRef idx="minor">
+            <a:schemeClr val="lt1"/>
+          </a:fontRef>
+        </p:style>
+        <p:txBody>
+          <a:bodyPr rtlCol="0" anchor="ctr"/>
+          <a:lstStyle/>
+          <a:p>
+            <a:pPr algn="ctr"/>
+            <a:r>
+              <a:rPr lang="en-US" dirty="0">
+                <a:solidFill>
+                  <a:schemeClr val="tx1"/>
+                </a:solidFill>
+              </a:rPr>
+              <a:t>Batteries</a:t>
+            </a:r>
+          </a:p>
+          <a:p>
+            <a:pPr algn="ctr"/>
+            <a:r>
+              <a:rPr lang="en-US" dirty="0">
+                <a:solidFill>
+                  <a:schemeClr val="tx1"/>
+                </a:solidFill>
+              </a:rPr>
+              <a:t>Table</a:t>
+            </a:r>
+          </a:p>
+        </p:txBody>
+      </p:sp>
+      <p:sp>
+        <p:nvSpPr>
+          <p:cNvPr id="5" name="Title 4">
+            <a:extLst>
+              <a:ext uri="{FF2B5EF4-FFF2-40B4-BE49-F238E27FC236}">
+                <a16:creationId xmlns:a16="http://schemas.microsoft.com/office/drawing/2014/main" id="{8F2FAB4E-AB1F-E4FB-4A3F-FF37A2AC41BB}"/>
+              </a:ext>
+            </a:extLst>
+          </p:cNvPr>
+          <p:cNvSpPr>
+            <a:spLocks noGrp="1"/>
+          </p:cNvSpPr>
+          <p:nvPr>
+            <p:ph type="title"/>
+          </p:nvPr>
+        </p:nvSpPr>
+        <p:spPr>
+          <a:xfrm>
+            <a:off x="199292" y="117797"/>
+            <a:ext cx="10515600" cy="234769"/>
+          </a:xfrm>
+        </p:spPr>
+        <p:txBody>
+          <a:bodyPr>
+            <a:noAutofit/>
+          </a:bodyPr>
+          <a:lstStyle/>
+          <a:p>
+            <a:r>
+              <a:rPr lang="en-US" sz="2400" dirty="0"/>
+              <a:t>Robot Day Room Layout – 6  6’x30” tables in a 24’ x 36” room</a:t>
+            </a:r>
+          </a:p>
+        </p:txBody>
+      </p:sp>
+      <p:sp>
+        <p:nvSpPr>
+          <p:cNvPr id="39" name="Freeform 38">
+            <a:extLst>
+              <a:ext uri="{FF2B5EF4-FFF2-40B4-BE49-F238E27FC236}">
+                <a16:creationId xmlns:a16="http://schemas.microsoft.com/office/drawing/2014/main" id="{E0989ED0-C85D-0B6B-69BC-911962578FB2}"/>
+              </a:ext>
+            </a:extLst>
+          </p:cNvPr>
+          <p:cNvSpPr/>
+          <p:nvPr/>
+        </p:nvSpPr>
+        <p:spPr>
+          <a:xfrm>
+            <a:off x="9418746" y="1900176"/>
+            <a:ext cx="2595621" cy="2761991"/>
           </a:xfrm>
           <a:custGeom>
             <a:avLst/>
@@ -5285,47 +6106,6 @@
           </a:p>
         </p:txBody>
       </p:sp>
-      <p:cxnSp>
-        <p:nvCxnSpPr>
-          <p:cNvPr id="43" name="Straight Connector 42">
-            <a:extLst>
-              <a:ext uri="{FF2B5EF4-FFF2-40B4-BE49-F238E27FC236}">
-                <a16:creationId xmlns:a16="http://schemas.microsoft.com/office/drawing/2014/main" id="{62DFCEC7-78F6-2E8F-AF03-2982885324C6}"/>
-              </a:ext>
-            </a:extLst>
-          </p:cNvPr>
-          <p:cNvCxnSpPr/>
-          <p:nvPr/>
-        </p:nvCxnSpPr>
-        <p:spPr>
-          <a:xfrm>
-            <a:off x="199292" y="2709437"/>
-            <a:ext cx="0" cy="1440532"/>
-          </a:xfrm>
-          <a:prstGeom prst="line">
-            <a:avLst/>
-          </a:prstGeom>
-          <a:ln w="57150">
-            <a:solidFill>
-              <a:schemeClr val="tx1"/>
-            </a:solidFill>
-          </a:ln>
-        </p:spPr>
-        <p:style>
-          <a:lnRef idx="1">
-            <a:schemeClr val="accent1"/>
-          </a:lnRef>
-          <a:fillRef idx="0">
-            <a:schemeClr val="accent1"/>
-          </a:fillRef>
-          <a:effectRef idx="0">
-            <a:schemeClr val="accent1"/>
-          </a:effectRef>
-          <a:fontRef idx="minor">
-            <a:schemeClr val="tx1"/>
-          </a:fontRef>
-        </p:style>
-      </p:cxnSp>
       <p:sp>
         <p:nvSpPr>
           <p:cNvPr id="44" name="TextBox 43">
@@ -5445,7 +6225,7 @@
         </p:nvSpPr>
         <p:spPr>
           <a:xfrm>
-            <a:off x="1158155" y="6153815"/>
+            <a:off x="1263164" y="6098243"/>
             <a:ext cx="1108124" cy="369332"/>
           </a:xfrm>
           <a:prstGeom prst="rect">
@@ -5480,7 +6260,7 @@
         </p:nvSpPr>
         <p:spPr>
           <a:xfrm>
-            <a:off x="4191687" y="6036867"/>
+            <a:off x="4126427" y="6093061"/>
             <a:ext cx="1108124" cy="369332"/>
           </a:xfrm>
           <a:prstGeom prst="rect">
@@ -5550,7 +6330,7 @@
         </p:nvSpPr>
         <p:spPr>
           <a:xfrm>
-            <a:off x="10503877" y="6037541"/>
+            <a:off x="10771719" y="6462393"/>
             <a:ext cx="1242648" cy="369332"/>
           </a:xfrm>
           <a:prstGeom prst="rect">
@@ -5573,10 +6353,10 @@
       </p:sp>
       <p:sp>
         <p:nvSpPr>
-          <p:cNvPr id="2" name="7-Point Star 1">
-            <a:extLst>
-              <a:ext uri="{FF2B5EF4-FFF2-40B4-BE49-F238E27FC236}">
-                <a16:creationId xmlns:a16="http://schemas.microsoft.com/office/drawing/2014/main" id="{471E6185-2202-13FB-ECB4-CE0331A6A23B}"/>
+          <p:cNvPr id="3" name="7-Point Star 2">
+            <a:extLst>
+              <a:ext uri="{FF2B5EF4-FFF2-40B4-BE49-F238E27FC236}">
+                <a16:creationId xmlns:a16="http://schemas.microsoft.com/office/drawing/2014/main" id="{17B73A46-D025-F151-5D67-E1E0137CC2F7}"/>
               </a:ext>
             </a:extLst>
           </p:cNvPr>
@@ -5585,7 +6365,7 @@
         </p:nvSpPr>
         <p:spPr>
           <a:xfrm>
-            <a:off x="2280212" y="1261641"/>
+            <a:off x="5316048" y="1306144"/>
             <a:ext cx="416689" cy="416689"/>
           </a:xfrm>
           <a:prstGeom prst="star7">
@@ -5622,17 +6402,17 @@
                   <a:schemeClr val="tx1"/>
                 </a:solidFill>
               </a:rPr>
-              <a:t>1</a:t>
-            </a:r>
-          </a:p>
-        </p:txBody>
-      </p:sp>
-      <p:sp>
-        <p:nvSpPr>
-          <p:cNvPr id="3" name="7-Point Star 2">
-            <a:extLst>
-              <a:ext uri="{FF2B5EF4-FFF2-40B4-BE49-F238E27FC236}">
-                <a16:creationId xmlns:a16="http://schemas.microsoft.com/office/drawing/2014/main" id="{17B73A46-D025-F151-5D67-E1E0137CC2F7}"/>
+              <a:t>2</a:t>
+            </a:r>
+          </a:p>
+        </p:txBody>
+      </p:sp>
+      <p:sp>
+        <p:nvSpPr>
+          <p:cNvPr id="4" name="7-Point Star 3">
+            <a:extLst>
+              <a:ext uri="{FF2B5EF4-FFF2-40B4-BE49-F238E27FC236}">
+                <a16:creationId xmlns:a16="http://schemas.microsoft.com/office/drawing/2014/main" id="{4FCE79AD-E58B-B7A0-71B2-109A5E7F9B10}"/>
               </a:ext>
             </a:extLst>
           </p:cNvPr>
@@ -5641,7 +6421,7 @@
         </p:nvSpPr>
         <p:spPr>
           <a:xfrm>
-            <a:off x="5198961" y="1298294"/>
+            <a:off x="7978814" y="1277074"/>
             <a:ext cx="416689" cy="416689"/>
           </a:xfrm>
           <a:prstGeom prst="star7">
@@ -5678,17 +6458,17 @@
                   <a:schemeClr val="tx1"/>
                 </a:solidFill>
               </a:rPr>
-              <a:t>2</a:t>
-            </a:r>
-          </a:p>
-        </p:txBody>
-      </p:sp>
-      <p:sp>
-        <p:nvSpPr>
-          <p:cNvPr id="4" name="7-Point Star 3">
-            <a:extLst>
-              <a:ext uri="{FF2B5EF4-FFF2-40B4-BE49-F238E27FC236}">
-                <a16:creationId xmlns:a16="http://schemas.microsoft.com/office/drawing/2014/main" id="{4FCE79AD-E58B-B7A0-71B2-109A5E7F9B10}"/>
+              <a:t>3</a:t>
+            </a:r>
+          </a:p>
+        </p:txBody>
+      </p:sp>
+      <p:sp>
+        <p:nvSpPr>
+          <p:cNvPr id="6" name="7-Point Star 5">
+            <a:extLst>
+              <a:ext uri="{FF2B5EF4-FFF2-40B4-BE49-F238E27FC236}">
+                <a16:creationId xmlns:a16="http://schemas.microsoft.com/office/drawing/2014/main" id="{3C0DA866-976A-8478-53F3-B481192F0897}"/>
               </a:ext>
             </a:extLst>
           </p:cNvPr>
@@ -5697,7 +6477,7 @@
         </p:nvSpPr>
         <p:spPr>
           <a:xfrm>
-            <a:off x="7978814" y="1277074"/>
+            <a:off x="2459619" y="5561636"/>
             <a:ext cx="416689" cy="416689"/>
           </a:xfrm>
           <a:prstGeom prst="star7">
@@ -5734,175 +6514,7 @@
                   <a:schemeClr val="tx1"/>
                 </a:solidFill>
               </a:rPr>
-              <a:t>3</a:t>
-            </a:r>
-          </a:p>
-        </p:txBody>
-      </p:sp>
-      <p:sp>
-        <p:nvSpPr>
-          <p:cNvPr id="6" name="7-Point Star 5">
-            <a:extLst>
-              <a:ext uri="{FF2B5EF4-FFF2-40B4-BE49-F238E27FC236}">
-                <a16:creationId xmlns:a16="http://schemas.microsoft.com/office/drawing/2014/main" id="{3C0DA866-976A-8478-53F3-B481192F0897}"/>
-              </a:ext>
-            </a:extLst>
-          </p:cNvPr>
-          <p:cNvSpPr/>
-          <p:nvPr/>
-        </p:nvSpPr>
-        <p:spPr>
-          <a:xfrm>
-            <a:off x="2459619" y="5561636"/>
-            <a:ext cx="416689" cy="416689"/>
-          </a:xfrm>
-          <a:prstGeom prst="star7">
-            <a:avLst/>
-          </a:prstGeom>
-          <a:solidFill>
-            <a:srgbClr val="FFFF00"/>
-          </a:solidFill>
-        </p:spPr>
-        <p:style>
-          <a:lnRef idx="2">
-            <a:schemeClr val="accent1">
-              <a:shade val="15000"/>
-            </a:schemeClr>
-          </a:lnRef>
-          <a:fillRef idx="1">
-            <a:schemeClr val="accent1"/>
-          </a:fillRef>
-          <a:effectRef idx="0">
-            <a:schemeClr val="accent1"/>
-          </a:effectRef>
-          <a:fontRef idx="minor">
-            <a:schemeClr val="lt1"/>
-          </a:fontRef>
-        </p:style>
-        <p:txBody>
-          <a:bodyPr rtlCol="0" anchor="ctr"/>
-          <a:lstStyle/>
-          <a:p>
-            <a:pPr algn="ctr"/>
-            <a:r>
-              <a:rPr lang="en-US" dirty="0">
-                <a:solidFill>
-                  <a:schemeClr val="tx1"/>
-                </a:solidFill>
-              </a:rPr>
               <a:t>4</a:t>
-            </a:r>
-          </a:p>
-        </p:txBody>
-      </p:sp>
-      <p:sp>
-        <p:nvSpPr>
-          <p:cNvPr id="12" name="Rectangle 11">
-            <a:extLst>
-              <a:ext uri="{FF2B5EF4-FFF2-40B4-BE49-F238E27FC236}">
-                <a16:creationId xmlns:a16="http://schemas.microsoft.com/office/drawing/2014/main" id="{C8EF5C30-6CA3-F185-E71E-B5032F32D2B5}"/>
-              </a:ext>
-            </a:extLst>
-          </p:cNvPr>
-          <p:cNvSpPr/>
-          <p:nvPr/>
-        </p:nvSpPr>
-        <p:spPr>
-          <a:xfrm>
-            <a:off x="3582617" y="5091489"/>
-            <a:ext cx="2175414" cy="910800"/>
-          </a:xfrm>
-          <a:prstGeom prst="rect">
-            <a:avLst/>
-          </a:prstGeom>
-        </p:spPr>
-        <p:style>
-          <a:lnRef idx="2">
-            <a:schemeClr val="accent1">
-              <a:shade val="15000"/>
-            </a:schemeClr>
-          </a:lnRef>
-          <a:fillRef idx="1">
-            <a:schemeClr val="accent1"/>
-          </a:fillRef>
-          <a:effectRef idx="0">
-            <a:schemeClr val="accent1"/>
-          </a:effectRef>
-          <a:fontRef idx="minor">
-            <a:schemeClr val="lt1"/>
-          </a:fontRef>
-        </p:style>
-        <p:txBody>
-          <a:bodyPr rtlCol="0" anchor="ctr"/>
-          <a:lstStyle/>
-          <a:p>
-            <a:pPr algn="ctr"/>
-            <a:r>
-              <a:rPr lang="en-US" dirty="0"/>
-              <a:t>Displays</a:t>
-            </a:r>
-          </a:p>
-          <a:p>
-            <a:pPr algn="ctr"/>
-            <a:r>
-              <a:rPr lang="en-US" dirty="0"/>
-              <a:t>Table</a:t>
-            </a:r>
-          </a:p>
-        </p:txBody>
-      </p:sp>
-      <p:sp>
-        <p:nvSpPr>
-          <p:cNvPr id="13" name="Rectangle 12">
-            <a:extLst>
-              <a:ext uri="{FF2B5EF4-FFF2-40B4-BE49-F238E27FC236}">
-                <a16:creationId xmlns:a16="http://schemas.microsoft.com/office/drawing/2014/main" id="{F32D3A85-618E-FC95-D273-13AF261EDE83}"/>
-              </a:ext>
-            </a:extLst>
-          </p:cNvPr>
-          <p:cNvSpPr/>
-          <p:nvPr/>
-        </p:nvSpPr>
-        <p:spPr>
-          <a:xfrm>
-            <a:off x="6395360" y="5079913"/>
-            <a:ext cx="2175414" cy="910800"/>
-          </a:xfrm>
-          <a:prstGeom prst="rect">
-            <a:avLst/>
-          </a:prstGeom>
-        </p:spPr>
-        <p:style>
-          <a:lnRef idx="2">
-            <a:schemeClr val="accent1">
-              <a:shade val="15000"/>
-            </a:schemeClr>
-          </a:lnRef>
-          <a:fillRef idx="1">
-            <a:schemeClr val="accent1"/>
-          </a:fillRef>
-          <a:effectRef idx="0">
-            <a:schemeClr val="accent1"/>
-          </a:effectRef>
-          <a:fontRef idx="minor">
-            <a:schemeClr val="lt1"/>
-          </a:fontRef>
-        </p:style>
-        <p:txBody>
-          <a:bodyPr rtlCol="0" anchor="ctr"/>
-          <a:lstStyle/>
-          <a:p>
-            <a:pPr algn="ctr"/>
-            <a:r>
-              <a:rPr lang="en-US" dirty="0"/>
-              <a:t>Microcontrollers</a:t>
-            </a:r>
-          </a:p>
-          <a:p>
-            <a:pPr algn="ctr"/>
-            <a:r>
-              <a:rPr lang="en-US" dirty="0"/>
-              <a:t>Table</a:t>
             </a:r>
           </a:p>
         </p:txBody>
@@ -6110,10 +6722,10 @@
       </p:sp>
       <p:sp>
         <p:nvSpPr>
-          <p:cNvPr id="20" name="Freeform 19">
-            <a:extLst>
-              <a:ext uri="{FF2B5EF4-FFF2-40B4-BE49-F238E27FC236}">
-                <a16:creationId xmlns:a16="http://schemas.microsoft.com/office/drawing/2014/main" id="{52074B61-A573-84FC-967E-8BB724662045}"/>
+          <p:cNvPr id="21" name="Freeform 20">
+            <a:extLst>
+              <a:ext uri="{FF2B5EF4-FFF2-40B4-BE49-F238E27FC236}">
+                <a16:creationId xmlns:a16="http://schemas.microsoft.com/office/drawing/2014/main" id="{8678822F-E81C-FF88-7BA8-D8C316900BDF}"/>
               </a:ext>
             </a:extLst>
           </p:cNvPr>
@@ -6122,7 +6734,7 @@
         </p:nvSpPr>
         <p:spPr>
           <a:xfrm rot="4244907">
-            <a:off x="2988197" y="1402467"/>
+            <a:off x="5889500" y="1370179"/>
             <a:ext cx="358815" cy="1099595"/>
           </a:xfrm>
           <a:custGeom>
@@ -6199,10 +6811,10 @@
       </p:sp>
       <p:sp>
         <p:nvSpPr>
-          <p:cNvPr id="21" name="Freeform 20">
-            <a:extLst>
-              <a:ext uri="{FF2B5EF4-FFF2-40B4-BE49-F238E27FC236}">
-                <a16:creationId xmlns:a16="http://schemas.microsoft.com/office/drawing/2014/main" id="{8678822F-E81C-FF88-7BA8-D8C316900BDF}"/>
+          <p:cNvPr id="22" name="Freeform 21">
+            <a:extLst>
+              <a:ext uri="{FF2B5EF4-FFF2-40B4-BE49-F238E27FC236}">
+                <a16:creationId xmlns:a16="http://schemas.microsoft.com/office/drawing/2014/main" id="{DE6292EA-F307-2A12-95E7-344DCCD3F340}"/>
               </a:ext>
             </a:extLst>
           </p:cNvPr>
@@ -6210,9 +6822,9 @@
           <p:nvPr/>
         </p:nvSpPr>
         <p:spPr>
-          <a:xfrm rot="4244907">
-            <a:off x="5744899" y="1450694"/>
-            <a:ext cx="358815" cy="1099595"/>
+          <a:xfrm rot="6454780" flipH="1">
+            <a:off x="3135940" y="4352731"/>
+            <a:ext cx="330201" cy="1099595"/>
           </a:xfrm>
           <a:custGeom>
             <a:avLst/>
@@ -6288,10 +6900,10 @@
       </p:sp>
       <p:sp>
         <p:nvSpPr>
-          <p:cNvPr id="22" name="Freeform 21">
-            <a:extLst>
-              <a:ext uri="{FF2B5EF4-FFF2-40B4-BE49-F238E27FC236}">
-                <a16:creationId xmlns:a16="http://schemas.microsoft.com/office/drawing/2014/main" id="{DE6292EA-F307-2A12-95E7-344DCCD3F340}"/>
+          <p:cNvPr id="23" name="Freeform 22">
+            <a:extLst>
+              <a:ext uri="{FF2B5EF4-FFF2-40B4-BE49-F238E27FC236}">
+                <a16:creationId xmlns:a16="http://schemas.microsoft.com/office/drawing/2014/main" id="{B883F017-5778-983C-7BD6-41EED619870B}"/>
               </a:ext>
             </a:extLst>
           </p:cNvPr>
@@ -6300,7 +6912,7 @@
         </p:nvSpPr>
         <p:spPr>
           <a:xfrm rot="6454780" flipH="1">
-            <a:off x="3182139" y="4287269"/>
+            <a:off x="5973566" y="4335495"/>
             <a:ext cx="330201" cy="1099595"/>
           </a:xfrm>
           <a:custGeom>
@@ -6377,10 +6989,10 @@
       </p:sp>
       <p:sp>
         <p:nvSpPr>
-          <p:cNvPr id="23" name="Freeform 22">
-            <a:extLst>
-              <a:ext uri="{FF2B5EF4-FFF2-40B4-BE49-F238E27FC236}">
-                <a16:creationId xmlns:a16="http://schemas.microsoft.com/office/drawing/2014/main" id="{B883F017-5778-983C-7BD6-41EED619870B}"/>
+          <p:cNvPr id="24" name="Freeform 23">
+            <a:extLst>
+              <a:ext uri="{FF2B5EF4-FFF2-40B4-BE49-F238E27FC236}">
+                <a16:creationId xmlns:a16="http://schemas.microsoft.com/office/drawing/2014/main" id="{D6C0F077-91A0-4408-F5BF-271DBFBAD4B4}"/>
               </a:ext>
             </a:extLst>
           </p:cNvPr>
@@ -6388,9 +7000,9 @@
           <p:nvPr/>
         </p:nvSpPr>
         <p:spPr>
-          <a:xfrm rot="6454780" flipH="1">
-            <a:off x="5973566" y="4335495"/>
-            <a:ext cx="330201" cy="1099595"/>
+          <a:xfrm rot="15017741" flipH="1">
+            <a:off x="4478125" y="89757"/>
+            <a:ext cx="493419" cy="6593568"/>
           </a:xfrm>
           <a:custGeom>
             <a:avLst/>
@@ -6466,10 +7078,10 @@
       </p:sp>
       <p:sp>
         <p:nvSpPr>
-          <p:cNvPr id="24" name="Freeform 23">
-            <a:extLst>
-              <a:ext uri="{FF2B5EF4-FFF2-40B4-BE49-F238E27FC236}">
-                <a16:creationId xmlns:a16="http://schemas.microsoft.com/office/drawing/2014/main" id="{D6C0F077-91A0-4408-F5BF-271DBFBAD4B4}"/>
+          <p:cNvPr id="25" name="Freeform 24">
+            <a:extLst>
+              <a:ext uri="{FF2B5EF4-FFF2-40B4-BE49-F238E27FC236}">
+                <a16:creationId xmlns:a16="http://schemas.microsoft.com/office/drawing/2014/main" id="{81B33D3C-D019-7FFC-433F-504004210D33}"/>
               </a:ext>
             </a:extLst>
           </p:cNvPr>
@@ -6477,9 +7089,9 @@
           <p:nvPr/>
         </p:nvSpPr>
         <p:spPr>
-          <a:xfrm rot="15017741" flipH="1">
-            <a:off x="4813042" y="155391"/>
-            <a:ext cx="330201" cy="6593568"/>
+          <a:xfrm rot="4425908" flipH="1">
+            <a:off x="8672397" y="4001760"/>
+            <a:ext cx="330201" cy="1099595"/>
           </a:xfrm>
           <a:custGeom>
             <a:avLst/>
@@ -6555,10 +7167,45 @@
       </p:sp>
       <p:sp>
         <p:nvSpPr>
-          <p:cNvPr id="25" name="Freeform 24">
-            <a:extLst>
-              <a:ext uri="{FF2B5EF4-FFF2-40B4-BE49-F238E27FC236}">
-                <a16:creationId xmlns:a16="http://schemas.microsoft.com/office/drawing/2014/main" id="{81B33D3C-D019-7FFC-433F-504004210D33}"/>
+          <p:cNvPr id="26" name="TextBox 25">
+            <a:extLst>
+              <a:ext uri="{FF2B5EF4-FFF2-40B4-BE49-F238E27FC236}">
+                <a16:creationId xmlns:a16="http://schemas.microsoft.com/office/drawing/2014/main" id="{1532BB18-3BBD-A032-1FB5-F1E50BA1B278}"/>
+              </a:ext>
+            </a:extLst>
+          </p:cNvPr>
+          <p:cNvSpPr txBox="1"/>
+          <p:nvPr/>
+        </p:nvSpPr>
+        <p:spPr>
+          <a:xfrm>
+            <a:off x="3426107" y="3067292"/>
+            <a:ext cx="1254382" cy="369332"/>
+          </a:xfrm>
+          <a:prstGeom prst="rect">
+            <a:avLst/>
+          </a:prstGeom>
+          <a:noFill/>
+        </p:spPr>
+        <p:txBody>
+          <a:bodyPr wrap="none" rtlCol="0">
+            <a:spAutoFit/>
+          </a:bodyPr>
+          <a:lstStyle/>
+          <a:p>
+            <a:r>
+              <a:rPr lang="en-US" dirty="0"/>
+              <a:t>Traffic Flow</a:t>
+            </a:r>
+          </a:p>
+        </p:txBody>
+      </p:sp>
+      <p:sp>
+        <p:nvSpPr>
+          <p:cNvPr id="7" name="Trapezoid 6">
+            <a:extLst>
+              <a:ext uri="{FF2B5EF4-FFF2-40B4-BE49-F238E27FC236}">
+                <a16:creationId xmlns:a16="http://schemas.microsoft.com/office/drawing/2014/main" id="{7DDF6C1F-EEA6-77B5-C3B1-238A3EA75AE0}"/>
               </a:ext>
             </a:extLst>
           </p:cNvPr>
@@ -6566,56 +7213,13 @@
           <p:nvPr/>
         </p:nvSpPr>
         <p:spPr>
-          <a:xfrm rot="4425908" flipH="1">
-            <a:off x="8672397" y="4001760"/>
-            <a:ext cx="330201" cy="1099595"/>
-          </a:xfrm>
-          <a:custGeom>
+          <a:xfrm rot="5400000">
+            <a:off x="-356909" y="3211626"/>
+            <a:ext cx="1427898" cy="358815"/>
+          </a:xfrm>
+          <a:prstGeom prst="trapezoid">
             <a:avLst/>
-            <a:gdLst>
-              <a:gd name="connsiteX0" fmla="*/ 0 w 358815"/>
-              <a:gd name="connsiteY0" fmla="*/ 1099595 h 1099595"/>
-              <a:gd name="connsiteX1" fmla="*/ 289367 w 358815"/>
-              <a:gd name="connsiteY1" fmla="*/ 601884 h 1099595"/>
-              <a:gd name="connsiteX2" fmla="*/ 358815 w 358815"/>
-              <a:gd name="connsiteY2" fmla="*/ 0 h 1099595"/>
-            </a:gdLst>
-            <a:ahLst/>
-            <a:cxnLst>
-              <a:cxn ang="0">
-                <a:pos x="connsiteX0" y="connsiteY0"/>
-              </a:cxn>
-              <a:cxn ang="0">
-                <a:pos x="connsiteX1" y="connsiteY1"/>
-              </a:cxn>
-              <a:cxn ang="0">
-                <a:pos x="connsiteX2" y="connsiteY2"/>
-              </a:cxn>
-            </a:cxnLst>
-            <a:rect l="l" t="t" r="r" b="b"/>
-            <a:pathLst>
-              <a:path w="358815" h="1099595">
-                <a:moveTo>
-                  <a:pt x="0" y="1099595"/>
-                </a:moveTo>
-                <a:cubicBezTo>
-                  <a:pt x="114782" y="942372"/>
-                  <a:pt x="229565" y="785150"/>
-                  <a:pt x="289367" y="601884"/>
-                </a:cubicBezTo>
-                <a:cubicBezTo>
-                  <a:pt x="349169" y="418618"/>
-                  <a:pt x="353992" y="209309"/>
-                  <a:pt x="358815" y="0"/>
-                </a:cubicBezTo>
-              </a:path>
-            </a:pathLst>
-          </a:custGeom>
-          <a:noFill/>
-          <a:ln w="76200">
-            <a:headEnd type="none" w="med" len="med"/>
-            <a:tailEnd type="triangle" w="med" len="med"/>
-          </a:ln>
+          </a:prstGeom>
         </p:spPr>
         <p:style>
           <a:lnRef idx="2">
@@ -6644,10 +7248,206 @@
       </p:sp>
       <p:sp>
         <p:nvSpPr>
-          <p:cNvPr id="26" name="TextBox 25">
-            <a:extLst>
-              <a:ext uri="{FF2B5EF4-FFF2-40B4-BE49-F238E27FC236}">
-                <a16:creationId xmlns:a16="http://schemas.microsoft.com/office/drawing/2014/main" id="{1532BB18-3BBD-A032-1FB5-F1E50BA1B278}"/>
+          <p:cNvPr id="18" name="Rectangle 17">
+            <a:extLst>
+              <a:ext uri="{FF2B5EF4-FFF2-40B4-BE49-F238E27FC236}">
+                <a16:creationId xmlns:a16="http://schemas.microsoft.com/office/drawing/2014/main" id="{CCFBDDC8-B7A9-7A7B-423C-62D4B26ECEC0}"/>
+              </a:ext>
+            </a:extLst>
+          </p:cNvPr>
+          <p:cNvSpPr/>
+          <p:nvPr/>
+        </p:nvSpPr>
+        <p:spPr>
+          <a:xfrm>
+            <a:off x="992882" y="1055578"/>
+            <a:ext cx="246817" cy="263277"/>
+          </a:xfrm>
+          <a:prstGeom prst="rect">
+            <a:avLst/>
+          </a:prstGeom>
+          <a:solidFill>
+            <a:schemeClr val="bg1"/>
+          </a:solidFill>
+        </p:spPr>
+        <p:style>
+          <a:lnRef idx="2">
+            <a:schemeClr val="accent1">
+              <a:shade val="15000"/>
+            </a:schemeClr>
+          </a:lnRef>
+          <a:fillRef idx="1">
+            <a:schemeClr val="accent1"/>
+          </a:fillRef>
+          <a:effectRef idx="0">
+            <a:schemeClr val="accent1"/>
+          </a:effectRef>
+          <a:fontRef idx="minor">
+            <a:schemeClr val="lt1"/>
+          </a:fontRef>
+        </p:style>
+        <p:txBody>
+          <a:bodyPr rtlCol="0" anchor="ctr"/>
+          <a:lstStyle/>
+          <a:p>
+            <a:pPr algn="ctr"/>
+            <a:endParaRPr lang="en-US"/>
+          </a:p>
+        </p:txBody>
+      </p:sp>
+      <p:sp>
+        <p:nvSpPr>
+          <p:cNvPr id="28" name="Rectangle 27">
+            <a:extLst>
+              <a:ext uri="{FF2B5EF4-FFF2-40B4-BE49-F238E27FC236}">
+                <a16:creationId xmlns:a16="http://schemas.microsoft.com/office/drawing/2014/main" id="{AC1E3212-03DD-0784-B126-6FADC8ADCF54}"/>
+              </a:ext>
+            </a:extLst>
+          </p:cNvPr>
+          <p:cNvSpPr/>
+          <p:nvPr/>
+        </p:nvSpPr>
+        <p:spPr>
+          <a:xfrm>
+            <a:off x="1063970" y="1145649"/>
+            <a:ext cx="246817" cy="263277"/>
+          </a:xfrm>
+          <a:prstGeom prst="rect">
+            <a:avLst/>
+          </a:prstGeom>
+          <a:solidFill>
+            <a:schemeClr val="bg1"/>
+          </a:solidFill>
+        </p:spPr>
+        <p:style>
+          <a:lnRef idx="2">
+            <a:schemeClr val="accent1">
+              <a:shade val="15000"/>
+            </a:schemeClr>
+          </a:lnRef>
+          <a:fillRef idx="1">
+            <a:schemeClr val="accent1"/>
+          </a:fillRef>
+          <a:effectRef idx="0">
+            <a:schemeClr val="accent1"/>
+          </a:effectRef>
+          <a:fontRef idx="minor">
+            <a:schemeClr val="lt1"/>
+          </a:fontRef>
+        </p:style>
+        <p:txBody>
+          <a:bodyPr rtlCol="0" anchor="ctr"/>
+          <a:lstStyle/>
+          <a:p>
+            <a:pPr algn="ctr"/>
+            <a:endParaRPr lang="en-US"/>
+          </a:p>
+        </p:txBody>
+      </p:sp>
+      <p:sp>
+        <p:nvSpPr>
+          <p:cNvPr id="29" name="Rectangle 28">
+            <a:extLst>
+              <a:ext uri="{FF2B5EF4-FFF2-40B4-BE49-F238E27FC236}">
+                <a16:creationId xmlns:a16="http://schemas.microsoft.com/office/drawing/2014/main" id="{1DFB3BA6-F87B-2DF3-1D52-E8E3B57F0C24}"/>
+              </a:ext>
+            </a:extLst>
+          </p:cNvPr>
+          <p:cNvSpPr/>
+          <p:nvPr/>
+        </p:nvSpPr>
+        <p:spPr>
+          <a:xfrm>
+            <a:off x="1145282" y="1207978"/>
+            <a:ext cx="246817" cy="263277"/>
+          </a:xfrm>
+          <a:prstGeom prst="rect">
+            <a:avLst/>
+          </a:prstGeom>
+          <a:solidFill>
+            <a:schemeClr val="bg1"/>
+          </a:solidFill>
+        </p:spPr>
+        <p:style>
+          <a:lnRef idx="2">
+            <a:schemeClr val="accent1">
+              <a:shade val="15000"/>
+            </a:schemeClr>
+          </a:lnRef>
+          <a:fillRef idx="1">
+            <a:schemeClr val="accent1"/>
+          </a:fillRef>
+          <a:effectRef idx="0">
+            <a:schemeClr val="accent1"/>
+          </a:effectRef>
+          <a:fontRef idx="minor">
+            <a:schemeClr val="lt1"/>
+          </a:fontRef>
+        </p:style>
+        <p:txBody>
+          <a:bodyPr rtlCol="0" anchor="ctr"/>
+          <a:lstStyle/>
+          <a:p>
+            <a:pPr algn="ctr"/>
+            <a:endParaRPr lang="en-US"/>
+          </a:p>
+        </p:txBody>
+      </p:sp>
+      <p:sp>
+        <p:nvSpPr>
+          <p:cNvPr id="30" name="Rectangle 29">
+            <a:extLst>
+              <a:ext uri="{FF2B5EF4-FFF2-40B4-BE49-F238E27FC236}">
+                <a16:creationId xmlns:a16="http://schemas.microsoft.com/office/drawing/2014/main" id="{8BFDCA51-C9D5-9725-B55A-86DF7A77D1D2}"/>
+              </a:ext>
+            </a:extLst>
+          </p:cNvPr>
+          <p:cNvSpPr/>
+          <p:nvPr/>
+        </p:nvSpPr>
+        <p:spPr>
+          <a:xfrm>
+            <a:off x="1216370" y="1298049"/>
+            <a:ext cx="246817" cy="263277"/>
+          </a:xfrm>
+          <a:prstGeom prst="rect">
+            <a:avLst/>
+          </a:prstGeom>
+          <a:solidFill>
+            <a:schemeClr val="bg1"/>
+          </a:solidFill>
+        </p:spPr>
+        <p:style>
+          <a:lnRef idx="2">
+            <a:schemeClr val="accent1">
+              <a:shade val="15000"/>
+            </a:schemeClr>
+          </a:lnRef>
+          <a:fillRef idx="1">
+            <a:schemeClr val="accent1"/>
+          </a:fillRef>
+          <a:effectRef idx="0">
+            <a:schemeClr val="accent1"/>
+          </a:effectRef>
+          <a:fontRef idx="minor">
+            <a:schemeClr val="lt1"/>
+          </a:fontRef>
+        </p:style>
+        <p:txBody>
+          <a:bodyPr rtlCol="0" anchor="ctr"/>
+          <a:lstStyle/>
+          <a:p>
+            <a:pPr algn="ctr"/>
+            <a:endParaRPr lang="en-US"/>
+          </a:p>
+        </p:txBody>
+      </p:sp>
+      <p:sp>
+        <p:nvSpPr>
+          <p:cNvPr id="31" name="TextBox 30">
+            <a:extLst>
+              <a:ext uri="{FF2B5EF4-FFF2-40B4-BE49-F238E27FC236}">
+                <a16:creationId xmlns:a16="http://schemas.microsoft.com/office/drawing/2014/main" id="{B497F158-7056-8A22-E536-804AD31E5F50}"/>
               </a:ext>
             </a:extLst>
           </p:cNvPr>
@@ -6656,8 +7456,8 @@
         </p:nvSpPr>
         <p:spPr>
           <a:xfrm>
-            <a:off x="3426107" y="3067292"/>
-            <a:ext cx="1254382" cy="369332"/>
+            <a:off x="151691" y="1104797"/>
+            <a:ext cx="801694" cy="461665"/>
           </a:xfrm>
           <a:prstGeom prst="rect">
             <a:avLst/>
@@ -6671,8 +7471,14 @@
           <a:lstStyle/>
           <a:p>
             <a:r>
-              <a:rPr lang="en-US" dirty="0"/>
-              <a:t>Traffic Flow</a:t>
+              <a:rPr lang="en-US" sz="1200" dirty="0"/>
+              <a:t>Checklists</a:t>
+            </a:r>
+          </a:p>
+          <a:p>
+            <a:r>
+              <a:rPr lang="en-US" sz="1200" dirty="0"/>
+              <a:t>&amp; Badges</a:t>
             </a:r>
           </a:p>
         </p:txBody>
@@ -9266,4 +10072,299 @@
     </a:ext>
   </a:extLst>
 </a:theme>
+</file>
+
+<file path=ppt/theme/theme2.xml><?xml version="1.0" encoding="utf-8"?>
+<a:theme xmlns:a="http://schemas.openxmlformats.org/drawingml/2006/main" name="Office Theme">
+  <a:themeElements>
+    <a:clrScheme name="Office">
+      <a:dk1>
+        <a:sysClr val="windowText" lastClr="000000"/>
+      </a:dk1>
+      <a:lt1>
+        <a:sysClr val="window" lastClr="FFFFFF"/>
+      </a:lt1>
+      <a:dk2>
+        <a:srgbClr val="44546A"/>
+      </a:dk2>
+      <a:lt2>
+        <a:srgbClr val="E7E6E6"/>
+      </a:lt2>
+      <a:accent1>
+        <a:srgbClr val="4472C4"/>
+      </a:accent1>
+      <a:accent2>
+        <a:srgbClr val="ED7D31"/>
+      </a:accent2>
+      <a:accent3>
+        <a:srgbClr val="A5A5A5"/>
+      </a:accent3>
+      <a:accent4>
+        <a:srgbClr val="FFC000"/>
+      </a:accent4>
+      <a:accent5>
+        <a:srgbClr val="5B9BD5"/>
+      </a:accent5>
+      <a:accent6>
+        <a:srgbClr val="70AD47"/>
+      </a:accent6>
+      <a:hlink>
+        <a:srgbClr val="0563C1"/>
+      </a:hlink>
+      <a:folHlink>
+        <a:srgbClr val="954F72"/>
+      </a:folHlink>
+    </a:clrScheme>
+    <a:fontScheme name="Office">
+      <a:majorFont>
+        <a:latin typeface="Calibri Light" panose="020F0302020204030204"/>
+        <a:ea typeface=""/>
+        <a:cs typeface=""/>
+        <a:font script="Jpan" typeface="游ゴシック Light"/>
+        <a:font script="Hang" typeface="맑은 고딕"/>
+        <a:font script="Hans" typeface="等线 Light"/>
+        <a:font script="Hant" typeface="新細明體"/>
+        <a:font script="Arab" typeface="Times New Roman"/>
+        <a:font script="Hebr" typeface="Times New Roman"/>
+        <a:font script="Thai" typeface="Angsana New"/>
+        <a:font script="Ethi" typeface="Nyala"/>
+        <a:font script="Beng" typeface="Vrinda"/>
+        <a:font script="Gujr" typeface="Shruti"/>
+        <a:font script="Khmr" typeface="MoolBoran"/>
+        <a:font script="Knda" typeface="Tunga"/>
+        <a:font script="Guru" typeface="Raavi"/>
+        <a:font script="Cans" typeface="Euphemia"/>
+        <a:font script="Cher" typeface="Plantagenet Cherokee"/>
+        <a:font script="Yiii" typeface="Microsoft Yi Baiti"/>
+        <a:font script="Tibt" typeface="Microsoft Himalaya"/>
+        <a:font script="Thaa" typeface="MV Boli"/>
+        <a:font script="Deva" typeface="Mangal"/>
+        <a:font script="Telu" typeface="Gautami"/>
+        <a:font script="Taml" typeface="Latha"/>
+        <a:font script="Syrc" typeface="Estrangelo Edessa"/>
+        <a:font script="Orya" typeface="Kalinga"/>
+        <a:font script="Mlym" typeface="Kartika"/>
+        <a:font script="Laoo" typeface="DokChampa"/>
+        <a:font script="Sinh" typeface="Iskoola Pota"/>
+        <a:font script="Mong" typeface="Mongolian Baiti"/>
+        <a:font script="Viet" typeface="Times New Roman"/>
+        <a:font script="Uigh" typeface="Microsoft Uighur"/>
+        <a:font script="Geor" typeface="Sylfaen"/>
+        <a:font script="Armn" typeface="Arial"/>
+        <a:font script="Bugi" typeface="Leelawadee UI"/>
+        <a:font script="Bopo" typeface="Microsoft JhengHei"/>
+        <a:font script="Java" typeface="Javanese Text"/>
+        <a:font script="Lisu" typeface="Segoe UI"/>
+        <a:font script="Mymr" typeface="Myanmar Text"/>
+        <a:font script="Nkoo" typeface="Ebrima"/>
+        <a:font script="Olck" typeface="Nirmala UI"/>
+        <a:font script="Osma" typeface="Ebrima"/>
+        <a:font script="Phag" typeface="Phagspa"/>
+        <a:font script="Syrn" typeface="Estrangelo Edessa"/>
+        <a:font script="Syrj" typeface="Estrangelo Edessa"/>
+        <a:font script="Syre" typeface="Estrangelo Edessa"/>
+        <a:font script="Sora" typeface="Nirmala UI"/>
+        <a:font script="Tale" typeface="Microsoft Tai Le"/>
+        <a:font script="Talu" typeface="Microsoft New Tai Lue"/>
+        <a:font script="Tfng" typeface="Ebrima"/>
+      </a:majorFont>
+      <a:minorFont>
+        <a:latin typeface="Calibri" panose="020F0502020204030204"/>
+        <a:ea typeface=""/>
+        <a:cs typeface=""/>
+        <a:font script="Jpan" typeface="游ゴシック"/>
+        <a:font script="Hang" typeface="맑은 고딕"/>
+        <a:font script="Hans" typeface="等线"/>
+        <a:font script="Hant" typeface="新細明體"/>
+        <a:font script="Arab" typeface="Arial"/>
+        <a:font script="Hebr" typeface="Arial"/>
+        <a:font script="Thai" typeface="Cordia New"/>
+        <a:font script="Ethi" typeface="Nyala"/>
+        <a:font script="Beng" typeface="Vrinda"/>
+        <a:font script="Gujr" typeface="Shruti"/>
+        <a:font script="Khmr" typeface="DaunPenh"/>
+        <a:font script="Knda" typeface="Tunga"/>
+        <a:font script="Guru" typeface="Raavi"/>
+        <a:font script="Cans" typeface="Euphemia"/>
+        <a:font script="Cher" typeface="Plantagenet Cherokee"/>
+        <a:font script="Yiii" typeface="Microsoft Yi Baiti"/>
+        <a:font script="Tibt" typeface="Microsoft Himalaya"/>
+        <a:font script="Thaa" typeface="MV Boli"/>
+        <a:font script="Deva" typeface="Mangal"/>
+        <a:font script="Telu" typeface="Gautami"/>
+        <a:font script="Taml" typeface="Latha"/>
+        <a:font script="Syrc" typeface="Estrangelo Edessa"/>
+        <a:font script="Orya" typeface="Kalinga"/>
+        <a:font script="Mlym" typeface="Kartika"/>
+        <a:font script="Laoo" typeface="DokChampa"/>
+        <a:font script="Sinh" typeface="Iskoola Pota"/>
+        <a:font script="Mong" typeface="Mongolian Baiti"/>
+        <a:font script="Viet" typeface="Arial"/>
+        <a:font script="Uigh" typeface="Microsoft Uighur"/>
+        <a:font script="Geor" typeface="Sylfaen"/>
+        <a:font script="Armn" typeface="Arial"/>
+        <a:font script="Bugi" typeface="Leelawadee UI"/>
+        <a:font script="Bopo" typeface="Microsoft JhengHei"/>
+        <a:font script="Java" typeface="Javanese Text"/>
+        <a:font script="Lisu" typeface="Segoe UI"/>
+        <a:font script="Mymr" typeface="Myanmar Text"/>
+        <a:font script="Nkoo" typeface="Ebrima"/>
+        <a:font script="Olck" typeface="Nirmala UI"/>
+        <a:font script="Osma" typeface="Ebrima"/>
+        <a:font script="Phag" typeface="Phagspa"/>
+        <a:font script="Syrn" typeface="Estrangelo Edessa"/>
+        <a:font script="Syrj" typeface="Estrangelo Edessa"/>
+        <a:font script="Syre" typeface="Estrangelo Edessa"/>
+        <a:font script="Sora" typeface="Nirmala UI"/>
+        <a:font script="Tale" typeface="Microsoft Tai Le"/>
+        <a:font script="Talu" typeface="Microsoft New Tai Lue"/>
+        <a:font script="Tfng" typeface="Ebrima"/>
+      </a:minorFont>
+    </a:fontScheme>
+    <a:fmtScheme name="Office">
+      <a:fillStyleLst>
+        <a:solidFill>
+          <a:schemeClr val="phClr"/>
+        </a:solidFill>
+        <a:gradFill rotWithShape="1">
+          <a:gsLst>
+            <a:gs pos="0">
+              <a:schemeClr val="phClr">
+                <a:lumMod val="110000"/>
+                <a:satMod val="105000"/>
+                <a:tint val="67000"/>
+              </a:schemeClr>
+            </a:gs>
+            <a:gs pos="50000">
+              <a:schemeClr val="phClr">
+                <a:lumMod val="105000"/>
+                <a:satMod val="103000"/>
+                <a:tint val="73000"/>
+              </a:schemeClr>
+            </a:gs>
+            <a:gs pos="100000">
+              <a:schemeClr val="phClr">
+                <a:lumMod val="105000"/>
+                <a:satMod val="109000"/>
+                <a:tint val="81000"/>
+              </a:schemeClr>
+            </a:gs>
+          </a:gsLst>
+          <a:lin ang="5400000" scaled="0"/>
+        </a:gradFill>
+        <a:gradFill rotWithShape="1">
+          <a:gsLst>
+            <a:gs pos="0">
+              <a:schemeClr val="phClr">
+                <a:satMod val="103000"/>
+                <a:lumMod val="102000"/>
+                <a:tint val="94000"/>
+              </a:schemeClr>
+            </a:gs>
+            <a:gs pos="50000">
+              <a:schemeClr val="phClr">
+                <a:satMod val="110000"/>
+                <a:lumMod val="100000"/>
+                <a:shade val="100000"/>
+              </a:schemeClr>
+            </a:gs>
+            <a:gs pos="100000">
+              <a:schemeClr val="phClr">
+                <a:lumMod val="99000"/>
+                <a:satMod val="120000"/>
+                <a:shade val="78000"/>
+              </a:schemeClr>
+            </a:gs>
+          </a:gsLst>
+          <a:lin ang="5400000" scaled="0"/>
+        </a:gradFill>
+      </a:fillStyleLst>
+      <a:lnStyleLst>
+        <a:ln w="6350" cap="flat" cmpd="sng" algn="ctr">
+          <a:solidFill>
+            <a:schemeClr val="phClr"/>
+          </a:solidFill>
+          <a:prstDash val="solid"/>
+          <a:miter lim="800000"/>
+        </a:ln>
+        <a:ln w="12700" cap="flat" cmpd="sng" algn="ctr">
+          <a:solidFill>
+            <a:schemeClr val="phClr"/>
+          </a:solidFill>
+          <a:prstDash val="solid"/>
+          <a:miter lim="800000"/>
+        </a:ln>
+        <a:ln w="19050" cap="flat" cmpd="sng" algn="ctr">
+          <a:solidFill>
+            <a:schemeClr val="phClr"/>
+          </a:solidFill>
+          <a:prstDash val="solid"/>
+          <a:miter lim="800000"/>
+        </a:ln>
+      </a:lnStyleLst>
+      <a:effectStyleLst>
+        <a:effectStyle>
+          <a:effectLst/>
+        </a:effectStyle>
+        <a:effectStyle>
+          <a:effectLst/>
+        </a:effectStyle>
+        <a:effectStyle>
+          <a:effectLst>
+            <a:outerShdw blurRad="57150" dist="19050" dir="5400000" algn="ctr" rotWithShape="0">
+              <a:srgbClr val="000000">
+                <a:alpha val="63000"/>
+              </a:srgbClr>
+            </a:outerShdw>
+          </a:effectLst>
+        </a:effectStyle>
+      </a:effectStyleLst>
+      <a:bgFillStyleLst>
+        <a:solidFill>
+          <a:schemeClr val="phClr"/>
+        </a:solidFill>
+        <a:solidFill>
+          <a:schemeClr val="phClr">
+            <a:tint val="95000"/>
+            <a:satMod val="170000"/>
+          </a:schemeClr>
+        </a:solidFill>
+        <a:gradFill rotWithShape="1">
+          <a:gsLst>
+            <a:gs pos="0">
+              <a:schemeClr val="phClr">
+                <a:tint val="93000"/>
+                <a:satMod val="150000"/>
+                <a:shade val="98000"/>
+                <a:lumMod val="102000"/>
+              </a:schemeClr>
+            </a:gs>
+            <a:gs pos="50000">
+              <a:schemeClr val="phClr">
+                <a:tint val="98000"/>
+                <a:satMod val="130000"/>
+                <a:shade val="90000"/>
+                <a:lumMod val="103000"/>
+              </a:schemeClr>
+            </a:gs>
+            <a:gs pos="100000">
+              <a:schemeClr val="phClr">
+                <a:shade val="63000"/>
+                <a:satMod val="120000"/>
+              </a:schemeClr>
+            </a:gs>
+          </a:gsLst>
+          <a:lin ang="5400000" scaled="0"/>
+        </a:gradFill>
+      </a:bgFillStyleLst>
+    </a:fmtScheme>
+  </a:themeElements>
+  <a:objectDefaults/>
+  <a:extraClrSchemeLst/>
+  <a:extLst>
+    <a:ext uri="{05A4C25C-085E-4340-85A3-A5531E510DB2}">
+      <thm15:themeFamily xmlns:thm15="http://schemas.microsoft.com/office/thememl/2012/main" name="Office Theme" id="{62F939B6-93AF-4DB8-9C6B-D6C7DFDC589F}" vid="{4A3C46E8-61CC-4603-A589-7422A47A8E4A}"/>
+    </a:ext>
+  </a:extLst>
+</a:theme>
 </file>